--- a/legacy.pptx
+++ b/legacy.pptx
@@ -2494,6 +2494,13 @@
         </dgm:presLayoutVars>
       </dgm:prSet>
       <dgm:spPr/>
+      <dgm:t>
+        <a:bodyPr/>
+        <a:lstStyle/>
+        <a:p>
+          <a:endParaRPr lang="ru-RU"/>
+        </a:p>
+      </dgm:t>
     </dgm:pt>
     <dgm:pt modelId="{CF6D50B3-578A-4EA0-A5A0-492FA729F6ED}" type="pres">
       <dgm:prSet presAssocID="{B75F6A3A-9A51-4DF3-8A57-9AEB0739425C}" presName="composite" presStyleCnt="0"/>
@@ -2506,6 +2513,13 @@
         </dgm:presLayoutVars>
       </dgm:prSet>
       <dgm:spPr/>
+      <dgm:t>
+        <a:bodyPr/>
+        <a:lstStyle/>
+        <a:p>
+          <a:endParaRPr lang="ru-RU"/>
+        </a:p>
+      </dgm:t>
     </dgm:pt>
     <dgm:pt modelId="{61EB78D8-69FF-471D-8FEB-71388C442F55}" type="pres">
       <dgm:prSet presAssocID="{B75F6A3A-9A51-4DF3-8A57-9AEB0739425C}" presName="rect1" presStyleLbl="alignImgPlace1" presStyleIdx="0" presStyleCnt="1" custScaleX="596594" custScaleY="114980" custLinFactX="-64576" custLinFactNeighborX="-100000" custLinFactNeighborY="-13065"/>
@@ -2601,6 +2615,13 @@
         </dgm:presLayoutVars>
       </dgm:prSet>
       <dgm:spPr/>
+      <dgm:t>
+        <a:bodyPr/>
+        <a:lstStyle/>
+        <a:p>
+          <a:endParaRPr lang="ru-RU"/>
+        </a:p>
+      </dgm:t>
     </dgm:pt>
     <dgm:pt modelId="{CF6D50B3-578A-4EA0-A5A0-492FA729F6ED}" type="pres">
       <dgm:prSet presAssocID="{B75F6A3A-9A51-4DF3-8A57-9AEB0739425C}" presName="composite" presStyleCnt="0"/>
@@ -2613,6 +2634,13 @@
         </dgm:presLayoutVars>
       </dgm:prSet>
       <dgm:spPr/>
+      <dgm:t>
+        <a:bodyPr/>
+        <a:lstStyle/>
+        <a:p>
+          <a:endParaRPr lang="ru-RU"/>
+        </a:p>
+      </dgm:t>
     </dgm:pt>
     <dgm:pt modelId="{61EB78D8-69FF-471D-8FEB-71388C442F55}" type="pres">
       <dgm:prSet presAssocID="{B75F6A3A-9A51-4DF3-8A57-9AEB0739425C}" presName="rect1" presStyleLbl="alignImgPlace1" presStyleIdx="0" presStyleCnt="1" custScaleX="596594" custScaleY="114980" custLinFactX="-64576" custLinFactNeighborX="-100000" custLinFactNeighborY="-13065"/>
@@ -2726,6 +2754,13 @@
         </dgm:presLayoutVars>
       </dgm:prSet>
       <dgm:spPr/>
+      <dgm:t>
+        <a:bodyPr/>
+        <a:lstStyle/>
+        <a:p>
+          <a:endParaRPr lang="ru-RU"/>
+        </a:p>
+      </dgm:t>
     </dgm:pt>
     <dgm:pt modelId="{65D73C51-61AB-436D-8191-975603FC9C68}" type="pres">
       <dgm:prSet presAssocID="{9C9C0585-42CE-4F34-A2BB-F1377DA03788}" presName="composite" presStyleCnt="0"/>
@@ -2738,6 +2773,13 @@
         </dgm:presLayoutVars>
       </dgm:prSet>
       <dgm:spPr/>
+      <dgm:t>
+        <a:bodyPr/>
+        <a:lstStyle/>
+        <a:p>
+          <a:endParaRPr lang="ru-RU"/>
+        </a:p>
+      </dgm:t>
     </dgm:pt>
     <dgm:pt modelId="{DFDA3CA3-5C68-4A2F-A4A8-285063A35D87}" type="pres">
       <dgm:prSet presAssocID="{9C9C0585-42CE-4F34-A2BB-F1377DA03788}" presName="rect1" presStyleLbl="alignImgPlace1" presStyleIdx="0" presStyleCnt="1" custScaleX="62421" custScaleY="62421" custLinFactNeighborX="1076" custLinFactNeighborY="-52209"/>
@@ -2824,7 +2866,7 @@
         </a:bodyPr>
         <a:lstStyle/>
         <a:p>
-          <a:pPr marL="0" lvl="0" indent="0" algn="l" defTabSz="222250">
+          <a:pPr lvl="0" algn="l" defTabSz="222250">
             <a:lnSpc>
               <a:spcPct val="90000"/>
             </a:lnSpc>
@@ -2834,7 +2876,6 @@
             <a:spcAft>
               <a:spcPct val="35000"/>
             </a:spcAft>
-            <a:buNone/>
           </a:pPr>
           <a:r>
             <a:rPr lang="ru-RU" sz="500" kern="1200" dirty="0"/>
@@ -2911,118 +2952,6 @@
       <dsp:cNvGrpSpPr/>
     </dsp:nvGrpSpPr>
     <dsp:grpSpPr/>
-    <dsp:sp modelId="{B29ABF60-EC0F-45AD-A90E-9C76D15C2F14}">
-      <dsp:nvSpPr>
-        <dsp:cNvPr id="0" name=""/>
-        <dsp:cNvSpPr/>
-      </dsp:nvSpPr>
-      <dsp:spPr>
-        <a:xfrm>
-          <a:off x="1748174" y="210303"/>
-          <a:ext cx="175586" cy="38914"/>
-        </a:xfrm>
-        <a:prstGeom prst="rect">
-          <a:avLst/>
-        </a:prstGeom>
-        <a:noFill/>
-        <a:ln>
-          <a:noFill/>
-        </a:ln>
-        <a:effectLst/>
-      </dsp:spPr>
-      <dsp:style>
-        <a:lnRef idx="0">
-          <a:scrgbClr r="0" g="0" b="0"/>
-        </a:lnRef>
-        <a:fillRef idx="0">
-          <a:scrgbClr r="0" g="0" b="0"/>
-        </a:fillRef>
-        <a:effectRef idx="0">
-          <a:scrgbClr r="0" g="0" b="0"/>
-        </a:effectRef>
-        <a:fontRef idx="minor"/>
-      </dsp:style>
-      <dsp:txBody>
-        <a:bodyPr spcFirstLastPara="0" vert="horz" wrap="square" lIns="0" tIns="19050" rIns="19050" bIns="0" numCol="1" spcCol="1270" anchor="t" anchorCtr="0">
-          <a:noAutofit/>
-        </a:bodyPr>
-        <a:lstStyle/>
-        <a:p>
-          <a:pPr marL="0" lvl="0" indent="0" algn="l" defTabSz="222250">
-            <a:lnSpc>
-              <a:spcPct val="90000"/>
-            </a:lnSpc>
-            <a:spcBef>
-              <a:spcPct val="0"/>
-            </a:spcBef>
-            <a:spcAft>
-              <a:spcPct val="35000"/>
-            </a:spcAft>
-            <a:buNone/>
-          </a:pPr>
-          <a:r>
-            <a:rPr lang="ru-RU" sz="500" kern="1200" dirty="0"/>
-            <a:t> </a:t>
-          </a:r>
-        </a:p>
-      </dsp:txBody>
-      <dsp:txXfrm>
-        <a:off x="1748174" y="210303"/>
-        <a:ext cx="175586" cy="38914"/>
-      </dsp:txXfrm>
-    </dsp:sp>
-    <dsp:sp modelId="{61EB78D8-69FF-471D-8FEB-71388C442F55}">
-      <dsp:nvSpPr>
-        <dsp:cNvPr id="0" name=""/>
-        <dsp:cNvSpPr/>
-      </dsp:nvSpPr>
-      <dsp:spPr>
-        <a:xfrm>
-          <a:off x="0" y="0"/>
-          <a:ext cx="1980001" cy="381600"/>
-        </a:xfrm>
-        <a:prstGeom prst="rect">
-          <a:avLst/>
-        </a:prstGeom>
-        <a:blipFill>
-          <a:blip xmlns:r="http://schemas.openxmlformats.org/officeDocument/2006/relationships" r:embed="rId1">
-            <a:extLst>
-              <a:ext uri="{28A0092B-C50C-407E-A947-70E740481C1C}">
-                <a14:useLocalDpi xmlns:a14="http://schemas.microsoft.com/office/drawing/2010/main" val="0"/>
-              </a:ext>
-            </a:extLst>
-          </a:blip>
-          <a:srcRect/>
-          <a:stretch>
-            <a:fillRect l="-1000" r="-1000"/>
-          </a:stretch>
-        </a:blipFill>
-        <a:ln w="25400" cap="flat" cmpd="sng" algn="ctr">
-          <a:solidFill>
-            <a:schemeClr val="lt1">
-              <a:hueOff val="0"/>
-              <a:satOff val="0"/>
-              <a:lumOff val="0"/>
-              <a:alphaOff val="0"/>
-            </a:schemeClr>
-          </a:solidFill>
-          <a:prstDash val="solid"/>
-        </a:ln>
-        <a:effectLst/>
-      </dsp:spPr>
-      <dsp:style>
-        <a:lnRef idx="2">
-          <a:scrgbClr r="0" g="0" b="0"/>
-        </a:lnRef>
-        <a:fillRef idx="1">
-          <a:scrgbClr r="0" g="0" b="0"/>
-        </a:fillRef>
-        <a:effectRef idx="0">
-          <a:scrgbClr r="0" g="0" b="0"/>
-        </a:effectRef>
-        <a:fontRef idx="minor"/>
-      </dsp:style>
-    </dsp:sp>
   </dsp:spTree>
 </dsp:drawing>
 </file>
@@ -3035,128 +2964,6 @@
       <dsp:cNvGrpSpPr/>
     </dsp:nvGrpSpPr>
     <dsp:grpSpPr/>
-    <dsp:sp modelId="{A30F2283-C0A4-4A69-BCBE-833D967155A2}">
-      <dsp:nvSpPr>
-        <dsp:cNvPr id="0" name=""/>
-        <dsp:cNvSpPr/>
-      </dsp:nvSpPr>
-      <dsp:spPr>
-        <a:xfrm>
-          <a:off x="469735" y="1146225"/>
-          <a:ext cx="2927097" cy="509149"/>
-        </a:xfrm>
-        <a:prstGeom prst="rect">
-          <a:avLst/>
-        </a:prstGeom>
-        <a:noFill/>
-        <a:ln>
-          <a:noFill/>
-        </a:ln>
-        <a:effectLst/>
-      </dsp:spPr>
-      <dsp:style>
-        <a:lnRef idx="0">
-          <a:scrgbClr r="0" g="0" b="0"/>
-        </a:lnRef>
-        <a:fillRef idx="0">
-          <a:scrgbClr r="0" g="0" b="0"/>
-        </a:fillRef>
-        <a:effectRef idx="0">
-          <a:scrgbClr r="0" g="0" b="0"/>
-        </a:effectRef>
-        <a:fontRef idx="minor"/>
-      </dsp:style>
-      <dsp:txBody>
-        <a:bodyPr spcFirstLastPara="0" vert="horz" wrap="square" lIns="0" tIns="152400" rIns="152400" bIns="0" numCol="1" spcCol="1270" anchor="b" anchorCtr="0">
-          <a:noAutofit/>
-        </a:bodyPr>
-        <a:lstStyle/>
-        <a:p>
-          <a:pPr marL="0" lvl="0" indent="0" algn="ctr" defTabSz="1778000">
-            <a:lnSpc>
-              <a:spcPct val="90000"/>
-            </a:lnSpc>
-            <a:spcBef>
-              <a:spcPct val="0"/>
-            </a:spcBef>
-            <a:spcAft>
-              <a:spcPct val="35000"/>
-            </a:spcAft>
-            <a:buNone/>
-          </a:pPr>
-          <a:r>
-            <a:rPr lang="ru-RU" sz="4000" kern="1200" dirty="0">
-              <a:solidFill>
-                <a:schemeClr val="accent1"/>
-              </a:solidFill>
-            </a:rPr>
-            <a:t>ВОПРОСЫ</a:t>
-          </a:r>
-          <a:r>
-            <a:rPr lang="en-US" sz="4000" kern="1200" dirty="0">
-              <a:solidFill>
-                <a:schemeClr val="accent1"/>
-              </a:solidFill>
-            </a:rPr>
-            <a:t>?</a:t>
-          </a:r>
-          <a:endParaRPr lang="ru-RU" sz="4000" kern="1200" dirty="0">
-            <a:solidFill>
-              <a:schemeClr val="accent1"/>
-            </a:solidFill>
-          </a:endParaRPr>
-        </a:p>
-      </dsp:txBody>
-      <dsp:txXfrm>
-        <a:off x="469735" y="1146225"/>
-        <a:ext cx="2927097" cy="509149"/>
-      </dsp:txXfrm>
-    </dsp:sp>
-    <dsp:sp modelId="{DFDA3CA3-5C68-4A2F-A4A8-285063A35D87}">
-      <dsp:nvSpPr>
-        <dsp:cNvPr id="0" name=""/>
-        <dsp:cNvSpPr/>
-      </dsp:nvSpPr>
-      <dsp:spPr>
-        <a:xfrm>
-          <a:off x="1521700" y="91137"/>
-          <a:ext cx="849599" cy="849599"/>
-        </a:xfrm>
-        <a:prstGeom prst="rect">
-          <a:avLst/>
-        </a:prstGeom>
-        <a:blipFill>
-          <a:blip xmlns:r="http://schemas.openxmlformats.org/officeDocument/2006/relationships" r:embed="rId1">
-            <a:extLst>
-              <a:ext uri="{28A0092B-C50C-407E-A947-70E740481C1C}">
-                <a14:useLocalDpi xmlns:a14="http://schemas.microsoft.com/office/drawing/2010/main" val="0"/>
-              </a:ext>
-            </a:extLst>
-          </a:blip>
-          <a:srcRect/>
-          <a:stretch>
-            <a:fillRect/>
-          </a:stretch>
-        </a:blipFill>
-        <a:ln w="0" cap="flat" cmpd="sng" algn="ctr">
-          <a:noFill/>
-          <a:prstDash val="solid"/>
-        </a:ln>
-        <a:effectLst/>
-      </dsp:spPr>
-      <dsp:style>
-        <a:lnRef idx="2">
-          <a:scrgbClr r="0" g="0" b="0"/>
-        </a:lnRef>
-        <a:fillRef idx="1">
-          <a:scrgbClr r="0" g="0" b="0"/>
-        </a:fillRef>
-        <a:effectRef idx="0">
-          <a:scrgbClr r="0" g="0" b="0"/>
-        </a:effectRef>
-        <a:fontRef idx="minor"/>
-      </dsp:style>
-    </dsp:sp>
   </dsp:spTree>
 </dsp:drawing>
 </file>
@@ -7143,7 +6950,7 @@
           <a:p>
             <a:fld id="{16E5F246-0B7D-44DF-8C1B-EDFCA5DA626A}" type="datetimeFigureOut">
               <a:rPr lang="ru-RU" smtClean="0"/>
-              <a:t>16.10.2016</a:t>
+              <a:t>13.03.2017</a:t>
             </a:fld>
             <a:endParaRPr lang="ru-RU" dirty="0"/>
           </a:p>
@@ -12139,6 +11946,13 @@
   <p:clrMapOvr>
     <a:masterClrMapping/>
   </p:clrMapOvr>
+  <p:timing>
+    <p:tnLst>
+      <p:par>
+        <p:cTn id="1" dur="indefinite" restart="never" nodeType="tmRoot"/>
+      </p:par>
+    </p:tnLst>
+  </p:timing>
 </p:sld>
 </file>
 
@@ -12195,6 +12009,13 @@
   <p:clrMapOvr>
     <a:masterClrMapping/>
   </p:clrMapOvr>
+  <p:timing>
+    <p:tnLst>
+      <p:par>
+        <p:cTn id="1" dur="indefinite" restart="never" nodeType="tmRoot"/>
+      </p:par>
+    </p:tnLst>
+  </p:timing>
 </p:sld>
 </file>
 
@@ -12347,6 +12168,13 @@
   <p:clrMapOvr>
     <a:masterClrMapping/>
   </p:clrMapOvr>
+  <p:timing>
+    <p:tnLst>
+      <p:par>
+        <p:cTn id="1" dur="indefinite" restart="never" nodeType="tmRoot"/>
+      </p:par>
+    </p:tnLst>
+  </p:timing>
 </p:sld>
 </file>
 
@@ -12583,25 +12411,16 @@
             <a:endParaRPr lang="ru-RU" sz="1800" dirty="0"/>
           </a:p>
           <a:p>
-            <a:pPr marL="0" indent="0">
-              <a:buNone/>
-            </a:pPr>
-            <a:r>
-              <a:rPr lang="ru-RU" sz="2400" dirty="0"/>
-              <a:t>В любом порядке:</a:t>
-            </a:r>
-          </a:p>
-          <a:p>
             <a:pPr marL="342900" indent="-342900">
               <a:buFont typeface="Arial" panose="020B0604020202020204" pitchFamily="34" charset="0"/>
               <a:buChar char="•"/>
             </a:pPr>
             <a:r>
-              <a:rPr lang="ru-RU" sz="2400" dirty="0"/>
+              <a:rPr lang="ru-RU" sz="2400" dirty="0" smtClean="0"/>
               <a:t>Реализуйте</a:t>
             </a:r>
             <a:r>
-              <a:rPr lang="en-US" sz="2400" dirty="0"/>
+              <a:rPr lang="en-US" sz="2400" dirty="0" smtClean="0"/>
               <a:t> </a:t>
             </a:r>
             <a:r>
@@ -12617,13 +12436,20 @@
             </a:pPr>
             <a:r>
               <a:rPr lang="ru-RU" sz="2400" dirty="0"/>
-              <a:t>Напишите тесты на </a:t>
-            </a:r>
-            <a:r>
-              <a:rPr lang="en-US" sz="2400" dirty="0" err="1"/>
-              <a:t>ProviderProcessor</a:t>
-            </a:r>
-            <a:endParaRPr lang="en-US" sz="2400" dirty="0"/>
+              <a:t>Напишите </a:t>
+            </a:r>
+            <a:r>
+              <a:rPr lang="ru-RU" sz="2400" dirty="0" smtClean="0"/>
+              <a:t>на него тесты (</a:t>
+            </a:r>
+            <a:r>
+              <a:rPr lang="en-US" sz="2400" dirty="0" smtClean="0"/>
+              <a:t>TDD</a:t>
+            </a:r>
+            <a:r>
+              <a:rPr lang="ru-RU" sz="2400" dirty="0" smtClean="0"/>
+              <a:t>?)</a:t>
+            </a:r>
           </a:p>
           <a:p>
             <a:pPr marL="342900" indent="-342900">
@@ -12631,108 +12457,14 @@
               <a:buChar char="•"/>
             </a:pPr>
             <a:r>
-              <a:rPr lang="ru-RU" sz="2400" dirty="0" err="1"/>
-              <a:t>Отрефакторите</a:t>
-            </a:r>
-            <a:r>
-              <a:rPr lang="ru-RU" sz="2400" dirty="0"/>
-              <a:t> </a:t>
-            </a:r>
-            <a:r>
-              <a:rPr lang="en-US" sz="2400" dirty="0" err="1"/>
+              <a:rPr lang="ru-RU" sz="2400" dirty="0" smtClean="0"/>
+              <a:t>Переведите на него </a:t>
+            </a:r>
+            <a:r>
+              <a:rPr lang="en-US" sz="2400" dirty="0" err="1" smtClean="0"/>
               <a:t>ProviderProcessor</a:t>
             </a:r>
             <a:endParaRPr lang="ru-RU" sz="2400" dirty="0"/>
-          </a:p>
-          <a:p>
-            <a:pPr marL="0" indent="0">
-              <a:buNone/>
-            </a:pPr>
-            <a:endParaRPr lang="ru-RU" sz="2400" dirty="0">
-              <a:latin typeface="+mj-lt"/>
-            </a:endParaRPr>
-          </a:p>
-          <a:p>
-            <a:pPr marL="0" indent="0">
-              <a:buNone/>
-            </a:pPr>
-            <a:endParaRPr lang="ru-RU" sz="2400" dirty="0">
-              <a:latin typeface="+mj-lt"/>
-            </a:endParaRPr>
-          </a:p>
-          <a:p>
-            <a:pPr marL="0" indent="0">
-              <a:buNone/>
-            </a:pPr>
-            <a:r>
-              <a:rPr lang="ru-RU" sz="1800" dirty="0">
-                <a:solidFill>
-                  <a:schemeClr val="tx1">
-                    <a:lumMod val="50000"/>
-                    <a:lumOff val="50000"/>
-                  </a:schemeClr>
-                </a:solidFill>
-                <a:latin typeface="+mn-lt"/>
-              </a:rPr>
-              <a:t>*</a:t>
-            </a:r>
-            <a:r>
-              <a:rPr lang="en-US" sz="1800" dirty="0">
-                <a:solidFill>
-                  <a:schemeClr val="tx1">
-                    <a:lumMod val="50000"/>
-                    <a:lumOff val="50000"/>
-                  </a:schemeClr>
-                </a:solidFill>
-                <a:latin typeface="+mn-lt"/>
-              </a:rPr>
-              <a:t> </a:t>
-            </a:r>
-            <a:r>
-              <a:rPr lang="ru-RU" sz="1800" dirty="0">
-                <a:solidFill>
-                  <a:schemeClr val="tx1">
-                    <a:lumMod val="50000"/>
-                    <a:lumOff val="50000"/>
-                  </a:schemeClr>
-                </a:solidFill>
-                <a:latin typeface="+mn-lt"/>
-              </a:rPr>
-              <a:t>на </a:t>
-            </a:r>
-            <a:r>
-              <a:rPr lang="en-US" sz="1800" dirty="0" err="1">
-                <a:solidFill>
-                  <a:schemeClr val="tx1">
-                    <a:lumMod val="50000"/>
-                    <a:lumOff val="50000"/>
-                  </a:schemeClr>
-                </a:solidFill>
-                <a:latin typeface="+mn-lt"/>
-              </a:rPr>
-              <a:t>ProductValidator</a:t>
-            </a:r>
-            <a:r>
-              <a:rPr lang="ru-RU" sz="1800" dirty="0">
-                <a:solidFill>
-                  <a:schemeClr val="tx1">
-                    <a:lumMod val="50000"/>
-                    <a:lumOff val="50000"/>
-                  </a:schemeClr>
-                </a:solidFill>
-                <a:latin typeface="+mn-lt"/>
-              </a:rPr>
-              <a:t> тесты тоже надо бы написать, но по заданию не требуется</a:t>
-            </a:r>
-            <a:endParaRPr lang="en-US" sz="1800" dirty="0">
-              <a:solidFill>
-                <a:schemeClr val="tx1">
-                  <a:lumMod val="50000"/>
-                  <a:lumOff val="50000"/>
-                </a:schemeClr>
-              </a:solidFill>
-              <a:latin typeface="+mn-lt"/>
-            </a:endParaRPr>
           </a:p>
         </p:txBody>
       </p:sp>
@@ -12795,6 +12527,9 @@
                     <p:cTn id="3" fill="hold">
                       <p:stCondLst>
                         <p:cond delay="indefinite"/>
+                        <p:cond evt="onBegin" delay="0">
+                          <p:tn val="2"/>
+                        </p:cond>
                       </p:stCondLst>
                       <p:childTnLst>
                         <p:par>
@@ -12804,7 +12539,7 @@
                             </p:stCondLst>
                             <p:childTnLst>
                               <p:par>
-                                <p:cTn id="5" presetID="1" presetClass="entr" presetSubtype="0" fill="hold" nodeType="clickEffect">
+                                <p:cTn id="5" presetID="1" presetClass="entr" presetSubtype="0" fill="hold" nodeType="withEffect">
                                   <p:stCondLst>
                                     <p:cond delay="0"/>
                                   </p:stCondLst>
@@ -12896,68 +12631,6 @@
                                   </p:childTnLst>
                                 </p:cTn>
                               </p:par>
-                              <p:par>
-                                <p:cTn id="11" presetID="1" presetClass="entr" presetSubtype="0" fill="hold" nodeType="withEffect">
-                                  <p:stCondLst>
-                                    <p:cond delay="0"/>
-                                  </p:stCondLst>
-                                  <p:childTnLst>
-                                    <p:set>
-                                      <p:cBhvr>
-                                        <p:cTn id="12" dur="1" fill="hold">
-                                          <p:stCondLst>
-                                            <p:cond delay="0"/>
-                                          </p:stCondLst>
-                                        </p:cTn>
-                                        <p:tgtEl>
-                                          <p:spTgt spid="3">
-                                            <p:txEl>
-                                              <p:pRg st="7" end="7"/>
-                                            </p:txEl>
-                                          </p:spTgt>
-                                        </p:tgtEl>
-                                        <p:attrNameLst>
-                                          <p:attrName>style.visibility</p:attrName>
-                                        </p:attrNameLst>
-                                      </p:cBhvr>
-                                      <p:to>
-                                        <p:strVal val="visible"/>
-                                      </p:to>
-                                    </p:set>
-                                  </p:childTnLst>
-                                </p:cTn>
-                              </p:par>
-                              <p:par>
-                                <p:cTn id="13" presetID="1" presetClass="entr" presetSubtype="0" fill="hold" nodeType="withEffect">
-                                  <p:stCondLst>
-                                    <p:cond delay="0"/>
-                                  </p:stCondLst>
-                                  <p:childTnLst>
-                                    <p:set>
-                                      <p:cBhvr>
-                                        <p:cTn id="14" dur="1" fill="hold">
-                                          <p:stCondLst>
-                                            <p:cond delay="0"/>
-                                          </p:stCondLst>
-                                        </p:cTn>
-                                        <p:tgtEl>
-                                          <p:spTgt spid="3">
-                                            <p:txEl>
-                                              <p:pRg st="10" end="10"/>
-                                            </p:txEl>
-                                          </p:spTgt>
-                                        </p:tgtEl>
-                                        <p:attrNameLst>
-                                          <p:attrName>style.visibility</p:attrName>
-                                        </p:attrNameLst>
-                                      </p:cBhvr>
-                                      <p:to>
-                                        <p:strVal val="visible"/>
-                                      </p:to>
-                                    </p:set>
-                                  </p:childTnLst>
-                                </p:cTn>
-                              </p:par>
                             </p:childTnLst>
                           </p:cTn>
                         </p:par>
@@ -13103,6 +12776,13 @@
   <p:clrMapOvr>
     <a:masterClrMapping/>
   </p:clrMapOvr>
+  <p:timing>
+    <p:tnLst>
+      <p:par>
+        <p:cTn id="1" dur="indefinite" restart="never" nodeType="tmRoot"/>
+      </p:par>
+    </p:tnLst>
+  </p:timing>
 </p:sld>
 </file>
 
@@ -13192,6 +12872,13 @@
   <p:clrMapOvr>
     <a:masterClrMapping/>
   </p:clrMapOvr>
+  <p:timing>
+    <p:tnLst>
+      <p:par>
+        <p:cTn id="1" dur="indefinite" restart="never" nodeType="tmRoot"/>
+      </p:par>
+    </p:tnLst>
+  </p:timing>
 </p:sld>
 </file>
 
@@ -13359,6 +13046,13 @@
   <p:clrMapOvr>
     <a:masterClrMapping/>
   </p:clrMapOvr>
+  <p:timing>
+    <p:tnLst>
+      <p:par>
+        <p:cTn id="1" dur="indefinite" restart="never" nodeType="tmRoot"/>
+      </p:par>
+    </p:tnLst>
+  </p:timing>
 </p:sld>
 </file>
 
@@ -13396,38 +13090,55 @@
           </a:bodyPr>
           <a:lstStyle/>
           <a:p>
+            <a:pPr marL="514350" indent="-514350">
+              <a:buFont typeface="+mj-lt"/>
+              <a:buAutoNum type="arabicPeriod"/>
+            </a:pPr>
             <a:r>
               <a:rPr lang="ru-RU" sz="2800" dirty="0"/>
               <a:t>Найти место, в котором нужно что-то изменить</a:t>
             </a:r>
           </a:p>
           <a:p>
+            <a:pPr marL="514350" indent="-514350">
+              <a:buFont typeface="+mj-lt"/>
+              <a:buAutoNum type="arabicPeriod"/>
+            </a:pPr>
             <a:r>
               <a:rPr lang="ru-RU" sz="2800" dirty="0"/>
               <a:t>Понять какие тесты для этого нужно написать</a:t>
             </a:r>
           </a:p>
           <a:p>
+            <a:pPr marL="514350" indent="-514350">
+              <a:buFont typeface="+mj-lt"/>
+              <a:buAutoNum type="arabicPeriod"/>
+            </a:pPr>
             <a:r>
               <a:rPr lang="ru-RU" sz="2800" dirty="0"/>
               <a:t>Изолировать или избавиться от мешающих зависимостей</a:t>
             </a:r>
           </a:p>
           <a:p>
+            <a:pPr marL="514350" indent="-514350">
+              <a:buFont typeface="+mj-lt"/>
+              <a:buAutoNum type="arabicPeriod"/>
+            </a:pPr>
             <a:r>
               <a:rPr lang="ru-RU" sz="2800" dirty="0"/>
               <a:t>Написать тесты</a:t>
             </a:r>
           </a:p>
           <a:p>
-            <a:r>
-              <a:rPr lang="ru-RU" sz="2800" dirty="0" err="1"/>
+            <a:pPr marL="514350" indent="-514350">
+              <a:buFont typeface="+mj-lt"/>
+              <a:buAutoNum type="arabicPeriod"/>
+            </a:pPr>
+            <a:r>
+              <a:rPr lang="ru-RU" sz="2800" dirty="0" err="1" smtClean="0"/>
               <a:t>Рефакторить</a:t>
             </a:r>
-            <a:r>
-              <a:rPr lang="ru-RU" sz="2800" dirty="0"/>
-              <a:t> и писать красивые тесты</a:t>
-            </a:r>
+            <a:endParaRPr lang="ru-RU" sz="2800" dirty="0"/>
           </a:p>
         </p:txBody>
       </p:sp>
@@ -13468,6 +13179,284 @@
   <p:clrMapOvr>
     <a:masterClrMapping/>
   </p:clrMapOvr>
+  <p:timing>
+    <p:tnLst>
+      <p:par>
+        <p:cTn id="1" dur="indefinite" restart="never" nodeType="tmRoot">
+          <p:childTnLst>
+            <p:seq concurrent="1" nextAc="seek">
+              <p:cTn id="2" dur="indefinite" nodeType="mainSeq">
+                <p:childTnLst>
+                  <p:par>
+                    <p:cTn id="3" fill="hold">
+                      <p:stCondLst>
+                        <p:cond delay="indefinite"/>
+                      </p:stCondLst>
+                      <p:childTnLst>
+                        <p:par>
+                          <p:cTn id="4" fill="hold">
+                            <p:stCondLst>
+                              <p:cond delay="0"/>
+                            </p:stCondLst>
+                            <p:childTnLst>
+                              <p:par>
+                                <p:cTn id="5" presetID="1" presetClass="entr" presetSubtype="0" fill="hold" grpId="0" nodeType="clickEffect">
+                                  <p:stCondLst>
+                                    <p:cond delay="0"/>
+                                  </p:stCondLst>
+                                  <p:childTnLst>
+                                    <p:set>
+                                      <p:cBhvr>
+                                        <p:cTn id="6" dur="1" fill="hold">
+                                          <p:stCondLst>
+                                            <p:cond delay="0"/>
+                                          </p:stCondLst>
+                                        </p:cTn>
+                                        <p:tgtEl>
+                                          <p:spTgt spid="3">
+                                            <p:txEl>
+                                              <p:pRg st="0" end="0"/>
+                                            </p:txEl>
+                                          </p:spTgt>
+                                        </p:tgtEl>
+                                        <p:attrNameLst>
+                                          <p:attrName>style.visibility</p:attrName>
+                                        </p:attrNameLst>
+                                      </p:cBhvr>
+                                      <p:to>
+                                        <p:strVal val="visible"/>
+                                      </p:to>
+                                    </p:set>
+                                  </p:childTnLst>
+                                </p:cTn>
+                              </p:par>
+                            </p:childTnLst>
+                          </p:cTn>
+                        </p:par>
+                      </p:childTnLst>
+                    </p:cTn>
+                  </p:par>
+                  <p:par>
+                    <p:cTn id="7" fill="hold">
+                      <p:stCondLst>
+                        <p:cond delay="indefinite"/>
+                      </p:stCondLst>
+                      <p:childTnLst>
+                        <p:par>
+                          <p:cTn id="8" fill="hold">
+                            <p:stCondLst>
+                              <p:cond delay="0"/>
+                            </p:stCondLst>
+                            <p:childTnLst>
+                              <p:par>
+                                <p:cTn id="9" presetID="1" presetClass="entr" presetSubtype="0" fill="hold" grpId="0" nodeType="clickEffect">
+                                  <p:stCondLst>
+                                    <p:cond delay="0"/>
+                                  </p:stCondLst>
+                                  <p:childTnLst>
+                                    <p:set>
+                                      <p:cBhvr>
+                                        <p:cTn id="10" dur="1" fill="hold">
+                                          <p:stCondLst>
+                                            <p:cond delay="0"/>
+                                          </p:stCondLst>
+                                        </p:cTn>
+                                        <p:tgtEl>
+                                          <p:spTgt spid="3">
+                                            <p:txEl>
+                                              <p:pRg st="1" end="1"/>
+                                            </p:txEl>
+                                          </p:spTgt>
+                                        </p:tgtEl>
+                                        <p:attrNameLst>
+                                          <p:attrName>style.visibility</p:attrName>
+                                        </p:attrNameLst>
+                                      </p:cBhvr>
+                                      <p:to>
+                                        <p:strVal val="visible"/>
+                                      </p:to>
+                                    </p:set>
+                                  </p:childTnLst>
+                                </p:cTn>
+                              </p:par>
+                            </p:childTnLst>
+                          </p:cTn>
+                        </p:par>
+                      </p:childTnLst>
+                    </p:cTn>
+                  </p:par>
+                  <p:par>
+                    <p:cTn id="11" fill="hold">
+                      <p:stCondLst>
+                        <p:cond delay="indefinite"/>
+                      </p:stCondLst>
+                      <p:childTnLst>
+                        <p:par>
+                          <p:cTn id="12" fill="hold">
+                            <p:stCondLst>
+                              <p:cond delay="0"/>
+                            </p:stCondLst>
+                            <p:childTnLst>
+                              <p:par>
+                                <p:cTn id="13" presetID="1" presetClass="entr" presetSubtype="0" fill="hold" grpId="0" nodeType="clickEffect">
+                                  <p:stCondLst>
+                                    <p:cond delay="0"/>
+                                  </p:stCondLst>
+                                  <p:childTnLst>
+                                    <p:set>
+                                      <p:cBhvr>
+                                        <p:cTn id="14" dur="1" fill="hold">
+                                          <p:stCondLst>
+                                            <p:cond delay="0"/>
+                                          </p:stCondLst>
+                                        </p:cTn>
+                                        <p:tgtEl>
+                                          <p:spTgt spid="3">
+                                            <p:txEl>
+                                              <p:pRg st="2" end="2"/>
+                                            </p:txEl>
+                                          </p:spTgt>
+                                        </p:tgtEl>
+                                        <p:attrNameLst>
+                                          <p:attrName>style.visibility</p:attrName>
+                                        </p:attrNameLst>
+                                      </p:cBhvr>
+                                      <p:to>
+                                        <p:strVal val="visible"/>
+                                      </p:to>
+                                    </p:set>
+                                  </p:childTnLst>
+                                </p:cTn>
+                              </p:par>
+                            </p:childTnLst>
+                          </p:cTn>
+                        </p:par>
+                      </p:childTnLst>
+                    </p:cTn>
+                  </p:par>
+                  <p:par>
+                    <p:cTn id="15" fill="hold">
+                      <p:stCondLst>
+                        <p:cond delay="indefinite"/>
+                      </p:stCondLst>
+                      <p:childTnLst>
+                        <p:par>
+                          <p:cTn id="16" fill="hold">
+                            <p:stCondLst>
+                              <p:cond delay="0"/>
+                            </p:stCondLst>
+                            <p:childTnLst>
+                              <p:par>
+                                <p:cTn id="17" presetID="1" presetClass="entr" presetSubtype="0" fill="hold" grpId="0" nodeType="clickEffect">
+                                  <p:stCondLst>
+                                    <p:cond delay="0"/>
+                                  </p:stCondLst>
+                                  <p:childTnLst>
+                                    <p:set>
+                                      <p:cBhvr>
+                                        <p:cTn id="18" dur="1" fill="hold">
+                                          <p:stCondLst>
+                                            <p:cond delay="0"/>
+                                          </p:stCondLst>
+                                        </p:cTn>
+                                        <p:tgtEl>
+                                          <p:spTgt spid="3">
+                                            <p:txEl>
+                                              <p:pRg st="3" end="3"/>
+                                            </p:txEl>
+                                          </p:spTgt>
+                                        </p:tgtEl>
+                                        <p:attrNameLst>
+                                          <p:attrName>style.visibility</p:attrName>
+                                        </p:attrNameLst>
+                                      </p:cBhvr>
+                                      <p:to>
+                                        <p:strVal val="visible"/>
+                                      </p:to>
+                                    </p:set>
+                                  </p:childTnLst>
+                                </p:cTn>
+                              </p:par>
+                            </p:childTnLst>
+                          </p:cTn>
+                        </p:par>
+                      </p:childTnLst>
+                    </p:cTn>
+                  </p:par>
+                  <p:par>
+                    <p:cTn id="19" fill="hold">
+                      <p:stCondLst>
+                        <p:cond delay="indefinite"/>
+                      </p:stCondLst>
+                      <p:childTnLst>
+                        <p:par>
+                          <p:cTn id="20" fill="hold">
+                            <p:stCondLst>
+                              <p:cond delay="0"/>
+                            </p:stCondLst>
+                            <p:childTnLst>
+                              <p:par>
+                                <p:cTn id="21" presetID="1" presetClass="entr" presetSubtype="0" fill="hold" grpId="0" nodeType="clickEffect">
+                                  <p:stCondLst>
+                                    <p:cond delay="0"/>
+                                  </p:stCondLst>
+                                  <p:childTnLst>
+                                    <p:set>
+                                      <p:cBhvr>
+                                        <p:cTn id="22" dur="1" fill="hold">
+                                          <p:stCondLst>
+                                            <p:cond delay="0"/>
+                                          </p:stCondLst>
+                                        </p:cTn>
+                                        <p:tgtEl>
+                                          <p:spTgt spid="3">
+                                            <p:txEl>
+                                              <p:pRg st="4" end="4"/>
+                                            </p:txEl>
+                                          </p:spTgt>
+                                        </p:tgtEl>
+                                        <p:attrNameLst>
+                                          <p:attrName>style.visibility</p:attrName>
+                                        </p:attrNameLst>
+                                      </p:cBhvr>
+                                      <p:to>
+                                        <p:strVal val="visible"/>
+                                      </p:to>
+                                    </p:set>
+                                  </p:childTnLst>
+                                </p:cTn>
+                              </p:par>
+                            </p:childTnLst>
+                          </p:cTn>
+                        </p:par>
+                      </p:childTnLst>
+                    </p:cTn>
+                  </p:par>
+                </p:childTnLst>
+              </p:cTn>
+              <p:prevCondLst>
+                <p:cond evt="onPrev" delay="0">
+                  <p:tgtEl>
+                    <p:sldTgt/>
+                  </p:tgtEl>
+                </p:cond>
+              </p:prevCondLst>
+              <p:nextCondLst>
+                <p:cond evt="onNext" delay="0">
+                  <p:tgtEl>
+                    <p:sldTgt/>
+                  </p:tgtEl>
+                </p:cond>
+              </p:nextCondLst>
+            </p:seq>
+          </p:childTnLst>
+        </p:cTn>
+      </p:par>
+    </p:tnLst>
+    <p:bldLst>
+      <p:bldP spid="3" grpId="0" build="p"/>
+    </p:bldLst>
+  </p:timing>
 </p:sld>
 </file>
 
@@ -13510,7 +13499,23 @@
             </a:pPr>
             <a:r>
               <a:rPr lang="ru-RU" sz="2800" dirty="0"/>
-              <a:t>Тест, возможно с плохим дизайном, </a:t>
+              <a:t>Тест, </a:t>
+            </a:r>
+            <a:r>
+              <a:rPr lang="ru-RU" sz="2800" dirty="0" smtClean="0"/>
+              <a:t>возможно</a:t>
+            </a:r>
+            <a:r>
+              <a:rPr lang="ru-RU" sz="2800" dirty="0"/>
+              <a:t>,</a:t>
+            </a:r>
+            <a:r>
+              <a:rPr lang="ru-RU" sz="2800" dirty="0" smtClean="0"/>
+              <a:t> </a:t>
+            </a:r>
+            <a:r>
+              <a:rPr lang="ru-RU" sz="2800" dirty="0"/>
+              <a:t>с плохим дизайном, </a:t>
             </a:r>
             <a:br>
               <a:rPr lang="ru-RU" sz="2800" dirty="0"/>
@@ -13577,6 +13582,13 @@
   <p:clrMapOvr>
     <a:masterClrMapping/>
   </p:clrMapOvr>
+  <p:timing>
+    <p:tnLst>
+      <p:par>
+        <p:cTn id="1" dur="indefinite" restart="never" nodeType="tmRoot"/>
+      </p:par>
+    </p:tnLst>
+  </p:timing>
 </p:sld>
 </file>
 
@@ -13713,6 +13725,13 @@
   <p:clrMapOvr>
     <a:masterClrMapping/>
   </p:clrMapOvr>
+  <p:timing>
+    <p:tnLst>
+      <p:par>
+        <p:cTn id="1" dur="indefinite" restart="never" nodeType="tmRoot"/>
+      </p:par>
+    </p:tnLst>
+  </p:timing>
 </p:sld>
 </file>
 
@@ -13818,6 +13837,13 @@
   <p:clrMapOvr>
     <a:masterClrMapping/>
   </p:clrMapOvr>
+  <p:timing>
+    <p:tnLst>
+      <p:par>
+        <p:cTn id="1" dur="indefinite" restart="never" nodeType="tmRoot"/>
+      </p:par>
+    </p:tnLst>
+  </p:timing>
 </p:sld>
 </file>
 
@@ -13870,6 +13896,13 @@
   <p:clrMapOvr>
     <a:masterClrMapping/>
   </p:clrMapOvr>
+  <p:timing>
+    <p:tnLst>
+      <p:par>
+        <p:cTn id="1" dur="indefinite" restart="never" nodeType="tmRoot"/>
+      </p:par>
+    </p:tnLst>
+  </p:timing>
 </p:sld>
 </file>
 
@@ -13972,6 +14005,13 @@
   <p:clrMapOvr>
     <a:masterClrMapping/>
   </p:clrMapOvr>
+  <p:timing>
+    <p:tnLst>
+      <p:par>
+        <p:cTn id="1" dur="indefinite" restart="never" nodeType="tmRoot"/>
+      </p:par>
+    </p:tnLst>
+  </p:timing>
 </p:sld>
 </file>
 
@@ -14143,6 +14183,13 @@
   <p:clrMapOvr>
     <a:masterClrMapping/>
   </p:clrMapOvr>
+  <p:timing>
+    <p:tnLst>
+      <p:par>
+        <p:cTn id="1" dur="indefinite" restart="never" nodeType="tmRoot"/>
+      </p:par>
+    </p:tnLst>
+  </p:timing>
 </p:sld>
 </file>
 

--- a/legacy.pptx
+++ b/legacy.pptx
@@ -6,25 +6,26 @@
     <p:sldMasterId id="2147483811" r:id="rId2"/>
   </p:sldMasterIdLst>
   <p:notesMasterIdLst>
-    <p:notesMasterId r:id="rId19"/>
+    <p:notesMasterId r:id="rId20"/>
   </p:notesMasterIdLst>
   <p:sldIdLst>
     <p:sldId id="320" r:id="rId3"/>
     <p:sldId id="288" r:id="rId4"/>
     <p:sldId id="290" r:id="rId5"/>
-    <p:sldId id="291" r:id="rId6"/>
-    <p:sldId id="321" r:id="rId7"/>
-    <p:sldId id="322" r:id="rId8"/>
-    <p:sldId id="323" r:id="rId9"/>
-    <p:sldId id="292" r:id="rId10"/>
-    <p:sldId id="300" r:id="rId11"/>
-    <p:sldId id="304" r:id="rId12"/>
-    <p:sldId id="305" r:id="rId13"/>
-    <p:sldId id="311" r:id="rId14"/>
-    <p:sldId id="315" r:id="rId15"/>
-    <p:sldId id="318" r:id="rId16"/>
-    <p:sldId id="319" r:id="rId17"/>
-    <p:sldId id="317" r:id="rId18"/>
+    <p:sldId id="324" r:id="rId6"/>
+    <p:sldId id="300" r:id="rId7"/>
+    <p:sldId id="291" r:id="rId8"/>
+    <p:sldId id="321" r:id="rId9"/>
+    <p:sldId id="325" r:id="rId10"/>
+    <p:sldId id="322" r:id="rId11"/>
+    <p:sldId id="292" r:id="rId12"/>
+    <p:sldId id="304" r:id="rId13"/>
+    <p:sldId id="305" r:id="rId14"/>
+    <p:sldId id="311" r:id="rId15"/>
+    <p:sldId id="315" r:id="rId16"/>
+    <p:sldId id="318" r:id="rId17"/>
+    <p:sldId id="319" r:id="rId18"/>
+    <p:sldId id="317" r:id="rId19"/>
   </p:sldIdLst>
   <p:sldSz cx="12192000" cy="6858000"/>
   <p:notesSz cx="6858000" cy="9144000"/>
@@ -131,20 +132,21 @@
             <p14:sldId id="320"/>
             <p14:sldId id="288"/>
             <p14:sldId id="290"/>
-            <p14:sldId id="291"/>
+            <p14:sldId id="324"/>
           </p14:sldIdLst>
         </p14:section>
         <p14:section name="Инструменты 15 мин" id="{C6EBDC35-48E1-4501-A578-C56B84B83357}">
           <p14:sldIdLst>
+            <p14:sldId id="300"/>
+            <p14:sldId id="291"/>
             <p14:sldId id="321"/>
+            <p14:sldId id="325"/>
             <p14:sldId id="322"/>
-            <p14:sldId id="323"/>
             <p14:sldId id="292"/>
           </p14:sldIdLst>
         </p14:section>
         <p14:section name="Стратегия 5 мин" id="{69023471-A3A5-464D-A881-BFFFFC94CC14}">
           <p14:sldIdLst>
-            <p14:sldId id="300"/>
             <p14:sldId id="304"/>
             <p14:sldId id="305"/>
           </p14:sldIdLst>
@@ -194,6 +196,10 @@
     </p:ext>
   </p:extLst>
 </p:presentation>
+</file>
+
+<file path=ppt/revisionInfo.xml><?xml version="1.0" encoding="utf-8"?>
+<p1510:revInfo xmlns:a="http://schemas.openxmlformats.org/drawingml/2006/main" xmlns:r="http://schemas.openxmlformats.org/officeDocument/2006/relationships" xmlns:p1510="http://schemas.microsoft.com/office/powerpoint/2015/10/main"/>
 </file>
 
 <file path=ppt/diagrams/colors1.xml><?xml version="1.0" encoding="utf-8"?>
@@ -2494,13 +2500,6 @@
         </dgm:presLayoutVars>
       </dgm:prSet>
       <dgm:spPr/>
-      <dgm:t>
-        <a:bodyPr/>
-        <a:lstStyle/>
-        <a:p>
-          <a:endParaRPr lang="ru-RU"/>
-        </a:p>
-      </dgm:t>
     </dgm:pt>
     <dgm:pt modelId="{CF6D50B3-578A-4EA0-A5A0-492FA729F6ED}" type="pres">
       <dgm:prSet presAssocID="{B75F6A3A-9A51-4DF3-8A57-9AEB0739425C}" presName="composite" presStyleCnt="0"/>
@@ -2513,13 +2512,6 @@
         </dgm:presLayoutVars>
       </dgm:prSet>
       <dgm:spPr/>
-      <dgm:t>
-        <a:bodyPr/>
-        <a:lstStyle/>
-        <a:p>
-          <a:endParaRPr lang="ru-RU"/>
-        </a:p>
-      </dgm:t>
     </dgm:pt>
     <dgm:pt modelId="{61EB78D8-69FF-471D-8FEB-71388C442F55}" type="pres">
       <dgm:prSet presAssocID="{B75F6A3A-9A51-4DF3-8A57-9AEB0739425C}" presName="rect1" presStyleLbl="alignImgPlace1" presStyleIdx="0" presStyleCnt="1" custScaleX="596594" custScaleY="114980" custLinFactX="-64576" custLinFactNeighborX="-100000" custLinFactNeighborY="-13065"/>
@@ -2541,9 +2533,9 @@
     </dgm:pt>
   </dgm:ptLst>
   <dgm:cxnLst>
-    <dgm:cxn modelId="{017518C9-1619-4B19-AA03-86BA999BA287}" srcId="{EAB81984-5B84-4970-8447-2B456B8C58DF}" destId="{B75F6A3A-9A51-4DF3-8A57-9AEB0739425C}" srcOrd="0" destOrd="0" parTransId="{203596AF-4F49-40BA-B1E1-11BDD34B512E}" sibTransId="{A056157B-3867-49A4-9195-F3A4F3FBBA8E}"/>
     <dgm:cxn modelId="{1CEAA455-5BF4-4666-95B8-390900AB8124}" type="presOf" srcId="{EAB81984-5B84-4970-8447-2B456B8C58DF}" destId="{3A252E36-3D7E-49E5-B812-EE4CACF0D5CF}" srcOrd="0" destOrd="0" presId="urn:microsoft.com/office/officeart/2008/layout/PictureGrid"/>
     <dgm:cxn modelId="{147A14B3-96E8-4139-969B-9DB1BCB4D95E}" type="presOf" srcId="{B75F6A3A-9A51-4DF3-8A57-9AEB0739425C}" destId="{B29ABF60-EC0F-45AD-A90E-9C76D15C2F14}" srcOrd="0" destOrd="0" presId="urn:microsoft.com/office/officeart/2008/layout/PictureGrid"/>
+    <dgm:cxn modelId="{017518C9-1619-4B19-AA03-86BA999BA287}" srcId="{EAB81984-5B84-4970-8447-2B456B8C58DF}" destId="{B75F6A3A-9A51-4DF3-8A57-9AEB0739425C}" srcOrd="0" destOrd="0" parTransId="{203596AF-4F49-40BA-B1E1-11BDD34B512E}" sibTransId="{A056157B-3867-49A4-9195-F3A4F3FBBA8E}"/>
     <dgm:cxn modelId="{D3458AFA-605E-43EE-8C8A-0E0C1E3CD931}" type="presParOf" srcId="{3A252E36-3D7E-49E5-B812-EE4CACF0D5CF}" destId="{CF6D50B3-578A-4EA0-A5A0-492FA729F6ED}" srcOrd="0" destOrd="0" presId="urn:microsoft.com/office/officeart/2008/layout/PictureGrid"/>
     <dgm:cxn modelId="{9835F3F3-3E30-4AC4-AD89-BC095FA9A878}" type="presParOf" srcId="{CF6D50B3-578A-4EA0-A5A0-492FA729F6ED}" destId="{B29ABF60-EC0F-45AD-A90E-9C76D15C2F14}" srcOrd="0" destOrd="0" presId="urn:microsoft.com/office/officeart/2008/layout/PictureGrid"/>
     <dgm:cxn modelId="{70FA379F-7827-49B9-806E-1FD72CAE8F89}" type="presParOf" srcId="{CF6D50B3-578A-4EA0-A5A0-492FA729F6ED}" destId="{61EB78D8-69FF-471D-8FEB-71388C442F55}" srcOrd="1" destOrd="0" presId="urn:microsoft.com/office/officeart/2008/layout/PictureGrid"/>
@@ -2615,13 +2607,6 @@
         </dgm:presLayoutVars>
       </dgm:prSet>
       <dgm:spPr/>
-      <dgm:t>
-        <a:bodyPr/>
-        <a:lstStyle/>
-        <a:p>
-          <a:endParaRPr lang="ru-RU"/>
-        </a:p>
-      </dgm:t>
     </dgm:pt>
     <dgm:pt modelId="{CF6D50B3-578A-4EA0-A5A0-492FA729F6ED}" type="pres">
       <dgm:prSet presAssocID="{B75F6A3A-9A51-4DF3-8A57-9AEB0739425C}" presName="composite" presStyleCnt="0"/>
@@ -2634,13 +2619,6 @@
         </dgm:presLayoutVars>
       </dgm:prSet>
       <dgm:spPr/>
-      <dgm:t>
-        <a:bodyPr/>
-        <a:lstStyle/>
-        <a:p>
-          <a:endParaRPr lang="ru-RU"/>
-        </a:p>
-      </dgm:t>
     </dgm:pt>
     <dgm:pt modelId="{61EB78D8-69FF-471D-8FEB-71388C442F55}" type="pres">
       <dgm:prSet presAssocID="{B75F6A3A-9A51-4DF3-8A57-9AEB0739425C}" presName="rect1" presStyleLbl="alignImgPlace1" presStyleIdx="0" presStyleCnt="1" custScaleX="596594" custScaleY="114980" custLinFactX="-64576" custLinFactNeighborX="-100000" custLinFactNeighborY="-13065"/>
@@ -2662,9 +2640,9 @@
     </dgm:pt>
   </dgm:ptLst>
   <dgm:cxnLst>
-    <dgm:cxn modelId="{017518C9-1619-4B19-AA03-86BA999BA287}" srcId="{EAB81984-5B84-4970-8447-2B456B8C58DF}" destId="{B75F6A3A-9A51-4DF3-8A57-9AEB0739425C}" srcOrd="0" destOrd="0" parTransId="{203596AF-4F49-40BA-B1E1-11BDD34B512E}" sibTransId="{A056157B-3867-49A4-9195-F3A4F3FBBA8E}"/>
     <dgm:cxn modelId="{1CEAA455-5BF4-4666-95B8-390900AB8124}" type="presOf" srcId="{EAB81984-5B84-4970-8447-2B456B8C58DF}" destId="{3A252E36-3D7E-49E5-B812-EE4CACF0D5CF}" srcOrd="0" destOrd="0" presId="urn:microsoft.com/office/officeart/2008/layout/PictureGrid"/>
     <dgm:cxn modelId="{147A14B3-96E8-4139-969B-9DB1BCB4D95E}" type="presOf" srcId="{B75F6A3A-9A51-4DF3-8A57-9AEB0739425C}" destId="{B29ABF60-EC0F-45AD-A90E-9C76D15C2F14}" srcOrd="0" destOrd="0" presId="urn:microsoft.com/office/officeart/2008/layout/PictureGrid"/>
+    <dgm:cxn modelId="{017518C9-1619-4B19-AA03-86BA999BA287}" srcId="{EAB81984-5B84-4970-8447-2B456B8C58DF}" destId="{B75F6A3A-9A51-4DF3-8A57-9AEB0739425C}" srcOrd="0" destOrd="0" parTransId="{203596AF-4F49-40BA-B1E1-11BDD34B512E}" sibTransId="{A056157B-3867-49A4-9195-F3A4F3FBBA8E}"/>
     <dgm:cxn modelId="{D3458AFA-605E-43EE-8C8A-0E0C1E3CD931}" type="presParOf" srcId="{3A252E36-3D7E-49E5-B812-EE4CACF0D5CF}" destId="{CF6D50B3-578A-4EA0-A5A0-492FA729F6ED}" srcOrd="0" destOrd="0" presId="urn:microsoft.com/office/officeart/2008/layout/PictureGrid"/>
     <dgm:cxn modelId="{9835F3F3-3E30-4AC4-AD89-BC095FA9A878}" type="presParOf" srcId="{CF6D50B3-578A-4EA0-A5A0-492FA729F6ED}" destId="{B29ABF60-EC0F-45AD-A90E-9C76D15C2F14}" srcOrd="0" destOrd="0" presId="urn:microsoft.com/office/officeart/2008/layout/PictureGrid"/>
     <dgm:cxn modelId="{70FA379F-7827-49B9-806E-1FD72CAE8F89}" type="presParOf" srcId="{CF6D50B3-578A-4EA0-A5A0-492FA729F6ED}" destId="{61EB78D8-69FF-471D-8FEB-71388C442F55}" srcOrd="1" destOrd="0" presId="urn:microsoft.com/office/officeart/2008/layout/PictureGrid"/>
@@ -2754,13 +2732,6 @@
         </dgm:presLayoutVars>
       </dgm:prSet>
       <dgm:spPr/>
-      <dgm:t>
-        <a:bodyPr/>
-        <a:lstStyle/>
-        <a:p>
-          <a:endParaRPr lang="ru-RU"/>
-        </a:p>
-      </dgm:t>
     </dgm:pt>
     <dgm:pt modelId="{65D73C51-61AB-436D-8191-975603FC9C68}" type="pres">
       <dgm:prSet presAssocID="{9C9C0585-42CE-4F34-A2BB-F1377DA03788}" presName="composite" presStyleCnt="0"/>
@@ -2773,13 +2744,6 @@
         </dgm:presLayoutVars>
       </dgm:prSet>
       <dgm:spPr/>
-      <dgm:t>
-        <a:bodyPr/>
-        <a:lstStyle/>
-        <a:p>
-          <a:endParaRPr lang="ru-RU"/>
-        </a:p>
-      </dgm:t>
     </dgm:pt>
     <dgm:pt modelId="{DFDA3CA3-5C68-4A2F-A4A8-285063A35D87}" type="pres">
       <dgm:prSet presAssocID="{9C9C0585-42CE-4F34-A2BB-F1377DA03788}" presName="rect1" presStyleLbl="alignImgPlace1" presStyleIdx="0" presStyleCnt="1" custScaleX="62421" custScaleY="62421" custLinFactNeighborX="1076" custLinFactNeighborY="-52209"/>
@@ -2804,8 +2768,8 @@
     </dgm:pt>
   </dgm:ptLst>
   <dgm:cxnLst>
+    <dgm:cxn modelId="{A9E27516-E8E4-42A7-A155-024D48E79559}" type="presOf" srcId="{8F66C165-B39F-46D3-B19F-623799541DD3}" destId="{B6F028CB-F170-4FEF-BC3A-25F0E90D434A}" srcOrd="0" destOrd="0" presId="urn:microsoft.com/office/officeart/2008/layout/PictureGrid"/>
     <dgm:cxn modelId="{A177C822-7566-4410-A889-706A6CE15148}" srcId="{8F66C165-B39F-46D3-B19F-623799541DD3}" destId="{9C9C0585-42CE-4F34-A2BB-F1377DA03788}" srcOrd="0" destOrd="0" parTransId="{4E5DCF2B-AAE7-41E2-837F-518128C03597}" sibTransId="{56F70C7F-1925-4DBA-9BD6-AF5E91799A59}"/>
-    <dgm:cxn modelId="{A9E27516-E8E4-42A7-A155-024D48E79559}" type="presOf" srcId="{8F66C165-B39F-46D3-B19F-623799541DD3}" destId="{B6F028CB-F170-4FEF-BC3A-25F0E90D434A}" srcOrd="0" destOrd="0" presId="urn:microsoft.com/office/officeart/2008/layout/PictureGrid"/>
     <dgm:cxn modelId="{ACD53F50-5BA1-48C9-B5DF-09BF6DA4DE65}" type="presOf" srcId="{9C9C0585-42CE-4F34-A2BB-F1377DA03788}" destId="{A30F2283-C0A4-4A69-BCBE-833D967155A2}" srcOrd="0" destOrd="0" presId="urn:microsoft.com/office/officeart/2008/layout/PictureGrid"/>
     <dgm:cxn modelId="{CC189C1C-06A1-4F03-B886-67BF46A53703}" type="presParOf" srcId="{B6F028CB-F170-4FEF-BC3A-25F0E90D434A}" destId="{65D73C51-61AB-436D-8191-975603FC9C68}" srcOrd="0" destOrd="0" presId="urn:microsoft.com/office/officeart/2008/layout/PictureGrid"/>
     <dgm:cxn modelId="{CD7DB92E-B84F-43A0-AC2D-FBBFB40722EE}" type="presParOf" srcId="{65D73C51-61AB-436D-8191-975603FC9C68}" destId="{A30F2283-C0A4-4A69-BCBE-833D967155A2}" srcOrd="0" destOrd="0" presId="urn:microsoft.com/office/officeart/2008/layout/PictureGrid"/>
@@ -2866,7 +2830,7 @@
         </a:bodyPr>
         <a:lstStyle/>
         <a:p>
-          <a:pPr lvl="0" algn="l" defTabSz="222250">
+          <a:pPr marL="0" lvl="0" indent="0" algn="l" defTabSz="222250">
             <a:lnSpc>
               <a:spcPct val="90000"/>
             </a:lnSpc>
@@ -2876,6 +2840,7 @@
             <a:spcAft>
               <a:spcPct val="35000"/>
             </a:spcAft>
+            <a:buNone/>
           </a:pPr>
           <a:r>
             <a:rPr lang="ru-RU" sz="500" kern="1200" dirty="0"/>
@@ -2952,6 +2917,118 @@
       <dsp:cNvGrpSpPr/>
     </dsp:nvGrpSpPr>
     <dsp:grpSpPr/>
+    <dsp:sp modelId="{B29ABF60-EC0F-45AD-A90E-9C76D15C2F14}">
+      <dsp:nvSpPr>
+        <dsp:cNvPr id="0" name=""/>
+        <dsp:cNvSpPr/>
+      </dsp:nvSpPr>
+      <dsp:spPr>
+        <a:xfrm>
+          <a:off x="1748174" y="210303"/>
+          <a:ext cx="175586" cy="38914"/>
+        </a:xfrm>
+        <a:prstGeom prst="rect">
+          <a:avLst/>
+        </a:prstGeom>
+        <a:noFill/>
+        <a:ln>
+          <a:noFill/>
+        </a:ln>
+        <a:effectLst/>
+      </dsp:spPr>
+      <dsp:style>
+        <a:lnRef idx="0">
+          <a:scrgbClr r="0" g="0" b="0"/>
+        </a:lnRef>
+        <a:fillRef idx="0">
+          <a:scrgbClr r="0" g="0" b="0"/>
+        </a:fillRef>
+        <a:effectRef idx="0">
+          <a:scrgbClr r="0" g="0" b="0"/>
+        </a:effectRef>
+        <a:fontRef idx="minor"/>
+      </dsp:style>
+      <dsp:txBody>
+        <a:bodyPr spcFirstLastPara="0" vert="horz" wrap="square" lIns="0" tIns="19050" rIns="19050" bIns="0" numCol="1" spcCol="1270" anchor="t" anchorCtr="0">
+          <a:noAutofit/>
+        </a:bodyPr>
+        <a:lstStyle/>
+        <a:p>
+          <a:pPr marL="0" lvl="0" indent="0" algn="l" defTabSz="222250">
+            <a:lnSpc>
+              <a:spcPct val="90000"/>
+            </a:lnSpc>
+            <a:spcBef>
+              <a:spcPct val="0"/>
+            </a:spcBef>
+            <a:spcAft>
+              <a:spcPct val="35000"/>
+            </a:spcAft>
+            <a:buNone/>
+          </a:pPr>
+          <a:r>
+            <a:rPr lang="ru-RU" sz="500" kern="1200" dirty="0"/>
+            <a:t> </a:t>
+          </a:r>
+        </a:p>
+      </dsp:txBody>
+      <dsp:txXfrm>
+        <a:off x="1748174" y="210303"/>
+        <a:ext cx="175586" cy="38914"/>
+      </dsp:txXfrm>
+    </dsp:sp>
+    <dsp:sp modelId="{61EB78D8-69FF-471D-8FEB-71388C442F55}">
+      <dsp:nvSpPr>
+        <dsp:cNvPr id="0" name=""/>
+        <dsp:cNvSpPr/>
+      </dsp:nvSpPr>
+      <dsp:spPr>
+        <a:xfrm>
+          <a:off x="0" y="0"/>
+          <a:ext cx="1980001" cy="381600"/>
+        </a:xfrm>
+        <a:prstGeom prst="rect">
+          <a:avLst/>
+        </a:prstGeom>
+        <a:blipFill>
+          <a:blip xmlns:r="http://schemas.openxmlformats.org/officeDocument/2006/relationships" r:embed="rId1">
+            <a:extLst>
+              <a:ext uri="{28A0092B-C50C-407E-A947-70E740481C1C}">
+                <a14:useLocalDpi xmlns:a14="http://schemas.microsoft.com/office/drawing/2010/main" val="0"/>
+              </a:ext>
+            </a:extLst>
+          </a:blip>
+          <a:srcRect/>
+          <a:stretch>
+            <a:fillRect l="-1000" r="-1000"/>
+          </a:stretch>
+        </a:blipFill>
+        <a:ln w="25400" cap="flat" cmpd="sng" algn="ctr">
+          <a:solidFill>
+            <a:schemeClr val="lt1">
+              <a:hueOff val="0"/>
+              <a:satOff val="0"/>
+              <a:lumOff val="0"/>
+              <a:alphaOff val="0"/>
+            </a:schemeClr>
+          </a:solidFill>
+          <a:prstDash val="solid"/>
+        </a:ln>
+        <a:effectLst/>
+      </dsp:spPr>
+      <dsp:style>
+        <a:lnRef idx="2">
+          <a:scrgbClr r="0" g="0" b="0"/>
+        </a:lnRef>
+        <a:fillRef idx="1">
+          <a:scrgbClr r="0" g="0" b="0"/>
+        </a:fillRef>
+        <a:effectRef idx="0">
+          <a:scrgbClr r="0" g="0" b="0"/>
+        </a:effectRef>
+        <a:fontRef idx="minor"/>
+      </dsp:style>
+    </dsp:sp>
   </dsp:spTree>
 </dsp:drawing>
 </file>
@@ -2964,6 +3041,128 @@
       <dsp:cNvGrpSpPr/>
     </dsp:nvGrpSpPr>
     <dsp:grpSpPr/>
+    <dsp:sp modelId="{A30F2283-C0A4-4A69-BCBE-833D967155A2}">
+      <dsp:nvSpPr>
+        <dsp:cNvPr id="0" name=""/>
+        <dsp:cNvSpPr/>
+      </dsp:nvSpPr>
+      <dsp:spPr>
+        <a:xfrm>
+          <a:off x="469735" y="1146225"/>
+          <a:ext cx="2927097" cy="509149"/>
+        </a:xfrm>
+        <a:prstGeom prst="rect">
+          <a:avLst/>
+        </a:prstGeom>
+        <a:noFill/>
+        <a:ln>
+          <a:noFill/>
+        </a:ln>
+        <a:effectLst/>
+      </dsp:spPr>
+      <dsp:style>
+        <a:lnRef idx="0">
+          <a:scrgbClr r="0" g="0" b="0"/>
+        </a:lnRef>
+        <a:fillRef idx="0">
+          <a:scrgbClr r="0" g="0" b="0"/>
+        </a:fillRef>
+        <a:effectRef idx="0">
+          <a:scrgbClr r="0" g="0" b="0"/>
+        </a:effectRef>
+        <a:fontRef idx="minor"/>
+      </dsp:style>
+      <dsp:txBody>
+        <a:bodyPr spcFirstLastPara="0" vert="horz" wrap="square" lIns="0" tIns="152400" rIns="152400" bIns="0" numCol="1" spcCol="1270" anchor="b" anchorCtr="0">
+          <a:noAutofit/>
+        </a:bodyPr>
+        <a:lstStyle/>
+        <a:p>
+          <a:pPr marL="0" lvl="0" indent="0" algn="ctr" defTabSz="1778000">
+            <a:lnSpc>
+              <a:spcPct val="90000"/>
+            </a:lnSpc>
+            <a:spcBef>
+              <a:spcPct val="0"/>
+            </a:spcBef>
+            <a:spcAft>
+              <a:spcPct val="35000"/>
+            </a:spcAft>
+            <a:buNone/>
+          </a:pPr>
+          <a:r>
+            <a:rPr lang="ru-RU" sz="4000" kern="1200" dirty="0">
+              <a:solidFill>
+                <a:schemeClr val="accent1"/>
+              </a:solidFill>
+            </a:rPr>
+            <a:t>ВОПРОСЫ</a:t>
+          </a:r>
+          <a:r>
+            <a:rPr lang="en-US" sz="4000" kern="1200" dirty="0">
+              <a:solidFill>
+                <a:schemeClr val="accent1"/>
+              </a:solidFill>
+            </a:rPr>
+            <a:t>?</a:t>
+          </a:r>
+          <a:endParaRPr lang="ru-RU" sz="4000" kern="1200" dirty="0">
+            <a:solidFill>
+              <a:schemeClr val="accent1"/>
+            </a:solidFill>
+          </a:endParaRPr>
+        </a:p>
+      </dsp:txBody>
+      <dsp:txXfrm>
+        <a:off x="469735" y="1146225"/>
+        <a:ext cx="2927097" cy="509149"/>
+      </dsp:txXfrm>
+    </dsp:sp>
+    <dsp:sp modelId="{DFDA3CA3-5C68-4A2F-A4A8-285063A35D87}">
+      <dsp:nvSpPr>
+        <dsp:cNvPr id="0" name=""/>
+        <dsp:cNvSpPr/>
+      </dsp:nvSpPr>
+      <dsp:spPr>
+        <a:xfrm>
+          <a:off x="1521700" y="91137"/>
+          <a:ext cx="849599" cy="849599"/>
+        </a:xfrm>
+        <a:prstGeom prst="rect">
+          <a:avLst/>
+        </a:prstGeom>
+        <a:blipFill>
+          <a:blip xmlns:r="http://schemas.openxmlformats.org/officeDocument/2006/relationships" r:embed="rId1">
+            <a:extLst>
+              <a:ext uri="{28A0092B-C50C-407E-A947-70E740481C1C}">
+                <a14:useLocalDpi xmlns:a14="http://schemas.microsoft.com/office/drawing/2010/main" val="0"/>
+              </a:ext>
+            </a:extLst>
+          </a:blip>
+          <a:srcRect/>
+          <a:stretch>
+            <a:fillRect/>
+          </a:stretch>
+        </a:blipFill>
+        <a:ln w="0" cap="flat" cmpd="sng" algn="ctr">
+          <a:noFill/>
+          <a:prstDash val="solid"/>
+        </a:ln>
+        <a:effectLst/>
+      </dsp:spPr>
+      <dsp:style>
+        <a:lnRef idx="2">
+          <a:scrgbClr r="0" g="0" b="0"/>
+        </a:lnRef>
+        <a:fillRef idx="1">
+          <a:scrgbClr r="0" g="0" b="0"/>
+        </a:fillRef>
+        <a:effectRef idx="0">
+          <a:scrgbClr r="0" g="0" b="0"/>
+        </a:effectRef>
+        <a:fontRef idx="minor"/>
+      </dsp:style>
+    </dsp:sp>
   </dsp:spTree>
 </dsp:drawing>
 </file>
@@ -6950,7 +7149,7 @@
           <a:p>
             <a:fld id="{16E5F246-0B7D-44DF-8C1B-EDFCA5DA626A}" type="datetimeFigureOut">
               <a:rPr lang="ru-RU" smtClean="0"/>
-              <a:t>13.03.2017</a:t>
+              <a:t>24.09.2017</a:t>
             </a:fld>
             <a:endParaRPr lang="ru-RU" dirty="0"/>
           </a:p>
@@ -7244,12 +7443,7 @@
             <p:ph type="sldImg"/>
           </p:nvPr>
         </p:nvSpPr>
-        <p:spPr>
-          <a:xfrm>
-            <a:off x="381000" y="685800"/>
-            <a:ext cx="6096000" cy="3429000"/>
-          </a:xfrm>
-        </p:spPr>
+        <p:spPr/>
       </p:sp>
       <p:sp>
         <p:nvSpPr>
@@ -7266,79 +7460,7 @@
           <a:bodyPr/>
           <a:lstStyle/>
           <a:p>
-            <a:pPr marL="0" indent="0">
-              <a:buNone/>
-            </a:pPr>
-            <a:r>
-              <a:rPr lang="ru-RU" sz="1200" dirty="0"/>
-              <a:t>Пете для решения задачи надо написать класс </a:t>
-            </a:r>
-            <a:r>
-              <a:rPr lang="en-US" sz="1200" dirty="0" err="1">
-                <a:latin typeface="Consolas" panose="020B0609020204030204" pitchFamily="49" charset="0"/>
-              </a:rPr>
-              <a:t>ProductValidator</a:t>
-            </a:r>
-            <a:endParaRPr lang="ru-RU" sz="1200" dirty="0"/>
-          </a:p>
-          <a:p>
-            <a:pPr marL="0" indent="0">
-              <a:buNone/>
-            </a:pPr>
-            <a:r>
-              <a:rPr lang="ru-RU" sz="1200" dirty="0"/>
-              <a:t>Он не поленился и нашел код, решающий похожую проблему в классе </a:t>
-            </a:r>
-            <a:r>
-              <a:rPr lang="en-US" sz="1200" dirty="0" err="1"/>
-              <a:t>ProviderProcessor</a:t>
-            </a:r>
-            <a:r>
-              <a:rPr lang="ru-RU" sz="1200" dirty="0"/>
-              <a:t>, но это </a:t>
-            </a:r>
-            <a:r>
-              <a:rPr lang="en-US" sz="1200" dirty="0"/>
-              <a:t>legacy…</a:t>
-            </a:r>
-          </a:p>
-          <a:p>
-            <a:pPr marL="0" indent="0">
-              <a:buNone/>
-            </a:pPr>
-            <a:r>
-              <a:rPr lang="ru-RU" sz="1200" kern="1200" dirty="0">
-                <a:solidFill>
-                  <a:schemeClr val="tx1"/>
-                </a:solidFill>
-                <a:latin typeface="+mn-lt"/>
-                <a:ea typeface="+mn-ea"/>
-                <a:cs typeface="+mn-cs"/>
-              </a:rPr>
-              <a:t>Петя знал про Правило Бойскаута и поэтому решил не просто решить свою задачу, но и написать тесты на </a:t>
-            </a:r>
-            <a:r>
-              <a:rPr lang="en-US" sz="1200" kern="1200" dirty="0" err="1">
-                <a:solidFill>
-                  <a:schemeClr val="tx1"/>
-                </a:solidFill>
-                <a:latin typeface="+mn-lt"/>
-                <a:ea typeface="+mn-ea"/>
-                <a:cs typeface="+mn-cs"/>
-              </a:rPr>
-              <a:t>ProviderProcessor</a:t>
-            </a:r>
-            <a:endParaRPr lang="en-US" sz="1200" kern="1200" dirty="0">
-              <a:solidFill>
-                <a:schemeClr val="tx1"/>
-              </a:solidFill>
-              <a:latin typeface="+mn-lt"/>
-              <a:ea typeface="+mn-ea"/>
-              <a:cs typeface="+mn-cs"/>
-            </a:endParaRPr>
-          </a:p>
-          <a:p>
-            <a:endParaRPr lang="ru-RU" dirty="0"/>
+            <a:endParaRPr lang="en-US" dirty="0"/>
           </a:p>
         </p:txBody>
       </p:sp>
@@ -7359,7 +7481,7 @@
           <a:p>
             <a:fld id="{3BAECB10-9972-4830-A584-02C41DAFD45B}" type="slidenum">
               <a:rPr lang="ru-RU" smtClean="0"/>
-              <a:t>14</a:t>
+              <a:t>9</a:t>
             </a:fld>
             <a:endParaRPr lang="ru-RU" dirty="0"/>
           </a:p>
@@ -7368,7 +7490,7 @@
     </p:spTree>
     <p:extLst>
       <p:ext uri="{BB962C8B-B14F-4D97-AF65-F5344CB8AC3E}">
-        <p14:creationId xmlns:p14="http://schemas.microsoft.com/office/powerpoint/2010/main" val="1211189270"/>
+        <p14:creationId xmlns:p14="http://schemas.microsoft.com/office/powerpoint/2010/main" val="2274174158"/>
       </p:ext>
     </p:extLst>
   </p:cSld>
@@ -7432,24 +7554,15 @@
             </a:pPr>
             <a:r>
               <a:rPr lang="ru-RU" sz="1200" dirty="0"/>
-              <a:t>Петя отдал задачу на ручное тестирование,</a:t>
-            </a:r>
-            <a:br>
-              <a:rPr lang="ru-RU" sz="1200" dirty="0"/>
-            </a:br>
-            <a:r>
-              <a:rPr lang="ru-RU" sz="1200" dirty="0"/>
-              <a:t>не забыв предупредить о своем </a:t>
-            </a:r>
-            <a:r>
-              <a:rPr lang="ru-RU" sz="1200" dirty="0" err="1"/>
-              <a:t>рефакторинге</a:t>
-            </a:r>
-            <a:r>
-              <a:rPr lang="ru-RU" sz="1200" dirty="0"/>
-              <a:t>.</a:t>
-            </a:r>
-            <a:endParaRPr lang="en-US" dirty="0"/>
+              <a:t>Пете для решения задачи надо написать класс </a:t>
+            </a:r>
+            <a:r>
+              <a:rPr lang="en-US" sz="1200" dirty="0" err="1">
+                <a:latin typeface="Consolas" panose="020B0609020204030204" pitchFamily="49" charset="0"/>
+              </a:rPr>
+              <a:t>ProductValidator</a:t>
+            </a:r>
+            <a:endParaRPr lang="ru-RU" sz="1200" dirty="0"/>
           </a:p>
           <a:p>
             <a:pPr marL="0" indent="0">
@@ -7457,7 +7570,19 @@
             </a:pPr>
             <a:r>
               <a:rPr lang="ru-RU" sz="1200" dirty="0"/>
-              <a:t>Но вскоре в его решении нашли баг и описали сценарий.</a:t>
+              <a:t>Он не поленился и нашел код, решающий похожую проблему в классе </a:t>
+            </a:r>
+            <a:r>
+              <a:rPr lang="en-US" sz="1200" dirty="0" err="1"/>
+              <a:t>ProviderProcessor</a:t>
+            </a:r>
+            <a:r>
+              <a:rPr lang="ru-RU" sz="1200" dirty="0"/>
+              <a:t>, но это </a:t>
+            </a:r>
+            <a:r>
+              <a:rPr lang="en-US" sz="1200" dirty="0"/>
+              <a:t>legacy…</a:t>
             </a:r>
           </a:p>
           <a:p>
@@ -7465,9 +7590,35 @@
               <a:buNone/>
             </a:pPr>
             <a:r>
-              <a:rPr lang="ru-RU" sz="1200" dirty="0"/>
-              <a:t>Петя начал писать тест по этому сценарию.</a:t>
-            </a:r>
+              <a:rPr lang="ru-RU" sz="1200" kern="1200" dirty="0">
+                <a:solidFill>
+                  <a:schemeClr val="tx1"/>
+                </a:solidFill>
+                <a:latin typeface="+mn-lt"/>
+                <a:ea typeface="+mn-ea"/>
+                <a:cs typeface="+mn-cs"/>
+              </a:rPr>
+              <a:t>Петя знал про Правило Бойскаута и поэтому решил не просто решить свою задачу, но и написать тесты на </a:t>
+            </a:r>
+            <a:r>
+              <a:rPr lang="en-US" sz="1200" kern="1200" dirty="0" err="1">
+                <a:solidFill>
+                  <a:schemeClr val="tx1"/>
+                </a:solidFill>
+                <a:latin typeface="+mn-lt"/>
+                <a:ea typeface="+mn-ea"/>
+                <a:cs typeface="+mn-cs"/>
+              </a:rPr>
+              <a:t>ProviderProcessor</a:t>
+            </a:r>
+            <a:endParaRPr lang="en-US" sz="1200" kern="1200" dirty="0">
+              <a:solidFill>
+                <a:schemeClr val="tx1"/>
+              </a:solidFill>
+              <a:latin typeface="+mn-lt"/>
+              <a:ea typeface="+mn-ea"/>
+              <a:cs typeface="+mn-cs"/>
+            </a:endParaRPr>
           </a:p>
           <a:p>
             <a:endParaRPr lang="ru-RU" dirty="0"/>
@@ -7500,7 +7651,7 @@
     </p:spTree>
     <p:extLst>
       <p:ext uri="{BB962C8B-B14F-4D97-AF65-F5344CB8AC3E}">
-        <p14:creationId xmlns:p14="http://schemas.microsoft.com/office/powerpoint/2010/main" val="3269097755"/>
+        <p14:creationId xmlns:p14="http://schemas.microsoft.com/office/powerpoint/2010/main" val="1211189270"/>
       </p:ext>
     </p:extLst>
   </p:cSld>
@@ -7559,69 +7710,50 @@
           <a:bodyPr/>
           <a:lstStyle/>
           <a:p>
-            <a:r>
-              <a:rPr lang="ru-RU" dirty="0"/>
-              <a:t>Эта задача более</a:t>
-            </a:r>
-            <a:r>
-              <a:rPr lang="ru-RU" baseline="0" dirty="0"/>
-              <a:t> приближена к реальности – надо просто добавить </a:t>
-            </a:r>
-            <a:r>
-              <a:rPr lang="ru-RU" baseline="0" dirty="0" err="1"/>
-              <a:t>фичу</a:t>
-            </a:r>
-            <a:r>
-              <a:rPr lang="ru-RU" baseline="0" dirty="0"/>
+            <a:pPr marL="0" indent="0">
+              <a:buNone/>
+            </a:pPr>
+            <a:r>
+              <a:rPr lang="ru-RU" sz="1200" dirty="0"/>
+              <a:t>Петя отдал задачу на ручное тестирование,</a:t>
+            </a:r>
+            <a:br>
+              <a:rPr lang="ru-RU" sz="1200" dirty="0"/>
+            </a:br>
+            <a:r>
+              <a:rPr lang="ru-RU" sz="1200" dirty="0"/>
+              <a:t>не забыв предупредить о своем </a:t>
+            </a:r>
+            <a:r>
+              <a:rPr lang="ru-RU" sz="1200" dirty="0" err="1"/>
+              <a:t>рефакторинге</a:t>
+            </a:r>
+            <a:r>
+              <a:rPr lang="ru-RU" sz="1200" dirty="0"/>
               <a:t>.</a:t>
             </a:r>
-          </a:p>
-          <a:p>
-            <a:r>
-              <a:rPr lang="ru-RU" baseline="0" dirty="0"/>
-              <a:t>При этом важно не только делать новые </a:t>
-            </a:r>
-            <a:r>
-              <a:rPr lang="ru-RU" baseline="0" dirty="0" err="1"/>
-              <a:t>фичи</a:t>
-            </a:r>
-            <a:r>
-              <a:rPr lang="ru-RU" baseline="0" dirty="0"/>
-              <a:t>, но еще и код рядом улучшать.</a:t>
-            </a:r>
-          </a:p>
-          <a:p>
-            <a:r>
-              <a:rPr lang="ru-RU" baseline="0" dirty="0"/>
-              <a:t>Если на код не было тестов, то его сложно тестировать.</a:t>
-            </a:r>
-          </a:p>
-          <a:p>
-            <a:r>
-              <a:rPr lang="ru-RU" baseline="0" dirty="0"/>
-              <a:t>Приходится сначала делать некоторый </a:t>
-            </a:r>
-            <a:r>
-              <a:rPr lang="ru-RU" baseline="0" dirty="0" err="1"/>
-              <a:t>рефакторинг</a:t>
-            </a:r>
-            <a:r>
-              <a:rPr lang="ru-RU" baseline="0" dirty="0"/>
-              <a:t>. Да, не по книжке, но прагматично.</a:t>
-            </a:r>
-          </a:p>
-          <a:p>
-            <a:r>
-              <a:rPr lang="ru-RU" baseline="0" dirty="0" err="1"/>
-              <a:t>Рефакторинг</a:t>
-            </a:r>
-            <a:r>
-              <a:rPr lang="ru-RU" baseline="0" dirty="0"/>
-              <a:t> не всегда безопасен – надо быть очень внимательным!</a:t>
-            </a:r>
-          </a:p>
-          <a:p>
-            <a:endParaRPr lang="ru-RU" baseline="0" dirty="0"/>
+            <a:endParaRPr lang="en-US" dirty="0"/>
+          </a:p>
+          <a:p>
+            <a:pPr marL="0" indent="0">
+              <a:buNone/>
+            </a:pPr>
+            <a:r>
+              <a:rPr lang="ru-RU" sz="1200" dirty="0"/>
+              <a:t>Но вскоре в его решении нашли баг и описали сценарий.</a:t>
+            </a:r>
+          </a:p>
+          <a:p>
+            <a:pPr marL="0" indent="0">
+              <a:buNone/>
+            </a:pPr>
+            <a:r>
+              <a:rPr lang="ru-RU" sz="1200" dirty="0"/>
+              <a:t>Петя начал писать тест по этому сценарию.</a:t>
+            </a:r>
+          </a:p>
+          <a:p>
+            <a:endParaRPr lang="ru-RU" dirty="0"/>
           </a:p>
         </p:txBody>
       </p:sp>
@@ -7643,6 +7775,157 @@
             <a:fld id="{3BAECB10-9972-4830-A584-02C41DAFD45B}" type="slidenum">
               <a:rPr lang="ru-RU" smtClean="0"/>
               <a:t>16</a:t>
+            </a:fld>
+            <a:endParaRPr lang="ru-RU" dirty="0"/>
+          </a:p>
+        </p:txBody>
+      </p:sp>
+    </p:spTree>
+    <p:extLst>
+      <p:ext uri="{BB962C8B-B14F-4D97-AF65-F5344CB8AC3E}">
+        <p14:creationId xmlns:p14="http://schemas.microsoft.com/office/powerpoint/2010/main" val="3269097755"/>
+      </p:ext>
+    </p:extLst>
+  </p:cSld>
+  <p:clrMapOvr>
+    <a:masterClrMapping/>
+  </p:clrMapOvr>
+</p:notes>
+</file>
+
+<file path=ppt/notesSlides/notesSlide4.xml><?xml version="1.0" encoding="utf-8"?>
+<p:notes xmlns:a="http://schemas.openxmlformats.org/drawingml/2006/main" xmlns:r="http://schemas.openxmlformats.org/officeDocument/2006/relationships" xmlns:p="http://schemas.openxmlformats.org/presentationml/2006/main">
+  <p:cSld>
+    <p:spTree>
+      <p:nvGrpSpPr>
+        <p:cNvPr id="1" name=""/>
+        <p:cNvGrpSpPr/>
+        <p:nvPr/>
+      </p:nvGrpSpPr>
+      <p:grpSpPr>
+        <a:xfrm>
+          <a:off x="0" y="0"/>
+          <a:ext cx="0" cy="0"/>
+          <a:chOff x="0" y="0"/>
+          <a:chExt cx="0" cy="0"/>
+        </a:xfrm>
+      </p:grpSpPr>
+      <p:sp>
+        <p:nvSpPr>
+          <p:cNvPr id="2" name="Образ слайда 1"/>
+          <p:cNvSpPr>
+            <a:spLocks noGrp="1" noRot="1" noChangeAspect="1"/>
+          </p:cNvSpPr>
+          <p:nvPr>
+            <p:ph type="sldImg"/>
+          </p:nvPr>
+        </p:nvSpPr>
+        <p:spPr>
+          <a:xfrm>
+            <a:off x="381000" y="685800"/>
+            <a:ext cx="6096000" cy="3429000"/>
+          </a:xfrm>
+        </p:spPr>
+      </p:sp>
+      <p:sp>
+        <p:nvSpPr>
+          <p:cNvPr id="3" name="Заметки 2"/>
+          <p:cNvSpPr>
+            <a:spLocks noGrp="1"/>
+          </p:cNvSpPr>
+          <p:nvPr>
+            <p:ph type="body" idx="1"/>
+          </p:nvPr>
+        </p:nvSpPr>
+        <p:spPr/>
+        <p:txBody>
+          <a:bodyPr/>
+          <a:lstStyle/>
+          <a:p>
+            <a:r>
+              <a:rPr lang="ru-RU" dirty="0"/>
+              <a:t>Эта задача более</a:t>
+            </a:r>
+            <a:r>
+              <a:rPr lang="ru-RU" baseline="0" dirty="0"/>
+              <a:t> приближена к реальности – надо просто добавить </a:t>
+            </a:r>
+            <a:r>
+              <a:rPr lang="ru-RU" baseline="0" dirty="0" err="1"/>
+              <a:t>фичу</a:t>
+            </a:r>
+            <a:r>
+              <a:rPr lang="ru-RU" baseline="0" dirty="0"/>
+              <a:t>.</a:t>
+            </a:r>
+          </a:p>
+          <a:p>
+            <a:r>
+              <a:rPr lang="ru-RU" baseline="0" dirty="0"/>
+              <a:t>При этом важно не только делать новые </a:t>
+            </a:r>
+            <a:r>
+              <a:rPr lang="ru-RU" baseline="0" dirty="0" err="1"/>
+              <a:t>фичи</a:t>
+            </a:r>
+            <a:r>
+              <a:rPr lang="ru-RU" baseline="0" dirty="0"/>
+              <a:t>, но еще и код рядом улучшать.</a:t>
+            </a:r>
+          </a:p>
+          <a:p>
+            <a:r>
+              <a:rPr lang="ru-RU" baseline="0" dirty="0"/>
+              <a:t>Если на код не было тестов, то его сложно тестировать.</a:t>
+            </a:r>
+          </a:p>
+          <a:p>
+            <a:r>
+              <a:rPr lang="ru-RU" baseline="0" dirty="0"/>
+              <a:t>Приходится сначала делать некоторый </a:t>
+            </a:r>
+            <a:r>
+              <a:rPr lang="ru-RU" baseline="0" dirty="0" err="1"/>
+              <a:t>рефакторинг</a:t>
+            </a:r>
+            <a:r>
+              <a:rPr lang="ru-RU" baseline="0" dirty="0"/>
+              <a:t>. Да, не по книжке, но прагматично.</a:t>
+            </a:r>
+          </a:p>
+          <a:p>
+            <a:r>
+              <a:rPr lang="ru-RU" baseline="0" dirty="0" err="1"/>
+              <a:t>Рефакторинг</a:t>
+            </a:r>
+            <a:r>
+              <a:rPr lang="ru-RU" baseline="0" dirty="0"/>
+              <a:t> не всегда безопасен – надо быть очень внимательным!</a:t>
+            </a:r>
+          </a:p>
+          <a:p>
+            <a:endParaRPr lang="ru-RU" baseline="0" dirty="0"/>
+          </a:p>
+        </p:txBody>
+      </p:sp>
+      <p:sp>
+        <p:nvSpPr>
+          <p:cNvPr id="4" name="Номер слайда 3"/>
+          <p:cNvSpPr>
+            <a:spLocks noGrp="1"/>
+          </p:cNvSpPr>
+          <p:nvPr>
+            <p:ph type="sldNum" sz="quarter" idx="10"/>
+          </p:nvPr>
+        </p:nvSpPr>
+        <p:spPr/>
+        <p:txBody>
+          <a:bodyPr/>
+          <a:lstStyle/>
+          <a:p>
+            <a:fld id="{3BAECB10-9972-4830-A584-02C41DAFD45B}" type="slidenum">
+              <a:rPr lang="ru-RU" smtClean="0"/>
+              <a:t>17</a:t>
             </a:fld>
             <a:endParaRPr lang="ru-RU" dirty="0"/>
           </a:p>
@@ -11858,59 +12141,41 @@
         </p:nvSpPr>
         <p:spPr/>
         <p:txBody>
-          <a:bodyPr>
-            <a:normAutofit/>
-          </a:bodyPr>
+          <a:bodyPr/>
           <a:lstStyle/>
           <a:p>
-            <a:pPr marL="0" indent="0">
-              <a:buNone/>
-            </a:pPr>
             <a:r>
               <a:rPr lang="ru-RU" dirty="0"/>
-              <a:t>Стоит заранее определиться, как вы относитесь к проблемному куску кода</a:t>
-            </a:r>
-          </a:p>
-          <a:p>
-            <a:pPr marL="514350" indent="-514350">
-              <a:buAutoNum type="arabicPeriod"/>
-            </a:pPr>
+              <a:t>Подменить </a:t>
+            </a:r>
+            <a:r>
+              <a:rPr lang="en-US" dirty="0" err="1"/>
+              <a:t>Console.Out</a:t>
+            </a:r>
             <a:r>
               <a:rPr lang="ru-RU" dirty="0"/>
-              <a:t>Ничего не трогаете, покрываете тестами и улучшаете там, где приходится что-то менять</a:t>
-            </a:r>
-          </a:p>
-          <a:p>
-            <a:pPr marL="514350" indent="-514350">
-              <a:buAutoNum type="arabicPeriod"/>
-            </a:pPr>
+              <a:t> и запомнить вывод</a:t>
+            </a:r>
+          </a:p>
+          <a:p>
             <a:r>
               <a:rPr lang="ru-RU" dirty="0"/>
-              <a:t>Изолируете подсистему, покрываете тестами, потом выкидываете старое, заменяя на новое.</a:t>
-            </a:r>
-          </a:p>
-          <a:p>
-            <a:pPr marL="514350" indent="-514350">
-              <a:buAutoNum type="arabicPeriod"/>
-            </a:pPr>
+              <a:t>Добавить </a:t>
+            </a:r>
+            <a:r>
+              <a:rPr lang="ru-RU" dirty="0" err="1"/>
+              <a:t>логгирования</a:t>
+            </a:r>
             <a:r>
               <a:rPr lang="ru-RU" dirty="0"/>
-              <a:t>Стремительный </a:t>
-            </a:r>
-            <a:r>
-              <a:rPr lang="ru-RU" dirty="0" err="1"/>
-              <a:t>рефакторинг</a:t>
-            </a:r>
+              <a:t> и запомнить лог</a:t>
+            </a:r>
+          </a:p>
+          <a:p>
             <a:r>
               <a:rPr lang="ru-RU" dirty="0"/>
-              <a:t> выходного дня (если код не безнадежен)</a:t>
-            </a:r>
-          </a:p>
-          <a:p>
-            <a:pPr marL="0" indent="0">
-              <a:buNone/>
-            </a:pPr>
-            <a:endParaRPr lang="ru-RU" dirty="0"/>
+              <a:t>...</a:t>
+            </a:r>
           </a:p>
         </p:txBody>
       </p:sp>
@@ -11931,6 +12196,126 @@
           <a:p>
             <a:r>
               <a:rPr lang="ru-RU" dirty="0"/>
+              <a:t>Прочие грязные штучки</a:t>
+            </a:r>
+          </a:p>
+        </p:txBody>
+      </p:sp>
+    </p:spTree>
+    <p:extLst>
+      <p:ext uri="{BB962C8B-B14F-4D97-AF65-F5344CB8AC3E}">
+        <p14:creationId xmlns:p14="http://schemas.microsoft.com/office/powerpoint/2010/main" val="2206628129"/>
+      </p:ext>
+    </p:extLst>
+  </p:cSld>
+  <p:clrMapOvr>
+    <a:masterClrMapping/>
+  </p:clrMapOvr>
+</p:sld>
+</file>
+
+<file path=ppt/slides/slide11.xml><?xml version="1.0" encoding="utf-8"?>
+<p:sld xmlns:a="http://schemas.openxmlformats.org/drawingml/2006/main" xmlns:r="http://schemas.openxmlformats.org/officeDocument/2006/relationships" xmlns:p="http://schemas.openxmlformats.org/presentationml/2006/main">
+  <p:cSld>
+    <p:spTree>
+      <p:nvGrpSpPr>
+        <p:cNvPr id="1" name=""/>
+        <p:cNvGrpSpPr/>
+        <p:nvPr/>
+      </p:nvGrpSpPr>
+      <p:grpSpPr>
+        <a:xfrm>
+          <a:off x="0" y="0"/>
+          <a:ext cx="0" cy="0"/>
+          <a:chOff x="0" y="0"/>
+          <a:chExt cx="0" cy="0"/>
+        </a:xfrm>
+      </p:grpSpPr>
+      <p:sp>
+        <p:nvSpPr>
+          <p:cNvPr id="3" name="Объект 2"/>
+          <p:cNvSpPr>
+            <a:spLocks noGrp="1"/>
+          </p:cNvSpPr>
+          <p:nvPr>
+            <p:ph sz="quarter" idx="13"/>
+          </p:nvPr>
+        </p:nvSpPr>
+        <p:spPr/>
+        <p:txBody>
+          <a:bodyPr>
+            <a:normAutofit/>
+          </a:bodyPr>
+          <a:lstStyle/>
+          <a:p>
+            <a:pPr marL="0" indent="0">
+              <a:buNone/>
+            </a:pPr>
+            <a:r>
+              <a:rPr lang="ru-RU" dirty="0"/>
+              <a:t>Стоит заранее определиться, как вы относитесь к проблемному куску кода</a:t>
+            </a:r>
+          </a:p>
+          <a:p>
+            <a:pPr marL="514350" indent="-514350">
+              <a:buAutoNum type="arabicPeriod"/>
+            </a:pPr>
+            <a:r>
+              <a:rPr lang="ru-RU" dirty="0"/>
+              <a:t>Ничего не трогаете, покрываете тестами и улучшаете там, где приходится что-то менять</a:t>
+            </a:r>
+          </a:p>
+          <a:p>
+            <a:pPr marL="514350" indent="-514350">
+              <a:buAutoNum type="arabicPeriod"/>
+            </a:pPr>
+            <a:r>
+              <a:rPr lang="ru-RU" dirty="0"/>
+              <a:t>Изолируете подсистему, покрываете тестами, потом выкидываете старое, заменяя на новое.</a:t>
+            </a:r>
+          </a:p>
+          <a:p>
+            <a:pPr marL="514350" indent="-514350">
+              <a:buAutoNum type="arabicPeriod"/>
+            </a:pPr>
+            <a:r>
+              <a:rPr lang="ru-RU" dirty="0"/>
+              <a:t>Стремительный </a:t>
+            </a:r>
+            <a:r>
+              <a:rPr lang="ru-RU" dirty="0" err="1"/>
+              <a:t>рефакторинг</a:t>
+            </a:r>
+            <a:r>
+              <a:rPr lang="ru-RU" dirty="0"/>
+              <a:t> выходного дня (если код не безнадежен)</a:t>
+            </a:r>
+          </a:p>
+          <a:p>
+            <a:pPr marL="0" indent="0">
+              <a:buNone/>
+            </a:pPr>
+            <a:endParaRPr lang="ru-RU" dirty="0"/>
+          </a:p>
+        </p:txBody>
+      </p:sp>
+      <p:sp>
+        <p:nvSpPr>
+          <p:cNvPr id="2" name="Заголовок 1"/>
+          <p:cNvSpPr>
+            <a:spLocks noGrp="1"/>
+          </p:cNvSpPr>
+          <p:nvPr>
+            <p:ph type="title"/>
+          </p:nvPr>
+        </p:nvSpPr>
+        <p:spPr/>
+        <p:txBody>
+          <a:bodyPr/>
+          <a:lstStyle/>
+          <a:p>
+            <a:r>
+              <a:rPr lang="ru-RU" dirty="0"/>
               <a:t>Глобальная стратегия</a:t>
             </a:r>
           </a:p>
@@ -11946,17 +12331,10 @@
   <p:clrMapOvr>
     <a:masterClrMapping/>
   </p:clrMapOvr>
-  <p:timing>
-    <p:tnLst>
-      <p:par>
-        <p:cTn id="1" dur="indefinite" restart="never" nodeType="tmRoot"/>
-      </p:par>
-    </p:tnLst>
-  </p:timing>
 </p:sld>
 </file>
 
-<file path=ppt/slides/slide11.xml><?xml version="1.0" encoding="utf-8"?>
+<file path=ppt/slides/slide12.xml><?xml version="1.0" encoding="utf-8"?>
 <p:sld xmlns:a="http://schemas.openxmlformats.org/drawingml/2006/main" xmlns:r="http://schemas.openxmlformats.org/officeDocument/2006/relationships" xmlns:p="http://schemas.openxmlformats.org/presentationml/2006/main">
   <p:cSld>
     <p:spTree>
@@ -12009,172 +12387,6 @@
   <p:clrMapOvr>
     <a:masterClrMapping/>
   </p:clrMapOvr>
-  <p:timing>
-    <p:tnLst>
-      <p:par>
-        <p:cTn id="1" dur="indefinite" restart="never" nodeType="tmRoot"/>
-      </p:par>
-    </p:tnLst>
-  </p:timing>
-</p:sld>
-</file>
-
-<file path=ppt/slides/slide12.xml><?xml version="1.0" encoding="utf-8"?>
-<p:sld xmlns:a="http://schemas.openxmlformats.org/drawingml/2006/main" xmlns:r="http://schemas.openxmlformats.org/officeDocument/2006/relationships" xmlns:p="http://schemas.openxmlformats.org/presentationml/2006/main">
-  <p:cSld>
-    <p:spTree>
-      <p:nvGrpSpPr>
-        <p:cNvPr id="1" name=""/>
-        <p:cNvGrpSpPr/>
-        <p:nvPr/>
-      </p:nvGrpSpPr>
-      <p:grpSpPr>
-        <a:xfrm>
-          <a:off x="0" y="0"/>
-          <a:ext cx="0" cy="0"/>
-          <a:chOff x="0" y="0"/>
-          <a:chExt cx="0" cy="0"/>
-        </a:xfrm>
-      </p:grpSpPr>
-      <p:sp>
-        <p:nvSpPr>
-          <p:cNvPr id="3" name="Объект 2"/>
-          <p:cNvSpPr>
-            <a:spLocks noGrp="1"/>
-          </p:cNvSpPr>
-          <p:nvPr>
-            <p:ph sz="quarter" idx="13"/>
-          </p:nvPr>
-        </p:nvSpPr>
-        <p:spPr/>
-        <p:txBody>
-          <a:bodyPr/>
-          <a:lstStyle/>
-          <a:p>
-            <a:pPr marL="457200" indent="-457200">
-              <a:buFont typeface="Arial" panose="020B0604020202020204" pitchFamily="34" charset="0"/>
-              <a:buChar char="•"/>
-            </a:pPr>
-            <a:r>
-              <a:rPr lang="ru-RU" dirty="0"/>
-              <a:t>Покройте </a:t>
-            </a:r>
-            <a:r>
-              <a:rPr lang="ru-RU" dirty="0" err="1"/>
-              <a:t>характеризационными</a:t>
-            </a:r>
-            <a:r>
-              <a:rPr lang="ru-RU" dirty="0"/>
-              <a:t> тестами</a:t>
-            </a:r>
-          </a:p>
-          <a:p>
-            <a:pPr marL="457200" indent="-457200">
-              <a:buFont typeface="Arial" panose="020B0604020202020204" pitchFamily="34" charset="0"/>
-              <a:buChar char="•"/>
-            </a:pPr>
-            <a:r>
-              <a:rPr lang="ru-RU" dirty="0"/>
-              <a:t>Проведите </a:t>
-            </a:r>
-            <a:r>
-              <a:rPr lang="ru-RU" dirty="0" err="1"/>
-              <a:t>рефакторинг</a:t>
-            </a:r>
-            <a:endParaRPr lang="ru-RU" dirty="0"/>
-          </a:p>
-          <a:p>
-            <a:pPr marL="457200" indent="-457200">
-              <a:buFont typeface="Arial" panose="020B0604020202020204" pitchFamily="34" charset="0"/>
-              <a:buChar char="•"/>
-            </a:pPr>
-            <a:r>
-              <a:rPr lang="ru-RU" dirty="0"/>
-              <a:t>Сделайте сообщение </a:t>
-            </a:r>
-            <a:r>
-              <a:rPr lang="en-US" dirty="0"/>
-              <a:t>Html</a:t>
-            </a:r>
-            <a:r>
-              <a:rPr lang="ru-RU" dirty="0"/>
-              <a:t>-документом</a:t>
-            </a:r>
-          </a:p>
-          <a:p>
-            <a:pPr marL="457200" indent="-457200">
-              <a:buFont typeface="Arial" panose="020B0604020202020204" pitchFamily="34" charset="0"/>
-              <a:buChar char="•"/>
-            </a:pPr>
-            <a:r>
-              <a:rPr lang="ru-RU" dirty="0"/>
-              <a:t>Попробуйте при этом </a:t>
-            </a:r>
-            <a:r>
-              <a:rPr lang="en-US" dirty="0"/>
-              <a:t>Approval</a:t>
-            </a:r>
-            <a:r>
-              <a:rPr lang="ru-RU" dirty="0"/>
-              <a:t>-тесты</a:t>
-            </a:r>
-          </a:p>
-        </p:txBody>
-      </p:sp>
-      <p:sp>
-        <p:nvSpPr>
-          <p:cNvPr id="2" name="Заголовок 1"/>
-          <p:cNvSpPr>
-            <a:spLocks noGrp="1"/>
-          </p:cNvSpPr>
-          <p:nvPr>
-            <p:ph type="title"/>
-          </p:nvPr>
-        </p:nvSpPr>
-        <p:spPr/>
-        <p:txBody>
-          <a:bodyPr>
-            <a:noAutofit/>
-          </a:bodyPr>
-          <a:lstStyle/>
-          <a:p>
-            <a:r>
-              <a:rPr lang="ru-RU" sz="4400" dirty="0">
-                <a:solidFill>
-                  <a:schemeClr val="tx1"/>
-                </a:solidFill>
-              </a:rPr>
-              <a:t>Задача</a:t>
-            </a:r>
-            <a:r>
-              <a:rPr lang="ru-RU" sz="4400" dirty="0"/>
-              <a:t> </a:t>
-            </a:r>
-            <a:r>
-              <a:rPr lang="en-US" sz="4400" dirty="0"/>
-              <a:t>Emails</a:t>
-            </a:r>
-            <a:endParaRPr lang="ru-RU" sz="4400" dirty="0"/>
-          </a:p>
-        </p:txBody>
-      </p:sp>
-    </p:spTree>
-    <p:extLst>
-      <p:ext uri="{BB962C8B-B14F-4D97-AF65-F5344CB8AC3E}">
-        <p14:creationId xmlns:p14="http://schemas.microsoft.com/office/powerpoint/2010/main" val="2650650379"/>
-      </p:ext>
-    </p:extLst>
-  </p:cSld>
-  <p:clrMapOvr>
-    <a:masterClrMapping/>
-  </p:clrMapOvr>
-  <p:timing>
-    <p:tnLst>
-      <p:par>
-        <p:cTn id="1" dur="indefinite" restart="never" nodeType="tmRoot"/>
-      </p:par>
-    </p:tnLst>
-  </p:timing>
 </p:sld>
 </file>
 
@@ -12207,10 +12419,166 @@
         </p:nvSpPr>
         <p:spPr/>
         <p:txBody>
-          <a:bodyPr/>
+          <a:bodyPr>
+            <a:noAutofit/>
+          </a:bodyPr>
           <a:lstStyle/>
           <a:p>
-            <a:endParaRPr lang="ru-RU" dirty="0"/>
+            <a:pPr marL="457200" indent="-457200">
+              <a:buFont typeface="+mj-lt"/>
+              <a:buAutoNum type="arabicPeriod"/>
+            </a:pPr>
+            <a:r>
+              <a:rPr lang="ru-RU" sz="2400" dirty="0"/>
+              <a:t>Покрой</a:t>
+            </a:r>
+            <a:r>
+              <a:rPr lang="en-US" sz="2400" dirty="0"/>
+              <a:t> </a:t>
+            </a:r>
+            <a:r>
+              <a:rPr lang="en-US" sz="2400" dirty="0" err="1"/>
+              <a:t>NewRateEmailMessager</a:t>
+            </a:r>
+            <a:r>
+              <a:rPr lang="en-US" sz="2400" dirty="0"/>
+              <a:t> </a:t>
+            </a:r>
+            <a:r>
+              <a:rPr lang="ru-RU" sz="2400" dirty="0" err="1"/>
+              <a:t>характеризационными</a:t>
+            </a:r>
+            <a:r>
+              <a:rPr lang="ru-RU" sz="2400" dirty="0"/>
+              <a:t> тестами</a:t>
+            </a:r>
+            <a:endParaRPr lang="en-US" sz="2400" dirty="0"/>
+          </a:p>
+          <a:p>
+            <a:pPr marL="1200095" lvl="1" indent="-457200"/>
+            <a:r>
+              <a:rPr lang="ru-RU" sz="2400" dirty="0"/>
+              <a:t>Используй </a:t>
+            </a:r>
+            <a:r>
+              <a:rPr lang="en-US" sz="2400" dirty="0"/>
+              <a:t>Approval</a:t>
+            </a:r>
+            <a:r>
+              <a:rPr lang="ru-RU" sz="2400" dirty="0"/>
+              <a:t>-тесты</a:t>
+            </a:r>
+            <a:endParaRPr lang="ru-RU" sz="2000" dirty="0"/>
+          </a:p>
+          <a:p>
+            <a:pPr marL="457200" indent="-457200">
+              <a:buFont typeface="+mj-lt"/>
+              <a:buAutoNum type="arabicPeriod"/>
+            </a:pPr>
+            <a:r>
+              <a:rPr lang="ru-RU" sz="2400" dirty="0"/>
+              <a:t>Проведи рефакторинг</a:t>
+            </a:r>
+          </a:p>
+          <a:p>
+            <a:pPr marL="457200" indent="-457200">
+              <a:buFont typeface="+mj-lt"/>
+              <a:buAutoNum type="arabicPeriod"/>
+            </a:pPr>
+            <a:r>
+              <a:rPr lang="ru-RU" sz="2400" dirty="0"/>
+              <a:t>Сделай сообщение </a:t>
+            </a:r>
+            <a:r>
+              <a:rPr lang="en-US" sz="2400" dirty="0"/>
+              <a:t>Html</a:t>
+            </a:r>
+            <a:r>
+              <a:rPr lang="ru-RU" sz="2400" dirty="0"/>
+              <a:t>-документом</a:t>
+            </a:r>
+          </a:p>
+          <a:p>
+            <a:endParaRPr lang="en-US" sz="2400" dirty="0"/>
+          </a:p>
+          <a:p>
+            <a:endParaRPr lang="en-US" sz="2400" dirty="0"/>
+          </a:p>
+          <a:p>
+            <a:r>
+              <a:rPr lang="ru-RU" sz="2400" dirty="0"/>
+              <a:t>Подсказки:</a:t>
+            </a:r>
+          </a:p>
+          <a:p>
+            <a:pPr marL="342900" indent="-342900">
+              <a:buFont typeface="Arial" panose="020B0604020202020204" pitchFamily="34" charset="0"/>
+              <a:buChar char="•"/>
+            </a:pPr>
+            <a:r>
+              <a:rPr lang="ru-RU" sz="2400" dirty="0"/>
+              <a:t>Для </a:t>
+            </a:r>
+            <a:r>
+              <a:rPr lang="en-US" sz="2400" dirty="0" err="1"/>
+              <a:t>StringBuilder</a:t>
+            </a:r>
+            <a:r>
+              <a:rPr lang="en-US" sz="2400" dirty="0"/>
+              <a:t> </a:t>
+            </a:r>
+            <a:r>
+              <a:rPr lang="ru-RU" sz="2400" dirty="0"/>
+              <a:t>нужно реализовать </a:t>
+            </a:r>
+            <a:r>
+              <a:rPr lang="en-US" sz="2400" dirty="0" err="1"/>
+              <a:t>IValueConverter</a:t>
+            </a:r>
+            <a:endParaRPr lang="ru-RU" sz="2400" dirty="0"/>
+          </a:p>
+          <a:p>
+            <a:pPr marL="342900" indent="-342900">
+              <a:buFont typeface="Arial" panose="020B0604020202020204" pitchFamily="34" charset="0"/>
+              <a:buChar char="•"/>
+            </a:pPr>
+            <a:r>
+              <a:rPr lang="ru-RU" sz="2400" dirty="0"/>
+              <a:t>Массово </a:t>
+            </a:r>
+            <a:r>
+              <a:rPr lang="ru-RU" sz="2400" dirty="0" err="1"/>
+              <a:t>заапрувить</a:t>
+            </a:r>
+            <a:r>
+              <a:rPr lang="ru-RU" sz="2400" dirty="0"/>
+              <a:t> тесты можно, используя</a:t>
+            </a:r>
+            <a:r>
+              <a:rPr lang="en-US" sz="2400" dirty="0"/>
+              <a:t> </a:t>
+            </a:r>
+            <a:r>
+              <a:rPr lang="en-US" sz="2400" dirty="0" err="1">
+                <a:hlinkClick r:id="rId2"/>
+              </a:rPr>
+              <a:t>ClipboardReporter</a:t>
+            </a:r>
+            <a:r>
+              <a:rPr lang="ru-RU" sz="2400" dirty="0"/>
+              <a:t> или написав свой</a:t>
+            </a:r>
+            <a:r>
+              <a:rPr lang="en-US" sz="2400" dirty="0"/>
+              <a:t> </a:t>
+            </a:r>
+            <a:r>
+              <a:rPr lang="en-US" sz="2400" dirty="0" err="1">
+                <a:hlinkClick r:id="rId3"/>
+              </a:rPr>
+              <a:t>AutoApprover</a:t>
+            </a:r>
+            <a:endParaRPr lang="en-US" sz="2400" dirty="0"/>
           </a:p>
         </p:txBody>
       </p:sp>
@@ -12237,11 +12605,15 @@
                   <a:schemeClr val="tx1"/>
                 </a:solidFill>
               </a:rPr>
-              <a:t>Разбор задачи</a:t>
+              <a:t>Задача</a:t>
+            </a:r>
+            <a:r>
+              <a:rPr lang="ru-RU" sz="4400" dirty="0"/>
+              <a:t> </a:t>
             </a:r>
             <a:r>
               <a:rPr lang="en-US" sz="4400" dirty="0"/>
-              <a:t> Emails</a:t>
+              <a:t>Emails</a:t>
             </a:r>
             <a:endParaRPr lang="ru-RU" sz="4400" dirty="0"/>
           </a:p>
@@ -12250,7 +12622,7 @@
     </p:spTree>
     <p:extLst>
       <p:ext uri="{BB962C8B-B14F-4D97-AF65-F5344CB8AC3E}">
-        <p14:creationId xmlns:p14="http://schemas.microsoft.com/office/powerpoint/2010/main" val="4184161961"/>
+        <p14:creationId xmlns:p14="http://schemas.microsoft.com/office/powerpoint/2010/main" val="2650650379"/>
       </p:ext>
     </p:extLst>
   </p:cSld>
@@ -12290,6 +12662,173 @@
         <p:spPr/>
         <p:txBody>
           <a:bodyPr>
+            <a:noAutofit/>
+          </a:bodyPr>
+          <a:lstStyle/>
+          <a:p>
+            <a:r>
+              <a:rPr lang="en-US" sz="3000" dirty="0"/>
+              <a:t>Approvals</a:t>
+            </a:r>
+            <a:endParaRPr lang="ru-RU" sz="3000" dirty="0"/>
+          </a:p>
+          <a:p>
+            <a:pPr marL="457200" indent="-457200">
+              <a:buFont typeface="Arial" panose="020B0604020202020204" pitchFamily="34" charset="0"/>
+              <a:buChar char="•"/>
+            </a:pPr>
+            <a:r>
+              <a:rPr lang="ru-RU" sz="3000" dirty="0"/>
+              <a:t>позволяют быстро фиксировать поведение кода</a:t>
+            </a:r>
+          </a:p>
+          <a:p>
+            <a:pPr marL="457200" indent="-457200">
+              <a:buFont typeface="Arial" panose="020B0604020202020204" pitchFamily="34" charset="0"/>
+              <a:buChar char="•"/>
+            </a:pPr>
+            <a:r>
+              <a:rPr lang="ru-RU" sz="3000" dirty="0"/>
+              <a:t>позволяют тестировать методом черного ящика</a:t>
+            </a:r>
+          </a:p>
+          <a:p>
+            <a:pPr marL="457200" indent="-457200">
+              <a:buFont typeface="Arial" panose="020B0604020202020204" pitchFamily="34" charset="0"/>
+              <a:buChar char="•"/>
+            </a:pPr>
+            <a:r>
+              <a:rPr lang="ru-RU" sz="3000" dirty="0"/>
+              <a:t>подходят, если</a:t>
+            </a:r>
+          </a:p>
+          <a:p>
+            <a:pPr marL="1200095" lvl="1" indent="-457200"/>
+            <a:r>
+              <a:rPr lang="ru-RU" sz="3000" dirty="0"/>
+              <a:t>Чистые функции</a:t>
+            </a:r>
+          </a:p>
+          <a:p>
+            <a:pPr marL="1200095" lvl="1" indent="-457200"/>
+            <a:r>
+              <a:rPr lang="ru-RU" sz="3000" dirty="0"/>
+              <a:t>Большие </a:t>
+            </a:r>
+            <a:r>
+              <a:rPr lang="en-US" sz="3000" dirty="0"/>
+              <a:t>txt </a:t>
+            </a:r>
+            <a:r>
+              <a:rPr lang="ru-RU" sz="3000" dirty="0"/>
+              <a:t>/</a:t>
+            </a:r>
+            <a:r>
+              <a:rPr lang="en-US" sz="3000" dirty="0"/>
+              <a:t> </a:t>
+            </a:r>
+            <a:r>
+              <a:rPr lang="en-US" sz="3000" dirty="0" err="1"/>
+              <a:t>json</a:t>
+            </a:r>
+            <a:r>
+              <a:rPr lang="en-US" sz="3000" dirty="0"/>
+              <a:t> / xml</a:t>
+            </a:r>
+            <a:endParaRPr lang="ru-RU" sz="3000" dirty="0"/>
+          </a:p>
+          <a:p>
+            <a:pPr marL="1200095" lvl="1" indent="-457200"/>
+            <a:r>
+              <a:rPr lang="ru-RU" sz="3000" dirty="0">
+                <a:solidFill>
+                  <a:schemeClr val="tx1">
+                    <a:lumMod val="50000"/>
+                    <a:lumOff val="50000"/>
+                  </a:schemeClr>
+                </a:solidFill>
+              </a:rPr>
+              <a:t>Интеграционные тесты</a:t>
+            </a:r>
+          </a:p>
+        </p:txBody>
+      </p:sp>
+      <p:sp>
+        <p:nvSpPr>
+          <p:cNvPr id="2" name="Заголовок 1"/>
+          <p:cNvSpPr>
+            <a:spLocks noGrp="1"/>
+          </p:cNvSpPr>
+          <p:nvPr>
+            <p:ph type="title"/>
+          </p:nvPr>
+        </p:nvSpPr>
+        <p:spPr/>
+        <p:txBody>
+          <a:bodyPr>
+            <a:noAutofit/>
+          </a:bodyPr>
+          <a:lstStyle/>
+          <a:p>
+            <a:r>
+              <a:rPr lang="ru-RU" sz="4400" dirty="0">
+                <a:solidFill>
+                  <a:schemeClr val="tx1"/>
+                </a:solidFill>
+              </a:rPr>
+              <a:t>Разбор задачи</a:t>
+            </a:r>
+            <a:r>
+              <a:rPr lang="en-US" sz="4400" dirty="0"/>
+              <a:t> Emails</a:t>
+            </a:r>
+            <a:endParaRPr lang="ru-RU" sz="4400" dirty="0"/>
+          </a:p>
+        </p:txBody>
+      </p:sp>
+    </p:spTree>
+    <p:extLst>
+      <p:ext uri="{BB962C8B-B14F-4D97-AF65-F5344CB8AC3E}">
+        <p14:creationId xmlns:p14="http://schemas.microsoft.com/office/powerpoint/2010/main" val="4184161961"/>
+      </p:ext>
+    </p:extLst>
+  </p:cSld>
+  <p:clrMapOvr>
+    <a:masterClrMapping/>
+  </p:clrMapOvr>
+</p:sld>
+</file>
+
+<file path=ppt/slides/slide15.xml><?xml version="1.0" encoding="utf-8"?>
+<p:sld xmlns:a="http://schemas.openxmlformats.org/drawingml/2006/main" xmlns:r="http://schemas.openxmlformats.org/officeDocument/2006/relationships" xmlns:p="http://schemas.openxmlformats.org/presentationml/2006/main">
+  <p:cSld>
+    <p:spTree>
+      <p:nvGrpSpPr>
+        <p:cNvPr id="1" name=""/>
+        <p:cNvGrpSpPr/>
+        <p:nvPr/>
+      </p:nvGrpSpPr>
+      <p:grpSpPr>
+        <a:xfrm>
+          <a:off x="0" y="0"/>
+          <a:ext cx="0" cy="0"/>
+          <a:chOff x="0" y="0"/>
+          <a:chExt cx="0" cy="0"/>
+        </a:xfrm>
+      </p:grpSpPr>
+      <p:sp>
+        <p:nvSpPr>
+          <p:cNvPr id="3" name="Объект 2"/>
+          <p:cNvSpPr>
+            <a:spLocks noGrp="1"/>
+          </p:cNvSpPr>
+          <p:nvPr>
+            <p:ph sz="quarter" idx="13"/>
+          </p:nvPr>
+        </p:nvSpPr>
+        <p:spPr/>
+        <p:txBody>
+          <a:bodyPr>
             <a:normAutofit/>
           </a:bodyPr>
           <a:lstStyle/>
@@ -12416,11 +12955,11 @@
               <a:buChar char="•"/>
             </a:pPr>
             <a:r>
-              <a:rPr lang="ru-RU" sz="2400" dirty="0" smtClean="0"/>
-              <a:t>Реализуйте</a:t>
-            </a:r>
-            <a:r>
-              <a:rPr lang="en-US" sz="2400" dirty="0" smtClean="0"/>
+              <a:rPr lang="ru-RU" sz="2400" dirty="0"/>
+              <a:t>Реализуй</a:t>
+            </a:r>
+            <a:r>
+              <a:rPr lang="en-US" sz="2400" dirty="0"/>
               <a:t> </a:t>
             </a:r>
             <a:r>
@@ -12436,18 +12975,14 @@
             </a:pPr>
             <a:r>
               <a:rPr lang="ru-RU" sz="2400" dirty="0"/>
-              <a:t>Напишите </a:t>
-            </a:r>
-            <a:r>
-              <a:rPr lang="ru-RU" sz="2400" dirty="0" smtClean="0"/>
-              <a:t>на него тесты (</a:t>
-            </a:r>
-            <a:r>
-              <a:rPr lang="en-US" sz="2400" dirty="0" smtClean="0"/>
+              <a:t>Напиши на него тесты (</a:t>
+            </a:r>
+            <a:r>
+              <a:rPr lang="en-US" sz="2400" dirty="0"/>
               <a:t>TDD</a:t>
             </a:r>
             <a:r>
-              <a:rPr lang="ru-RU" sz="2400" dirty="0" smtClean="0"/>
+              <a:rPr lang="ru-RU" sz="2400" dirty="0"/>
               <a:t>?)</a:t>
             </a:r>
           </a:p>
@@ -12457,11 +12992,11 @@
               <a:buChar char="•"/>
             </a:pPr>
             <a:r>
-              <a:rPr lang="ru-RU" sz="2400" dirty="0" smtClean="0"/>
-              <a:t>Переведите на него </a:t>
-            </a:r>
-            <a:r>
-              <a:rPr lang="en-US" sz="2400" dirty="0" err="1" smtClean="0"/>
+              <a:rPr lang="ru-RU" sz="2400" dirty="0"/>
+              <a:t>Переведи на него </a:t>
+            </a:r>
+            <a:r>
+              <a:rPr lang="en-US" sz="2400" dirty="0" err="1"/>
               <a:t>ProviderProcessor</a:t>
             </a:r>
             <a:endParaRPr lang="ru-RU" sz="2400" dirty="0"/>
@@ -12662,7 +13197,7 @@
 </p:sld>
 </file>
 
-<file path=ppt/slides/slide15.xml><?xml version="1.0" encoding="utf-8"?>
+<file path=ppt/slides/slide16.xml><?xml version="1.0" encoding="utf-8"?>
 <p:sld xmlns:a="http://schemas.openxmlformats.org/drawingml/2006/main" xmlns:r="http://schemas.openxmlformats.org/officeDocument/2006/relationships" xmlns:p="http://schemas.openxmlformats.org/presentationml/2006/main">
   <p:cSld>
     <p:spTree>
@@ -12701,7 +13236,7 @@
             </a:pPr>
             <a:r>
               <a:rPr lang="ru-RU" dirty="0"/>
-              <a:t>Откройте папку </a:t>
+              <a:t>Открой папку </a:t>
             </a:r>
             <a:r>
               <a:rPr lang="en-US" dirty="0" err="1"/>
@@ -12716,7 +13251,7 @@
             </a:br>
             <a:r>
               <a:rPr lang="ru-RU" dirty="0"/>
-              <a:t>допишите и почините тест!</a:t>
+              <a:t>допиши и почини тест!</a:t>
             </a:r>
             <a:endParaRPr lang="en-US" dirty="0">
               <a:solidFill>
@@ -12776,17 +13311,10 @@
   <p:clrMapOvr>
     <a:masterClrMapping/>
   </p:clrMapOvr>
-  <p:timing>
-    <p:tnLst>
-      <p:par>
-        <p:cTn id="1" dur="indefinite" restart="never" nodeType="tmRoot"/>
-      </p:par>
-    </p:tnLst>
-  </p:timing>
 </p:sld>
 </file>
 
-<file path=ppt/slides/slide16.xml><?xml version="1.0" encoding="utf-8"?>
+<file path=ppt/slides/slide17.xml><?xml version="1.0" encoding="utf-8"?>
 <p:sld xmlns:a="http://schemas.openxmlformats.org/drawingml/2006/main" xmlns:r="http://schemas.openxmlformats.org/officeDocument/2006/relationships" xmlns:p="http://schemas.openxmlformats.org/presentationml/2006/main">
   <p:cSld>
     <p:spTree>
@@ -12872,13 +13400,6 @@
   <p:clrMapOvr>
     <a:masterClrMapping/>
   </p:clrMapOvr>
-  <p:timing>
-    <p:tnLst>
-      <p:par>
-        <p:cTn id="1" dur="indefinite" restart="never" nodeType="tmRoot"/>
-      </p:par>
-    </p:tnLst>
-  </p:timing>
 </p:sld>
 </file>
 
@@ -13046,13 +13567,6 @@
   <p:clrMapOvr>
     <a:masterClrMapping/>
   </p:clrMapOvr>
-  <p:timing>
-    <p:tnLst>
-      <p:par>
-        <p:cTn id="1" dur="indefinite" restart="never" nodeType="tmRoot"/>
-      </p:par>
-    </p:tnLst>
-  </p:timing>
 </p:sld>
 </file>
 
@@ -13126,7 +13640,15 @@
             </a:pPr>
             <a:r>
               <a:rPr lang="ru-RU" sz="2800" dirty="0"/>
-              <a:t>Написать тесты</a:t>
+              <a:t>Написать </a:t>
+            </a:r>
+            <a:r>
+              <a:rPr lang="ru-RU" sz="2800" dirty="0" err="1"/>
+              <a:t>характеризационные</a:t>
+            </a:r>
+            <a:r>
+              <a:rPr lang="ru-RU" sz="2800" dirty="0"/>
+              <a:t> тесты</a:t>
             </a:r>
           </a:p>
           <a:p>
@@ -13135,10 +13657,24 @@
               <a:buAutoNum type="arabicPeriod"/>
             </a:pPr>
             <a:r>
-              <a:rPr lang="ru-RU" sz="2800" dirty="0" err="1" smtClean="0"/>
-              <a:t>Рефакторить</a:t>
-            </a:r>
-            <a:endParaRPr lang="ru-RU" sz="2800" dirty="0"/>
+              <a:rPr lang="ru-RU" sz="2800" dirty="0" err="1"/>
+              <a:t>Отрефакторить</a:t>
+            </a:r>
+            <a:r>
+              <a:rPr lang="ru-RU" sz="2800" dirty="0"/>
+              <a:t> и написать обычные тесты</a:t>
+            </a:r>
+            <a:endParaRPr lang="en-US" sz="2800" dirty="0"/>
+          </a:p>
+          <a:p>
+            <a:pPr marL="514350" indent="-514350">
+              <a:buFont typeface="+mj-lt"/>
+              <a:buAutoNum type="arabicPeriod"/>
+            </a:pPr>
+            <a:r>
+              <a:rPr lang="ru-RU" sz="2800" dirty="0"/>
+              <a:t>Добавить новый функционал</a:t>
+            </a:r>
           </a:p>
         </p:txBody>
       </p:sp>
@@ -13432,6 +13968,55 @@
                       </p:childTnLst>
                     </p:cTn>
                   </p:par>
+                  <p:par>
+                    <p:cTn id="23" fill="hold">
+                      <p:stCondLst>
+                        <p:cond delay="indefinite"/>
+                      </p:stCondLst>
+                      <p:childTnLst>
+                        <p:par>
+                          <p:cTn id="24" fill="hold">
+                            <p:stCondLst>
+                              <p:cond delay="0"/>
+                            </p:stCondLst>
+                            <p:childTnLst>
+                              <p:par>
+                                <p:cTn id="25" presetID="1" presetClass="entr" presetSubtype="0" fill="hold" grpId="0" nodeType="clickEffect">
+                                  <p:stCondLst>
+                                    <p:cond delay="0"/>
+                                  </p:stCondLst>
+                                  <p:childTnLst>
+                                    <p:set>
+                                      <p:cBhvr>
+                                        <p:cTn id="26" dur="1" fill="hold">
+                                          <p:stCondLst>
+                                            <p:cond delay="0"/>
+                                          </p:stCondLst>
+                                        </p:cTn>
+                                        <p:tgtEl>
+                                          <p:spTgt spid="3">
+                                            <p:txEl>
+                                              <p:pRg st="5" end="5"/>
+                                            </p:txEl>
+                                          </p:spTgt>
+                                        </p:tgtEl>
+                                        <p:attrNameLst>
+                                          <p:attrName>style.visibility</p:attrName>
+                                        </p:attrNameLst>
+                                      </p:cBhvr>
+                                      <p:to>
+                                        <p:strVal val="visible"/>
+                                      </p:to>
+                                    </p:set>
+                                  </p:childTnLst>
+                                </p:cTn>
+                              </p:par>
+                            </p:childTnLst>
+                          </p:cTn>
+                        </p:par>
+                      </p:childTnLst>
+                    </p:cTn>
+                  </p:par>
                 </p:childTnLst>
               </p:cTn>
               <p:prevCondLst>
@@ -13494,58 +14079,75 @@
           </a:bodyPr>
           <a:lstStyle/>
           <a:p>
-            <a:pPr marL="0" indent="0">
-              <a:buNone/>
-            </a:pPr>
-            <a:r>
-              <a:rPr lang="ru-RU" sz="2800" dirty="0"/>
-              <a:t>Тест, </a:t>
-            </a:r>
-            <a:r>
-              <a:rPr lang="ru-RU" sz="2800" dirty="0" smtClean="0"/>
-              <a:t>возможно</a:t>
-            </a:r>
-            <a:r>
-              <a:rPr lang="ru-RU" sz="2800" dirty="0"/>
-              <a:t>,</a:t>
-            </a:r>
-            <a:r>
-              <a:rPr lang="ru-RU" sz="2800" dirty="0" smtClean="0"/>
-              <a:t> </a:t>
-            </a:r>
-            <a:r>
-              <a:rPr lang="ru-RU" sz="2800" dirty="0"/>
-              <a:t>с плохим дизайном, </a:t>
-            </a:r>
-            <a:br>
-              <a:rPr lang="ru-RU" sz="2800" dirty="0"/>
-            </a:br>
-            <a:r>
-              <a:rPr lang="ru-RU" sz="2800" dirty="0"/>
-              <a:t>но достаточно полно фиксирующий текущее поведение подсистемы</a:t>
-            </a:r>
-          </a:p>
-          <a:p>
             <a:pPr marL="514350" indent="-514350">
+              <a:buFont typeface="+mj-lt"/>
               <a:buAutoNum type="arabicPeriod"/>
             </a:pPr>
             <a:r>
               <a:rPr lang="ru-RU" sz="2800" dirty="0"/>
-              <a:t>Делаем разные вызовы, записываем результат вызова в </a:t>
-            </a:r>
-            <a:r>
-              <a:rPr lang="en-US" sz="2800" dirty="0"/>
-              <a:t>Assert</a:t>
-            </a:r>
-            <a:endParaRPr lang="ru-RU" sz="2800" dirty="0"/>
+              <a:t>Найти место, в котором нужно что-то изменить</a:t>
+            </a:r>
           </a:p>
           <a:p>
             <a:pPr marL="514350" indent="-514350">
+              <a:buFont typeface="+mj-lt"/>
               <a:buAutoNum type="arabicPeriod"/>
             </a:pPr>
             <a:r>
               <a:rPr lang="ru-RU" sz="2800" dirty="0"/>
-              <a:t>Генерируем входные данные случайно, запоминаем результат</a:t>
+              <a:t>Понять какие тесты для этого нужно написать</a:t>
+            </a:r>
+          </a:p>
+          <a:p>
+            <a:pPr marL="514350" indent="-514350">
+              <a:buFont typeface="+mj-lt"/>
+              <a:buAutoNum type="arabicPeriod"/>
+            </a:pPr>
+            <a:r>
+              <a:rPr lang="ru-RU" sz="2800" b="1" dirty="0"/>
+              <a:t>Изолировать или избавиться от мешающих зависимостей</a:t>
+            </a:r>
+          </a:p>
+          <a:p>
+            <a:pPr marL="514350" indent="-514350">
+              <a:buFont typeface="+mj-lt"/>
+              <a:buAutoNum type="arabicPeriod"/>
+            </a:pPr>
+            <a:r>
+              <a:rPr lang="ru-RU" sz="2800" b="1" dirty="0"/>
+              <a:t>Написать </a:t>
+            </a:r>
+            <a:r>
+              <a:rPr lang="ru-RU" sz="2800" b="1" dirty="0" err="1"/>
+              <a:t>характеризационные</a:t>
+            </a:r>
+            <a:r>
+              <a:rPr lang="ru-RU" sz="2800" b="1" dirty="0"/>
+              <a:t> тесты</a:t>
+            </a:r>
+          </a:p>
+          <a:p>
+            <a:pPr marL="514350" indent="-514350">
+              <a:buFont typeface="+mj-lt"/>
+              <a:buAutoNum type="arabicPeriod"/>
+            </a:pPr>
+            <a:r>
+              <a:rPr lang="ru-RU" sz="2800" dirty="0" err="1"/>
+              <a:t>Отрефакторить</a:t>
+            </a:r>
+            <a:r>
+              <a:rPr lang="ru-RU" sz="2800" dirty="0"/>
+              <a:t> и написать обычные тесты</a:t>
+            </a:r>
+          </a:p>
+          <a:p>
+            <a:pPr marL="514350" indent="-514350">
+              <a:buFont typeface="+mj-lt"/>
+              <a:buAutoNum type="arabicPeriod"/>
+            </a:pPr>
+            <a:r>
+              <a:rPr lang="ru-RU" sz="2800" dirty="0"/>
+              <a:t>Добавить новый функционал</a:t>
             </a:r>
           </a:p>
         </p:txBody>
@@ -13567,6 +14169,291 @@
           <a:p>
             <a:r>
               <a:rPr lang="ru-RU" dirty="0"/>
+              <a:t>Алгоритм работы с </a:t>
+            </a:r>
+            <a:r>
+              <a:rPr lang="ru-RU" dirty="0" err="1"/>
+              <a:t>легаси</a:t>
+            </a:r>
+            <a:endParaRPr lang="ru-RU" dirty="0"/>
+          </a:p>
+        </p:txBody>
+      </p:sp>
+    </p:spTree>
+    <p:extLst>
+      <p:ext uri="{BB962C8B-B14F-4D97-AF65-F5344CB8AC3E}">
+        <p14:creationId xmlns:p14="http://schemas.microsoft.com/office/powerpoint/2010/main" val="1697296288"/>
+      </p:ext>
+    </p:extLst>
+  </p:cSld>
+  <p:clrMapOvr>
+    <a:masterClrMapping/>
+  </p:clrMapOvr>
+</p:sld>
+</file>
+
+<file path=ppt/slides/slide5.xml><?xml version="1.0" encoding="utf-8"?>
+<p:sld xmlns:a="http://schemas.openxmlformats.org/drawingml/2006/main" xmlns:r="http://schemas.openxmlformats.org/officeDocument/2006/relationships" xmlns:p="http://schemas.openxmlformats.org/presentationml/2006/main">
+  <p:cSld>
+    <p:spTree>
+      <p:nvGrpSpPr>
+        <p:cNvPr id="1" name=""/>
+        <p:cNvGrpSpPr/>
+        <p:nvPr/>
+      </p:nvGrpSpPr>
+      <p:grpSpPr>
+        <a:xfrm>
+          <a:off x="0" y="0"/>
+          <a:ext cx="0" cy="0"/>
+          <a:chOff x="0" y="0"/>
+          <a:chExt cx="0" cy="0"/>
+        </a:xfrm>
+      </p:grpSpPr>
+      <p:sp>
+        <p:nvSpPr>
+          <p:cNvPr id="3" name="Объект 2"/>
+          <p:cNvSpPr>
+            <a:spLocks noGrp="1"/>
+          </p:cNvSpPr>
+          <p:nvPr>
+            <p:ph sz="quarter" idx="13"/>
+          </p:nvPr>
+        </p:nvSpPr>
+        <p:spPr/>
+        <p:txBody>
+          <a:bodyPr>
+            <a:normAutofit/>
+          </a:bodyPr>
+          <a:lstStyle/>
+          <a:p>
+            <a:pPr marL="514350" indent="-514350">
+              <a:buAutoNum type="arabicPeriod"/>
+            </a:pPr>
+            <a:r>
+              <a:rPr lang="en-US" sz="4400" dirty="0"/>
+              <a:t>Extract Method (FP)</a:t>
+            </a:r>
+            <a:endParaRPr lang="ru-RU" sz="4400" dirty="0"/>
+          </a:p>
+          <a:p>
+            <a:pPr marL="514350" indent="-514350">
+              <a:buAutoNum type="arabicPeriod"/>
+            </a:pPr>
+            <a:r>
+              <a:rPr lang="en-US" sz="3600" dirty="0"/>
+              <a:t>Extract Interface (DIP)</a:t>
+            </a:r>
+          </a:p>
+          <a:p>
+            <a:pPr marL="514350" indent="-514350">
+              <a:buAutoNum type="arabicPeriod"/>
+            </a:pPr>
+            <a:r>
+              <a:rPr lang="ru-RU" dirty="0"/>
+              <a:t>Изолировать неудобную зависимость </a:t>
+            </a:r>
+            <a:br>
+              <a:rPr lang="ru-RU" dirty="0"/>
+            </a:br>
+            <a:r>
+              <a:rPr lang="ru-RU" dirty="0"/>
+              <a:t>в виртуальный метод и переопределить </a:t>
+            </a:r>
+            <a:br>
+              <a:rPr lang="ru-RU" dirty="0"/>
+            </a:br>
+            <a:r>
+              <a:rPr lang="ru-RU" dirty="0"/>
+              <a:t>в тестовом наследнике.</a:t>
+            </a:r>
+            <a:endParaRPr lang="en-US" dirty="0"/>
+          </a:p>
+          <a:p>
+            <a:pPr marL="514350" indent="-514350">
+              <a:buAutoNum type="arabicPeriod"/>
+            </a:pPr>
+            <a:r>
+              <a:rPr lang="ru-RU" sz="2800" dirty="0">
+                <a:solidFill>
+                  <a:schemeClr val="bg1">
+                    <a:lumMod val="50000"/>
+                  </a:schemeClr>
+                </a:solidFill>
+              </a:rPr>
+              <a:t>В зависимости от глобального флажка использовать тестовую зависимость вместо реальной</a:t>
+            </a:r>
+            <a:endParaRPr lang="en-US" dirty="0">
+              <a:solidFill>
+                <a:schemeClr val="bg1">
+                  <a:lumMod val="50000"/>
+                </a:schemeClr>
+              </a:solidFill>
+            </a:endParaRPr>
+          </a:p>
+          <a:p>
+            <a:pPr marL="514350" indent="-514350">
+              <a:buAutoNum type="arabicPeriod"/>
+            </a:pPr>
+            <a:r>
+              <a:rPr lang="ru-RU" sz="2400" dirty="0">
+                <a:solidFill>
+                  <a:schemeClr val="bg1">
+                    <a:lumMod val="75000"/>
+                  </a:schemeClr>
+                </a:solidFill>
+              </a:rPr>
+              <a:t>Прочие грязные трюки</a:t>
+            </a:r>
+            <a:endParaRPr lang="ru-RU" dirty="0">
+              <a:solidFill>
+                <a:schemeClr val="bg1">
+                  <a:lumMod val="75000"/>
+                </a:schemeClr>
+              </a:solidFill>
+            </a:endParaRPr>
+          </a:p>
+          <a:p>
+            <a:pPr marL="514350" indent="-514350">
+              <a:buAutoNum type="arabicPeriod"/>
+            </a:pPr>
+            <a:endParaRPr lang="en-US" dirty="0"/>
+          </a:p>
+          <a:p>
+            <a:pPr marL="0" indent="0">
+              <a:buNone/>
+            </a:pPr>
+            <a:endParaRPr lang="ru-RU" dirty="0"/>
+          </a:p>
+        </p:txBody>
+      </p:sp>
+      <p:sp>
+        <p:nvSpPr>
+          <p:cNvPr id="2" name="Заголовок 1"/>
+          <p:cNvSpPr>
+            <a:spLocks noGrp="1"/>
+          </p:cNvSpPr>
+          <p:nvPr>
+            <p:ph type="title"/>
+          </p:nvPr>
+        </p:nvSpPr>
+        <p:spPr/>
+        <p:txBody>
+          <a:bodyPr>
+            <a:normAutofit fontScale="90000"/>
+          </a:bodyPr>
+          <a:lstStyle/>
+          <a:p>
+            <a:r>
+              <a:rPr lang="ru-RU" dirty="0"/>
+              <a:t>Избавиться от зависимостей</a:t>
+            </a:r>
+          </a:p>
+        </p:txBody>
+      </p:sp>
+    </p:spTree>
+    <p:extLst>
+      <p:ext uri="{BB962C8B-B14F-4D97-AF65-F5344CB8AC3E}">
+        <p14:creationId xmlns:p14="http://schemas.microsoft.com/office/powerpoint/2010/main" val="3694984174"/>
+      </p:ext>
+    </p:extLst>
+  </p:cSld>
+  <p:clrMapOvr>
+    <a:masterClrMapping/>
+  </p:clrMapOvr>
+</p:sld>
+</file>
+
+<file path=ppt/slides/slide6.xml><?xml version="1.0" encoding="utf-8"?>
+<p:sld xmlns:a="http://schemas.openxmlformats.org/drawingml/2006/main" xmlns:r="http://schemas.openxmlformats.org/officeDocument/2006/relationships" xmlns:p="http://schemas.openxmlformats.org/presentationml/2006/main">
+  <p:cSld>
+    <p:spTree>
+      <p:nvGrpSpPr>
+        <p:cNvPr id="1" name=""/>
+        <p:cNvGrpSpPr/>
+        <p:nvPr/>
+      </p:nvGrpSpPr>
+      <p:grpSpPr>
+        <a:xfrm>
+          <a:off x="0" y="0"/>
+          <a:ext cx="0" cy="0"/>
+          <a:chOff x="0" y="0"/>
+          <a:chExt cx="0" cy="0"/>
+        </a:xfrm>
+      </p:grpSpPr>
+      <p:sp>
+        <p:nvSpPr>
+          <p:cNvPr id="3" name="Объект 2"/>
+          <p:cNvSpPr>
+            <a:spLocks noGrp="1"/>
+          </p:cNvSpPr>
+          <p:nvPr>
+            <p:ph sz="quarter" idx="13"/>
+          </p:nvPr>
+        </p:nvSpPr>
+        <p:spPr/>
+        <p:txBody>
+          <a:bodyPr>
+            <a:normAutofit/>
+          </a:bodyPr>
+          <a:lstStyle/>
+          <a:p>
+            <a:pPr marL="0" indent="0">
+              <a:buNone/>
+            </a:pPr>
+            <a:r>
+              <a:rPr lang="ru-RU" sz="2800" dirty="0"/>
+              <a:t>Тест, возможно, с плохим дизайном, </a:t>
+            </a:r>
+            <a:br>
+              <a:rPr lang="ru-RU" sz="2800" dirty="0"/>
+            </a:br>
+            <a:r>
+              <a:rPr lang="ru-RU" sz="2800" dirty="0"/>
+              <a:t>но достаточно полно фиксирующий текущее поведение подсистемы</a:t>
+            </a:r>
+          </a:p>
+          <a:p>
+            <a:pPr marL="514350" indent="-514350">
+              <a:buAutoNum type="arabicPeriod"/>
+            </a:pPr>
+            <a:r>
+              <a:rPr lang="ru-RU" sz="2800" dirty="0"/>
+              <a:t>Делаем разные вызовы, записываем результат вызова в </a:t>
+            </a:r>
+            <a:r>
+              <a:rPr lang="en-US" sz="2800" dirty="0"/>
+              <a:t>Assert</a:t>
+            </a:r>
+            <a:endParaRPr lang="ru-RU" sz="2800" dirty="0"/>
+          </a:p>
+          <a:p>
+            <a:pPr marL="514350" indent="-514350">
+              <a:buAutoNum type="arabicPeriod"/>
+            </a:pPr>
+            <a:r>
+              <a:rPr lang="ru-RU" sz="2800" dirty="0"/>
+              <a:t>Генерируем входные данные случайно, запоминаем результат</a:t>
+            </a:r>
+          </a:p>
+        </p:txBody>
+      </p:sp>
+      <p:sp>
+        <p:nvSpPr>
+          <p:cNvPr id="2" name="Заголовок 1"/>
+          <p:cNvSpPr>
+            <a:spLocks noGrp="1"/>
+          </p:cNvSpPr>
+          <p:nvPr>
+            <p:ph type="title"/>
+          </p:nvPr>
+        </p:nvSpPr>
+        <p:spPr/>
+        <p:txBody>
+          <a:bodyPr/>
+          <a:lstStyle/>
+          <a:p>
+            <a:r>
+              <a:rPr lang="ru-RU" dirty="0"/>
               <a:t>Характеризационный тест</a:t>
             </a:r>
           </a:p>
@@ -13582,17 +14469,10 @@
   <p:clrMapOvr>
     <a:masterClrMapping/>
   </p:clrMapOvr>
-  <p:timing>
-    <p:tnLst>
-      <p:par>
-        <p:cTn id="1" dur="indefinite" restart="never" nodeType="tmRoot"/>
-      </p:par>
-    </p:tnLst>
-  </p:timing>
 </p:sld>
 </file>
 
-<file path=ppt/slides/slide5.xml><?xml version="1.0" encoding="utf-8"?>
+<file path=ppt/slides/slide7.xml><?xml version="1.0" encoding="utf-8"?>
 <p:sld xmlns:a="http://schemas.openxmlformats.org/drawingml/2006/main" xmlns:r="http://schemas.openxmlformats.org/officeDocument/2006/relationships" xmlns:p="http://schemas.openxmlformats.org/presentationml/2006/main">
   <p:cSld>
     <p:spTree>
@@ -13625,14 +14505,14 @@
           <a:lstStyle/>
           <a:p>
             <a:r>
-              <a:rPr lang="en-US" dirty="0"/>
+              <a:rPr lang="en-US" cap="none" dirty="0"/>
               <a:t>Samples / </a:t>
             </a:r>
             <a:r>
-              <a:rPr lang="en-US" dirty="0" err="1"/>
+              <a:rPr lang="en-US" cap="none" dirty="0" err="1"/>
               <a:t>ApprovalsDemo.cs</a:t>
             </a:r>
-            <a:endParaRPr lang="en-US" dirty="0"/>
+            <a:endParaRPr lang="en-US" cap="none" dirty="0"/>
           </a:p>
         </p:txBody>
       </p:sp>
@@ -13725,17 +14605,10 @@
   <p:clrMapOvr>
     <a:masterClrMapping/>
   </p:clrMapOvr>
-  <p:timing>
-    <p:tnLst>
-      <p:par>
-        <p:cTn id="1" dur="indefinite" restart="never" nodeType="tmRoot"/>
-      </p:par>
-    </p:tnLst>
-  </p:timing>
 </p:sld>
 </file>
 
-<file path=ppt/slides/slide6.xml><?xml version="1.0" encoding="utf-8"?>
+<file path=ppt/slides/slide8.xml><?xml version="1.0" encoding="utf-8"?>
 <p:sld xmlns:a="http://schemas.openxmlformats.org/drawingml/2006/main" xmlns:r="http://schemas.openxmlformats.org/officeDocument/2006/relationships" xmlns:p="http://schemas.openxmlformats.org/presentationml/2006/main">
   <p:cSld>
     <p:spTree>
@@ -13764,18 +14637,45 @@
         </p:nvSpPr>
         <p:spPr/>
         <p:txBody>
-          <a:bodyPr/>
+          <a:bodyPr>
+            <a:normAutofit/>
+          </a:bodyPr>
           <a:lstStyle/>
           <a:p>
-            <a:r>
-              <a:rPr lang="en-US" dirty="0"/>
-              <a:t>Samples / </a:t>
-            </a:r>
-            <a:r>
-              <a:rPr lang="en-US" dirty="0" err="1"/>
-              <a:t>PairwiseDemo.cs</a:t>
-            </a:r>
-            <a:endParaRPr lang="en-US" dirty="0"/>
+            <a:pPr algn="l"/>
+            <a:br>
+              <a:rPr lang="ru-RU" sz="3200" cap="none" dirty="0"/>
+            </a:br>
+            <a:br>
+              <a:rPr lang="ru-RU" sz="3200" cap="none" dirty="0"/>
+            </a:br>
+            <a:r>
+              <a:rPr lang="en-US" sz="3200" cap="none" dirty="0"/>
+              <a:t>Samples /</a:t>
+            </a:r>
+            <a:br>
+              <a:rPr lang="ru-RU" sz="3200" cap="none" dirty="0"/>
+            </a:br>
+            <a:r>
+              <a:rPr lang="ru-RU" sz="3200" cap="none" dirty="0"/>
+              <a:t>		</a:t>
+            </a:r>
+            <a:r>
+              <a:rPr lang="en-US" sz="3200" cap="none" dirty="0" err="1"/>
+              <a:t>TortoiseGitDiffReporter.cs</a:t>
+            </a:r>
+            <a:br>
+              <a:rPr lang="ru-RU" sz="3200" cap="none" dirty="0"/>
+            </a:br>
+            <a:r>
+              <a:rPr lang="ru-RU" sz="3200" cap="none" dirty="0"/>
+              <a:t>		</a:t>
+            </a:r>
+            <a:r>
+              <a:rPr lang="en-US" sz="3200" cap="none" dirty="0" err="1"/>
+              <a:t>TeamCityVerboseReporter.cs</a:t>
+            </a:r>
+            <a:endParaRPr lang="en-US" sz="3200" cap="none" dirty="0"/>
           </a:p>
         </p:txBody>
       </p:sp>
@@ -13830,24 +14730,17 @@
     </p:spTree>
     <p:extLst>
       <p:ext uri="{BB962C8B-B14F-4D97-AF65-F5344CB8AC3E}">
-        <p14:creationId xmlns:p14="http://schemas.microsoft.com/office/powerpoint/2010/main" val="113618908"/>
+        <p14:creationId xmlns:p14="http://schemas.microsoft.com/office/powerpoint/2010/main" val="2292915017"/>
       </p:ext>
     </p:extLst>
   </p:cSld>
   <p:clrMapOvr>
     <a:masterClrMapping/>
   </p:clrMapOvr>
-  <p:timing>
-    <p:tnLst>
-      <p:par>
-        <p:cTn id="1" dur="indefinite" restart="never" nodeType="tmRoot"/>
-      </p:par>
-    </p:tnLst>
-  </p:timing>
 </p:sld>
 </file>
 
-<file path=ppt/slides/slide7.xml><?xml version="1.0" encoding="utf-8"?>
+<file path=ppt/slides/slide9.xml><?xml version="1.0" encoding="utf-8"?>
 <p:sld xmlns:a="http://schemas.openxmlformats.org/drawingml/2006/main" xmlns:r="http://schemas.openxmlformats.org/officeDocument/2006/relationships" xmlns:p="http://schemas.openxmlformats.org/presentationml/2006/main">
   <p:cSld>
     <p:spTree>
@@ -13880,316 +14773,75 @@
           <a:lstStyle/>
           <a:p>
             <a:r>
-              <a:rPr lang="en-US" dirty="0"/>
-              <a:t>Approvals + Pairwise problem</a:t>
-            </a:r>
+              <a:rPr lang="en-US" cap="none" dirty="0"/>
+              <a:t>Samples / </a:t>
+            </a:r>
+            <a:r>
+              <a:rPr lang="en-US" cap="none" dirty="0" err="1"/>
+              <a:t>PairwiseDemo.cs</a:t>
+            </a:r>
+            <a:endParaRPr lang="en-US" cap="none" dirty="0"/>
           </a:p>
         </p:txBody>
       </p:sp>
+      <p:pic>
+        <p:nvPicPr>
+          <p:cNvPr id="4" name="Picture 22" descr="C:\Users\sapogoff\Documents\sapogoff_work\SKB Kontur\01_presentation_templates\03_final\wmf_icons\документ.wmf"/>
+          <p:cNvPicPr>
+            <a:picLocks noChangeAspect="1" noChangeArrowheads="1"/>
+          </p:cNvPicPr>
+          <p:nvPr/>
+        </p:nvPicPr>
+        <p:blipFill>
+          <a:blip r:embed="rId3" cstate="print">
+            <a:duotone>
+              <a:schemeClr val="accent1">
+                <a:shade val="45000"/>
+                <a:satMod val="135000"/>
+              </a:schemeClr>
+              <a:prstClr val="white"/>
+            </a:duotone>
+            <a:extLst>
+              <a:ext uri="{28A0092B-C50C-407E-A947-70E740481C1C}">
+                <a14:useLocalDpi xmlns:a14="http://schemas.microsoft.com/office/drawing/2010/main" val="0"/>
+              </a:ext>
+            </a:extLst>
+          </a:blip>
+          <a:srcRect/>
+          <a:stretch>
+            <a:fillRect/>
+          </a:stretch>
+        </p:blipFill>
+        <p:spPr bwMode="auto">
+          <a:xfrm>
+            <a:off x="5448066" y="549275"/>
+            <a:ext cx="1296000" cy="1583684"/>
+          </a:xfrm>
+          <a:prstGeom prst="rect">
+            <a:avLst/>
+          </a:prstGeom>
+          <a:noFill/>
+          <a:extLst>
+            <a:ext uri="{909E8E84-426E-40DD-AFC4-6F175D3DCCD1}">
+              <a14:hiddenFill xmlns:a14="http://schemas.microsoft.com/office/drawing/2010/main">
+                <a:solidFill>
+                  <a:srgbClr val="FFFFFF"/>
+                </a:solidFill>
+              </a14:hiddenFill>
+            </a:ext>
+          </a:extLst>
+        </p:spPr>
+      </p:pic>
     </p:spTree>
     <p:extLst>
       <p:ext uri="{BB962C8B-B14F-4D97-AF65-F5344CB8AC3E}">
-        <p14:creationId xmlns:p14="http://schemas.microsoft.com/office/powerpoint/2010/main" val="4282080823"/>
+        <p14:creationId xmlns:p14="http://schemas.microsoft.com/office/powerpoint/2010/main" val="113618908"/>
       </p:ext>
     </p:extLst>
   </p:cSld>
   <p:clrMapOvr>
     <a:masterClrMapping/>
   </p:clrMapOvr>
-  <p:timing>
-    <p:tnLst>
-      <p:par>
-        <p:cTn id="1" dur="indefinite" restart="never" nodeType="tmRoot"/>
-      </p:par>
-    </p:tnLst>
-  </p:timing>
-</p:sld>
-</file>
-
-<file path=ppt/slides/slide8.xml><?xml version="1.0" encoding="utf-8"?>
-<p:sld xmlns:a="http://schemas.openxmlformats.org/drawingml/2006/main" xmlns:r="http://schemas.openxmlformats.org/officeDocument/2006/relationships" xmlns:p="http://schemas.openxmlformats.org/presentationml/2006/main">
-  <p:cSld>
-    <p:spTree>
-      <p:nvGrpSpPr>
-        <p:cNvPr id="1" name=""/>
-        <p:cNvGrpSpPr/>
-        <p:nvPr/>
-      </p:nvGrpSpPr>
-      <p:grpSpPr>
-        <a:xfrm>
-          <a:off x="0" y="0"/>
-          <a:ext cx="0" cy="0"/>
-          <a:chOff x="0" y="0"/>
-          <a:chExt cx="0" cy="0"/>
-        </a:xfrm>
-      </p:grpSpPr>
-      <p:sp>
-        <p:nvSpPr>
-          <p:cNvPr id="3" name="Объект 2"/>
-          <p:cNvSpPr>
-            <a:spLocks noGrp="1"/>
-          </p:cNvSpPr>
-          <p:nvPr>
-            <p:ph sz="quarter" idx="13"/>
-          </p:nvPr>
-        </p:nvSpPr>
-        <p:spPr/>
-        <p:txBody>
-          <a:bodyPr/>
-          <a:lstStyle/>
-          <a:p>
-            <a:r>
-              <a:rPr lang="ru-RU" dirty="0"/>
-              <a:t>Подменить </a:t>
-            </a:r>
-            <a:r>
-              <a:rPr lang="en-US" dirty="0" err="1"/>
-              <a:t>Console.Out</a:t>
-            </a:r>
-            <a:r>
-              <a:rPr lang="ru-RU" dirty="0"/>
-              <a:t> и запомнить вывод</a:t>
-            </a:r>
-          </a:p>
-          <a:p>
-            <a:r>
-              <a:rPr lang="ru-RU" dirty="0"/>
-              <a:t>Добавить </a:t>
-            </a:r>
-            <a:r>
-              <a:rPr lang="ru-RU" dirty="0" err="1"/>
-              <a:t>логгирования</a:t>
-            </a:r>
-            <a:r>
-              <a:rPr lang="ru-RU" dirty="0"/>
-              <a:t> и запомнить лог</a:t>
-            </a:r>
-          </a:p>
-          <a:p>
-            <a:r>
-              <a:rPr lang="ru-RU" dirty="0"/>
-              <a:t>...</a:t>
-            </a:r>
-          </a:p>
-        </p:txBody>
-      </p:sp>
-      <p:sp>
-        <p:nvSpPr>
-          <p:cNvPr id="2" name="Заголовок 1"/>
-          <p:cNvSpPr>
-            <a:spLocks noGrp="1"/>
-          </p:cNvSpPr>
-          <p:nvPr>
-            <p:ph type="title"/>
-          </p:nvPr>
-        </p:nvSpPr>
-        <p:spPr/>
-        <p:txBody>
-          <a:bodyPr/>
-          <a:lstStyle/>
-          <a:p>
-            <a:r>
-              <a:rPr lang="ru-RU" dirty="0"/>
-              <a:t>Прочие грязные штучки</a:t>
-            </a:r>
-          </a:p>
-        </p:txBody>
-      </p:sp>
-    </p:spTree>
-    <p:extLst>
-      <p:ext uri="{BB962C8B-B14F-4D97-AF65-F5344CB8AC3E}">
-        <p14:creationId xmlns:p14="http://schemas.microsoft.com/office/powerpoint/2010/main" val="2206628129"/>
-      </p:ext>
-    </p:extLst>
-  </p:cSld>
-  <p:clrMapOvr>
-    <a:masterClrMapping/>
-  </p:clrMapOvr>
-  <p:timing>
-    <p:tnLst>
-      <p:par>
-        <p:cTn id="1" dur="indefinite" restart="never" nodeType="tmRoot"/>
-      </p:par>
-    </p:tnLst>
-  </p:timing>
-</p:sld>
-</file>
-
-<file path=ppt/slides/slide9.xml><?xml version="1.0" encoding="utf-8"?>
-<p:sld xmlns:a="http://schemas.openxmlformats.org/drawingml/2006/main" xmlns:r="http://schemas.openxmlformats.org/officeDocument/2006/relationships" xmlns:p="http://schemas.openxmlformats.org/presentationml/2006/main">
-  <p:cSld>
-    <p:spTree>
-      <p:nvGrpSpPr>
-        <p:cNvPr id="1" name=""/>
-        <p:cNvGrpSpPr/>
-        <p:nvPr/>
-      </p:nvGrpSpPr>
-      <p:grpSpPr>
-        <a:xfrm>
-          <a:off x="0" y="0"/>
-          <a:ext cx="0" cy="0"/>
-          <a:chOff x="0" y="0"/>
-          <a:chExt cx="0" cy="0"/>
-        </a:xfrm>
-      </p:grpSpPr>
-      <p:sp>
-        <p:nvSpPr>
-          <p:cNvPr id="3" name="Объект 2"/>
-          <p:cNvSpPr>
-            <a:spLocks noGrp="1"/>
-          </p:cNvSpPr>
-          <p:nvPr>
-            <p:ph sz="quarter" idx="13"/>
-          </p:nvPr>
-        </p:nvSpPr>
-        <p:spPr/>
-        <p:txBody>
-          <a:bodyPr>
-            <a:normAutofit/>
-          </a:bodyPr>
-          <a:lstStyle/>
-          <a:p>
-            <a:pPr marL="514350" indent="-514350">
-              <a:buAutoNum type="arabicPeriod"/>
-            </a:pPr>
-            <a:r>
-              <a:rPr lang="en-US" sz="4400" dirty="0"/>
-              <a:t>Extract Method (FP)</a:t>
-            </a:r>
-            <a:endParaRPr lang="ru-RU" sz="4400" dirty="0"/>
-          </a:p>
-          <a:p>
-            <a:pPr marL="514350" indent="-514350">
-              <a:buAutoNum type="arabicPeriod"/>
-            </a:pPr>
-            <a:r>
-              <a:rPr lang="en-US" sz="3600" dirty="0"/>
-              <a:t>Extract Interface (DIP)</a:t>
-            </a:r>
-          </a:p>
-          <a:p>
-            <a:pPr marL="514350" indent="-514350">
-              <a:buAutoNum type="arabicPeriod"/>
-            </a:pPr>
-            <a:r>
-              <a:rPr lang="ru-RU" dirty="0"/>
-              <a:t>Изолировать неудобную зависимость </a:t>
-            </a:r>
-            <a:br>
-              <a:rPr lang="ru-RU" dirty="0"/>
-            </a:br>
-            <a:r>
-              <a:rPr lang="ru-RU" dirty="0"/>
-              <a:t>в виртуальный метод и переопределить </a:t>
-            </a:r>
-            <a:br>
-              <a:rPr lang="ru-RU" dirty="0"/>
-            </a:br>
-            <a:r>
-              <a:rPr lang="ru-RU" dirty="0"/>
-              <a:t>в тестовом наследнике.</a:t>
-            </a:r>
-            <a:endParaRPr lang="en-US" dirty="0"/>
-          </a:p>
-          <a:p>
-            <a:pPr marL="514350" indent="-514350">
-              <a:buAutoNum type="arabicPeriod"/>
-            </a:pPr>
-            <a:r>
-              <a:rPr lang="ru-RU" sz="2800" dirty="0">
-                <a:solidFill>
-                  <a:schemeClr val="bg1">
-                    <a:lumMod val="50000"/>
-                  </a:schemeClr>
-                </a:solidFill>
-              </a:rPr>
-              <a:t>В зависимости от глобального флажка использовать тестовую зависимость вместо реальной</a:t>
-            </a:r>
-            <a:endParaRPr lang="en-US" dirty="0">
-              <a:solidFill>
-                <a:schemeClr val="bg1">
-                  <a:lumMod val="50000"/>
-                </a:schemeClr>
-              </a:solidFill>
-            </a:endParaRPr>
-          </a:p>
-          <a:p>
-            <a:pPr marL="514350" indent="-514350">
-              <a:buAutoNum type="arabicPeriod"/>
-            </a:pPr>
-            <a:r>
-              <a:rPr lang="ru-RU" sz="2400" dirty="0">
-                <a:solidFill>
-                  <a:schemeClr val="bg1">
-                    <a:lumMod val="75000"/>
-                  </a:schemeClr>
-                </a:solidFill>
-              </a:rPr>
-              <a:t>Прочие грязные трюки</a:t>
-            </a:r>
-            <a:endParaRPr lang="ru-RU" dirty="0">
-              <a:solidFill>
-                <a:schemeClr val="bg1">
-                  <a:lumMod val="75000"/>
-                </a:schemeClr>
-              </a:solidFill>
-            </a:endParaRPr>
-          </a:p>
-          <a:p>
-            <a:pPr marL="514350" indent="-514350">
-              <a:buAutoNum type="arabicPeriod"/>
-            </a:pPr>
-            <a:endParaRPr lang="en-US" dirty="0"/>
-          </a:p>
-          <a:p>
-            <a:pPr marL="0" indent="0">
-              <a:buNone/>
-            </a:pPr>
-            <a:endParaRPr lang="ru-RU" dirty="0"/>
-          </a:p>
-        </p:txBody>
-      </p:sp>
-      <p:sp>
-        <p:nvSpPr>
-          <p:cNvPr id="2" name="Заголовок 1"/>
-          <p:cNvSpPr>
-            <a:spLocks noGrp="1"/>
-          </p:cNvSpPr>
-          <p:nvPr>
-            <p:ph type="title"/>
-          </p:nvPr>
-        </p:nvSpPr>
-        <p:spPr/>
-        <p:txBody>
-          <a:bodyPr>
-            <a:normAutofit fontScale="90000"/>
-          </a:bodyPr>
-          <a:lstStyle/>
-          <a:p>
-            <a:r>
-              <a:rPr lang="ru-RU" dirty="0"/>
-              <a:t>Избавиться от зависимостей</a:t>
-            </a:r>
-          </a:p>
-        </p:txBody>
-      </p:sp>
-    </p:spTree>
-    <p:extLst>
-      <p:ext uri="{BB962C8B-B14F-4D97-AF65-F5344CB8AC3E}">
-        <p14:creationId xmlns:p14="http://schemas.microsoft.com/office/powerpoint/2010/main" val="3694984174"/>
-      </p:ext>
-    </p:extLst>
-  </p:cSld>
-  <p:clrMapOvr>
-    <a:masterClrMapping/>
-  </p:clrMapOvr>
-  <p:timing>
-    <p:tnLst>
-      <p:par>
-        <p:cTn id="1" dur="indefinite" restart="never" nodeType="tmRoot"/>
-      </p:par>
-    </p:tnLst>
-  </p:timing>
 </p:sld>
 </file>
 

--- a/legacy.pptx
+++ b/legacy.pptx
@@ -135,7 +135,7 @@
             <p14:sldId id="324"/>
           </p14:sldIdLst>
         </p14:section>
-        <p14:section name="Инструменты 15 мин" id="{C6EBDC35-48E1-4501-A578-C56B84B83357}">
+        <p14:section name="Инструменты 30 мин" id="{C6EBDC35-48E1-4501-A578-C56B84B83357}">
           <p14:sldIdLst>
             <p14:sldId id="300"/>
             <p14:sldId id="291"/>
@@ -7742,6 +7742,7 @@
               <a:rPr lang="ru-RU" sz="1200" dirty="0"/>
               <a:t>Но вскоре в его решении нашли баг и описали сценарий.</a:t>
             </a:r>
+            <a:endParaRPr lang="en-US" sz="1200" dirty="0"/>
           </a:p>
           <a:p>
             <a:pPr marL="0" indent="0">
@@ -7749,8 +7750,23 @@
             </a:pPr>
             <a:r>
               <a:rPr lang="ru-RU" sz="1200" dirty="0"/>
-              <a:t>Петя начал писать тест по этому сценарию.</a:t>
-            </a:r>
+              <a:t>Вместе с тестировщиком Петя написал тест по этому сценарию. Он в папке </a:t>
+            </a:r>
+            <a:r>
+              <a:rPr lang="en-US" sz="1200" dirty="0" err="1"/>
+              <a:t>DoNotOpen</a:t>
+            </a:r>
+            <a:r>
+              <a:rPr lang="en-US" sz="1200" dirty="0"/>
+              <a:t>.</a:t>
+            </a:r>
+            <a:endParaRPr lang="ru-RU" sz="1200" dirty="0"/>
+          </a:p>
+          <a:p>
+            <a:pPr marL="0" indent="0">
+              <a:buNone/>
+            </a:pPr>
+            <a:endParaRPr lang="ru-RU" sz="1200" dirty="0"/>
           </a:p>
           <a:p>
             <a:endParaRPr lang="ru-RU" dirty="0"/>
@@ -12950,9 +12966,9 @@
             <a:endParaRPr lang="ru-RU" sz="1800" dirty="0"/>
           </a:p>
           <a:p>
-            <a:pPr marL="342900" indent="-342900">
-              <a:buFont typeface="Arial" panose="020B0604020202020204" pitchFamily="34" charset="0"/>
-              <a:buChar char="•"/>
+            <a:pPr marL="457200" indent="-457200">
+              <a:buFont typeface="+mj-lt"/>
+              <a:buAutoNum type="arabicPeriod"/>
             </a:pPr>
             <a:r>
               <a:rPr lang="ru-RU" sz="2400" dirty="0"/>
@@ -12966,40 +12982,80 @@
               <a:rPr lang="en-US" sz="2400" dirty="0" err="1"/>
               <a:t>ProductValidator</a:t>
             </a:r>
-            <a:endParaRPr lang="en-US" sz="2400" dirty="0"/>
-          </a:p>
-          <a:p>
-            <a:pPr marL="342900" indent="-342900">
-              <a:buFont typeface="Arial" panose="020B0604020202020204" pitchFamily="34" charset="0"/>
-              <a:buChar char="•"/>
-            </a:pPr>
             <a:r>
               <a:rPr lang="ru-RU" sz="2400" dirty="0"/>
-              <a:t>Напиши на него тесты (</a:t>
-            </a:r>
-            <a:r>
-              <a:rPr lang="en-US" sz="2400" dirty="0"/>
-              <a:t>TDD</a:t>
-            </a:r>
-            <a:r>
-              <a:rPr lang="ru-RU" sz="2400" dirty="0"/>
-              <a:t>?)</a:t>
-            </a:r>
-          </a:p>
-          <a:p>
-            <a:pPr marL="342900" indent="-342900">
-              <a:buFont typeface="Arial" panose="020B0604020202020204" pitchFamily="34" charset="0"/>
-              <a:buChar char="•"/>
-            </a:pPr>
-            <a:r>
-              <a:rPr lang="ru-RU" sz="2400" dirty="0"/>
-              <a:t>Переведи на него </a:t>
+              <a:t>, посмотрев код из </a:t>
             </a:r>
             <a:r>
               <a:rPr lang="en-US" sz="2400" dirty="0" err="1"/>
               <a:t>ProviderProcessor</a:t>
             </a:r>
             <a:endParaRPr lang="ru-RU" sz="2400" dirty="0"/>
+          </a:p>
+          <a:p>
+            <a:pPr marL="1200095" lvl="1" indent="-457200"/>
+            <a:r>
+              <a:rPr lang="ru-RU" sz="2000" dirty="0"/>
+              <a:t>Возьми логику проверки из </a:t>
+            </a:r>
+            <a:r>
+              <a:rPr lang="en-US" sz="2000" dirty="0" err="1"/>
+              <a:t>ProviderProcessor</a:t>
+            </a:r>
+            <a:endParaRPr lang="ru-RU" sz="2000" dirty="0"/>
+          </a:p>
+          <a:p>
+            <a:pPr marL="457200" indent="-457200">
+              <a:buFont typeface="+mj-lt"/>
+              <a:buAutoNum type="arabicPeriod"/>
+            </a:pPr>
+            <a:r>
+              <a:rPr lang="ru-RU" sz="2400" dirty="0"/>
+              <a:t>Напиши </a:t>
+            </a:r>
+            <a:r>
+              <a:rPr lang="ru-RU" sz="2400" dirty="0" err="1"/>
+              <a:t>характеризационные</a:t>
+            </a:r>
+            <a:r>
+              <a:rPr lang="ru-RU" sz="2400" dirty="0"/>
+              <a:t> тесты на </a:t>
+            </a:r>
+            <a:r>
+              <a:rPr lang="en-US" sz="2400" dirty="0" err="1"/>
+              <a:t>ProviderProcessor</a:t>
+            </a:r>
+            <a:endParaRPr lang="en-US" sz="2400" dirty="0"/>
+          </a:p>
+          <a:p>
+            <a:pPr marL="457200" indent="-457200">
+              <a:buFont typeface="+mj-lt"/>
+              <a:buAutoNum type="arabicPeriod"/>
+            </a:pPr>
+            <a:r>
+              <a:rPr lang="ru-RU" sz="2400" dirty="0"/>
+              <a:t>Переведи </a:t>
+            </a:r>
+            <a:r>
+              <a:rPr lang="en-US" sz="2400" dirty="0" err="1"/>
+              <a:t>ProviderProcessor</a:t>
+            </a:r>
+            <a:r>
+              <a:rPr lang="ru-RU" sz="2400" dirty="0"/>
+              <a:t> на </a:t>
+            </a:r>
+            <a:r>
+              <a:rPr lang="en-US" sz="2400" dirty="0" err="1"/>
+              <a:t>ProductValidator</a:t>
+            </a:r>
+            <a:endParaRPr lang="ru-RU" sz="2400" dirty="0"/>
+          </a:p>
+          <a:p>
+            <a:pPr marL="1200095" lvl="1" indent="-457200"/>
+            <a:r>
+              <a:rPr lang="ru-RU" sz="2000" dirty="0"/>
+              <a:t>Ничего не сломай!</a:t>
+            </a:r>
           </a:p>
         </p:txBody>
       </p:sp>
@@ -13166,6 +13222,68 @@
                                   </p:childTnLst>
                                 </p:cTn>
                               </p:par>
+                              <p:par>
+                                <p:cTn id="11" presetID="1" presetClass="entr" presetSubtype="0" fill="hold" nodeType="withEffect">
+                                  <p:stCondLst>
+                                    <p:cond delay="0"/>
+                                  </p:stCondLst>
+                                  <p:childTnLst>
+                                    <p:set>
+                                      <p:cBhvr>
+                                        <p:cTn id="12" dur="1" fill="hold">
+                                          <p:stCondLst>
+                                            <p:cond delay="0"/>
+                                          </p:stCondLst>
+                                        </p:cTn>
+                                        <p:tgtEl>
+                                          <p:spTgt spid="3">
+                                            <p:txEl>
+                                              <p:pRg st="7" end="7"/>
+                                            </p:txEl>
+                                          </p:spTgt>
+                                        </p:tgtEl>
+                                        <p:attrNameLst>
+                                          <p:attrName>style.visibility</p:attrName>
+                                        </p:attrNameLst>
+                                      </p:cBhvr>
+                                      <p:to>
+                                        <p:strVal val="visible"/>
+                                      </p:to>
+                                    </p:set>
+                                  </p:childTnLst>
+                                </p:cTn>
+                              </p:par>
+                              <p:par>
+                                <p:cTn id="13" presetID="1" presetClass="entr" presetSubtype="0" fill="hold" nodeType="withEffect">
+                                  <p:stCondLst>
+                                    <p:cond delay="0"/>
+                                  </p:stCondLst>
+                                  <p:childTnLst>
+                                    <p:set>
+                                      <p:cBhvr>
+                                        <p:cTn id="14" dur="1" fill="hold">
+                                          <p:stCondLst>
+                                            <p:cond delay="0"/>
+                                          </p:stCondLst>
+                                        </p:cTn>
+                                        <p:tgtEl>
+                                          <p:spTgt spid="3">
+                                            <p:txEl>
+                                              <p:pRg st="8" end="8"/>
+                                            </p:txEl>
+                                          </p:spTgt>
+                                        </p:tgtEl>
+                                        <p:attrNameLst>
+                                          <p:attrName>style.visibility</p:attrName>
+                                        </p:attrNameLst>
+                                      </p:cBhvr>
+                                      <p:to>
+                                        <p:strVal val="visible"/>
+                                      </p:to>
+                                    </p:set>
+                                  </p:childTnLst>
+                                </p:cTn>
+                              </p:par>
                             </p:childTnLst>
                           </p:cTn>
                         </p:par>
@@ -13343,13 +13461,102 @@
         </p:nvSpPr>
         <p:spPr/>
         <p:txBody>
-          <a:bodyPr/>
+          <a:bodyPr>
+            <a:normAutofit/>
+          </a:bodyPr>
           <a:lstStyle/>
           <a:p>
             <a:pPr marL="0" indent="0">
               <a:buNone/>
             </a:pPr>
-            <a:endParaRPr lang="ru-RU" dirty="0"/>
+            <a:r>
+              <a:rPr lang="ru-RU" dirty="0"/>
+              <a:t>Краткое пособие «Как добавить новую фичу»</a:t>
+            </a:r>
+            <a:endParaRPr lang="en-US" dirty="0"/>
+          </a:p>
+          <a:p>
+            <a:pPr marL="0" indent="0">
+              <a:buNone/>
+            </a:pPr>
+            <a:endParaRPr lang="en-US" sz="2400" dirty="0"/>
+          </a:p>
+          <a:p>
+            <a:pPr marL="514350" indent="-514350">
+              <a:buFont typeface="+mj-lt"/>
+              <a:buAutoNum type="arabicPeriod"/>
+            </a:pPr>
+            <a:r>
+              <a:rPr lang="en-US" sz="2400" dirty="0"/>
+              <a:t>DRY</a:t>
+            </a:r>
+          </a:p>
+          <a:p>
+            <a:pPr marL="1257245" lvl="1" indent="-514350"/>
+            <a:r>
+              <a:rPr lang="ru-RU" sz="2400" dirty="0"/>
+              <a:t>Найди код, решающий похожую задачу</a:t>
+            </a:r>
+          </a:p>
+          <a:p>
+            <a:pPr marL="514350" indent="-514350">
+              <a:buFont typeface="+mj-lt"/>
+              <a:buAutoNum type="arabicPeriod"/>
+            </a:pPr>
+            <a:r>
+              <a:rPr lang="ru-RU" sz="2400" dirty="0"/>
+              <a:t>Правило Бойскаута</a:t>
+            </a:r>
+            <a:endParaRPr lang="en-US" sz="2400" dirty="0"/>
+          </a:p>
+          <a:p>
+            <a:pPr marL="1257245" lvl="1" indent="-514350"/>
+            <a:r>
+              <a:rPr lang="ru-RU" sz="2400" dirty="0"/>
+              <a:t>Не только добавляй фичи, но и улучшай код рядом</a:t>
+            </a:r>
+          </a:p>
+          <a:p>
+            <a:pPr marL="514350" indent="-514350">
+              <a:buFont typeface="+mj-lt"/>
+              <a:buAutoNum type="arabicPeriod"/>
+            </a:pPr>
+            <a:r>
+              <a:rPr lang="ru-RU" sz="2400" dirty="0"/>
+              <a:t>Если на код не было тестов – его сложно тестировать</a:t>
+            </a:r>
+          </a:p>
+          <a:p>
+            <a:pPr marL="1257245" lvl="1" indent="-514350"/>
+            <a:r>
+              <a:rPr lang="ru-RU" sz="2400" b="1" dirty="0"/>
+              <a:t>Сделай подготовительный рефакторинг</a:t>
+            </a:r>
+          </a:p>
+          <a:p>
+            <a:pPr marL="514350" indent="-514350">
+              <a:buFont typeface="+mj-lt"/>
+              <a:buAutoNum type="arabicPeriod"/>
+            </a:pPr>
+            <a:r>
+              <a:rPr lang="ru-RU" sz="2400" dirty="0"/>
+              <a:t>Рефакторинг не всегда безопасен</a:t>
+            </a:r>
+          </a:p>
+          <a:p>
+            <a:pPr marL="1257245" lvl="1" indent="-514350"/>
+            <a:r>
+              <a:rPr lang="ru-RU" sz="2400" b="1" dirty="0"/>
+              <a:t>Напиши </a:t>
+            </a:r>
+            <a:r>
+              <a:rPr lang="ru-RU" sz="2400" b="1" dirty="0" err="1"/>
+              <a:t>характеризационные</a:t>
+            </a:r>
+            <a:r>
+              <a:rPr lang="ru-RU" sz="2400" b="1" dirty="0"/>
+              <a:t> тесты</a:t>
+            </a:r>
           </a:p>
         </p:txBody>
       </p:sp>

--- a/legacy.pptx
+++ b/legacy.pptx
@@ -7149,7 +7149,7 @@
           <a:p>
             <a:fld id="{16E5F246-0B7D-44DF-8C1B-EDFCA5DA626A}" type="datetimeFigureOut">
               <a:rPr lang="ru-RU" smtClean="0"/>
-              <a:t>24.09.2017</a:t>
+              <a:t>25.09.2017</a:t>
             </a:fld>
             <a:endParaRPr lang="ru-RU" dirty="0"/>
           </a:p>
@@ -12853,7 +12853,7 @@
               <a:buNone/>
             </a:pPr>
             <a:r>
-              <a:rPr lang="en-US" sz="2000" dirty="0">
+              <a:rPr lang="en-US" sz="1800" dirty="0">
                 <a:solidFill>
                   <a:srgbClr val="0000FF"/>
                 </a:solidFill>
@@ -12862,13 +12862,13 @@
               <a:t>class</a:t>
             </a:r>
             <a:r>
-              <a:rPr lang="en-US" sz="2000" dirty="0">
+              <a:rPr lang="en-US" sz="1800" dirty="0">
                 <a:latin typeface="Consolas" panose="020B0609020204030204" pitchFamily="49" charset="0"/>
               </a:rPr>
               <a:t> </a:t>
             </a:r>
             <a:r>
-              <a:rPr lang="en-US" sz="2000" dirty="0" err="1">
+              <a:rPr lang="en-US" sz="1800" dirty="0" err="1">
                 <a:solidFill>
                   <a:srgbClr val="00007F"/>
                 </a:solidFill>
@@ -12877,13 +12877,13 @@
               <a:t>ProductValidator</a:t>
             </a:r>
             <a:r>
-              <a:rPr lang="ru-RU" sz="2000" dirty="0">
+              <a:rPr lang="ru-RU" sz="1800" dirty="0">
                 <a:latin typeface="Consolas" panose="020B0609020204030204" pitchFamily="49" charset="0"/>
               </a:rPr>
               <a:t> </a:t>
             </a:r>
             <a:r>
-              <a:rPr lang="en-US" sz="2000" dirty="0">
+              <a:rPr lang="en-US" sz="1800" dirty="0">
                 <a:latin typeface="Consolas" panose="020B0609020204030204" pitchFamily="49" charset="0"/>
               </a:rPr>
               <a:t>{</a:t>
@@ -12894,13 +12894,28 @@
               <a:buNone/>
             </a:pPr>
             <a:r>
-              <a:rPr lang="en-US" sz="2000" dirty="0">
+              <a:rPr lang="en-US" sz="1800" dirty="0">
                 <a:latin typeface="Consolas" panose="020B0609020204030204" pitchFamily="49" charset="0"/>
               </a:rPr>
               <a:t>    </a:t>
             </a:r>
             <a:r>
-              <a:rPr lang="en-US" sz="2000" dirty="0" err="1">
+              <a:rPr lang="en-US" sz="1800" dirty="0" err="1">
+                <a:solidFill>
+                  <a:srgbClr val="00007F"/>
+                </a:solidFill>
+                <a:latin typeface="Consolas" panose="020B0609020204030204" pitchFamily="49" charset="0"/>
+              </a:rPr>
+              <a:t>IList</a:t>
+            </a:r>
+            <a:r>
+              <a:rPr lang="en-US" sz="1800" dirty="0">
+                <a:latin typeface="Consolas" panose="020B0609020204030204" pitchFamily="49" charset="0"/>
+              </a:rPr>
+              <a:t>&lt;</a:t>
+            </a:r>
+            <a:r>
+              <a:rPr lang="en-US" sz="1800" dirty="0" err="1">
                 <a:solidFill>
                   <a:srgbClr val="00007F"/>
                 </a:solidFill>
@@ -12909,13 +12924,22 @@
               <a:t>ProductValidationResult</a:t>
             </a:r>
             <a:r>
-              <a:rPr lang="en-US" sz="2000" dirty="0">
+              <a:rPr lang="en-US" sz="1800" dirty="0">
+                <a:solidFill>
+                  <a:srgbClr val="00007F"/>
+                </a:solidFill>
+                <a:latin typeface="Consolas" panose="020B0609020204030204" pitchFamily="49" charset="0"/>
+              </a:rPr>
+              <a:t>&gt;</a:t>
+            </a:r>
+            <a:r>
+              <a:rPr lang="en-US" sz="1800" dirty="0">
                 <a:latin typeface="Consolas" panose="020B0609020204030204" pitchFamily="49" charset="0"/>
               </a:rPr>
               <a:t> </a:t>
             </a:r>
             <a:r>
-              <a:rPr lang="en-US" sz="2000" dirty="0" err="1">
+              <a:rPr lang="en-US" sz="1800" dirty="0" err="1">
                 <a:solidFill>
                   <a:srgbClr val="2B91AF"/>
                 </a:solidFill>
@@ -12924,13 +12948,13 @@
               <a:t>ValidateProduct</a:t>
             </a:r>
             <a:r>
-              <a:rPr lang="en-US" sz="2000" dirty="0">
+              <a:rPr lang="en-US" sz="1800" dirty="0">
                 <a:latin typeface="Consolas" panose="020B0609020204030204" pitchFamily="49" charset="0"/>
               </a:rPr>
               <a:t>(</a:t>
             </a:r>
             <a:r>
-              <a:rPr lang="en-US" sz="2000" dirty="0" err="1">
+              <a:rPr lang="en-US" sz="1800" dirty="0" err="1">
                 <a:solidFill>
                   <a:srgbClr val="00007F"/>
                 </a:solidFill>
@@ -12939,7 +12963,7 @@
               <a:t>ProductData</a:t>
             </a:r>
             <a:r>
-              <a:rPr lang="en-US" sz="2000" dirty="0">
+              <a:rPr lang="en-US" sz="1800" dirty="0">
                 <a:latin typeface="Consolas" panose="020B0609020204030204" pitchFamily="49" charset="0"/>
               </a:rPr>
               <a:t> product)</a:t>
@@ -12950,12 +12974,12 @@
               <a:buNone/>
             </a:pPr>
             <a:r>
-              <a:rPr lang="en-US" sz="2000" dirty="0">
+              <a:rPr lang="en-US" sz="1800" dirty="0">
                 <a:latin typeface="Consolas" panose="020B0609020204030204" pitchFamily="49" charset="0"/>
               </a:rPr>
               <a:t>}</a:t>
             </a:r>
-            <a:endParaRPr lang="ru-RU" sz="1800" dirty="0">
+            <a:endParaRPr lang="ru-RU" sz="1600" dirty="0">
               <a:latin typeface="Consolas" panose="020B0609020204030204" pitchFamily="49" charset="0"/>
             </a:endParaRPr>
           </a:p>

--- a/legacy.pptx
+++ b/legacy.pptx
@@ -13035,21 +13035,48 @@
             </a:pPr>
             <a:r>
               <a:rPr lang="ru-RU" sz="2400" dirty="0"/>
-              <a:t>Напиши </a:t>
-            </a:r>
-            <a:r>
-              <a:rPr lang="ru-RU" sz="2400" dirty="0" err="1"/>
-              <a:t>характеризационные</a:t>
+              <a:t>Сделай </a:t>
+            </a:r>
+            <a:r>
+              <a:rPr lang="ru-RU" sz="2400" b="1" dirty="0"/>
+              <a:t>минимальный</a:t>
             </a:r>
             <a:r>
               <a:rPr lang="ru-RU" sz="2400" dirty="0"/>
-              <a:t> тесты на </a:t>
-            </a:r>
-            <a:r>
-              <a:rPr lang="en-US" sz="2400" dirty="0" err="1"/>
-              <a:t>ProviderProcessor</a:t>
+              <a:t> подготовительный рефакторинг</a:t>
             </a:r>
             <a:endParaRPr lang="en-US" sz="2400" dirty="0"/>
+          </a:p>
+          <a:p>
+            <a:pPr marL="1200095" lvl="1" indent="-457200"/>
+            <a:r>
+              <a:rPr lang="ru-RU" sz="2000" dirty="0"/>
+              <a:t>Виртуальные методы + </a:t>
+            </a:r>
+            <a:r>
+              <a:rPr lang="en-US" sz="2000" dirty="0" err="1"/>
+              <a:t>FakeItEasy</a:t>
+            </a:r>
+            <a:endParaRPr lang="en-US" sz="2000" dirty="0"/>
+          </a:p>
+          <a:p>
+            <a:pPr marL="1200095" lvl="1" indent="-457200"/>
+            <a:r>
+              <a:rPr lang="en-US" sz="2000" dirty="0" err="1"/>
+              <a:t>MemoryAppender</a:t>
+            </a:r>
+            <a:r>
+              <a:rPr lang="en-US" sz="2000" dirty="0"/>
+              <a:t> </a:t>
+            </a:r>
+            <a:r>
+              <a:rPr lang="ru-RU" sz="2000" dirty="0"/>
+              <a:t>для </a:t>
+            </a:r>
+            <a:r>
+              <a:rPr lang="en-US" sz="2000" dirty="0"/>
+              <a:t>Log4Net</a:t>
+            </a:r>
           </a:p>
           <a:p>
             <a:pPr marL="457200" indent="-457200">
@@ -13058,12 +13085,35 @@
             </a:pPr>
             <a:r>
               <a:rPr lang="ru-RU" sz="2400" dirty="0"/>
-              <a:t>Переведи </a:t>
+              <a:t>Напиши </a:t>
+            </a:r>
+            <a:r>
+              <a:rPr lang="ru-RU" sz="2400" dirty="0" err="1"/>
+              <a:t>характеризационные</a:t>
+            </a:r>
+            <a:r>
+              <a:rPr lang="ru-RU" sz="2400" dirty="0"/>
+              <a:t> тесты на </a:t>
             </a:r>
             <a:r>
               <a:rPr lang="en-US" sz="2400" dirty="0" err="1"/>
               <a:t>ProviderProcessor</a:t>
             </a:r>
+            <a:endParaRPr lang="ru-RU" sz="2400" dirty="0"/>
+          </a:p>
+          <a:p>
+            <a:pPr marL="457200" indent="-457200">
+              <a:buFont typeface="+mj-lt"/>
+              <a:buAutoNum type="arabicPeriod"/>
+            </a:pPr>
+            <a:r>
+              <a:rPr lang="ru-RU" sz="2400" dirty="0"/>
+              <a:t>Переведи </a:t>
+            </a:r>
+            <a:r>
+              <a:rPr lang="en-US" sz="2400" dirty="0" err="1"/>
+              <a:t>ProviderProcessor</a:t>
+            </a:r>
             <a:r>
               <a:rPr lang="ru-RU" sz="2400" dirty="0"/>
               <a:t> на </a:t>
@@ -13073,13 +13123,6 @@
               <a:t>ProductValidator</a:t>
             </a:r>
             <a:endParaRPr lang="ru-RU" sz="2400" dirty="0"/>
-          </a:p>
-          <a:p>
-            <a:pPr marL="1200095" lvl="1" indent="-457200"/>
-            <a:r>
-              <a:rPr lang="ru-RU" sz="2000" dirty="0"/>
-              <a:t>Ничего не сломай!</a:t>
-            </a:r>
           </a:p>
         </p:txBody>
       </p:sp>
@@ -13308,6 +13351,68 @@
                                   </p:childTnLst>
                                 </p:cTn>
                               </p:par>
+                              <p:par>
+                                <p:cTn id="15" presetID="1" presetClass="entr" presetSubtype="0" fill="hold" nodeType="withEffect">
+                                  <p:stCondLst>
+                                    <p:cond delay="0"/>
+                                  </p:stCondLst>
+                                  <p:childTnLst>
+                                    <p:set>
+                                      <p:cBhvr>
+                                        <p:cTn id="16" dur="1" fill="hold">
+                                          <p:stCondLst>
+                                            <p:cond delay="0"/>
+                                          </p:stCondLst>
+                                        </p:cTn>
+                                        <p:tgtEl>
+                                          <p:spTgt spid="3">
+                                            <p:txEl>
+                                              <p:pRg st="9" end="9"/>
+                                            </p:txEl>
+                                          </p:spTgt>
+                                        </p:tgtEl>
+                                        <p:attrNameLst>
+                                          <p:attrName>style.visibility</p:attrName>
+                                        </p:attrNameLst>
+                                      </p:cBhvr>
+                                      <p:to>
+                                        <p:strVal val="visible"/>
+                                      </p:to>
+                                    </p:set>
+                                  </p:childTnLst>
+                                </p:cTn>
+                              </p:par>
+                              <p:par>
+                                <p:cTn id="17" presetID="1" presetClass="entr" presetSubtype="0" fill="hold" nodeType="withEffect">
+                                  <p:stCondLst>
+                                    <p:cond delay="0"/>
+                                  </p:stCondLst>
+                                  <p:childTnLst>
+                                    <p:set>
+                                      <p:cBhvr>
+                                        <p:cTn id="18" dur="1" fill="hold">
+                                          <p:stCondLst>
+                                            <p:cond delay="0"/>
+                                          </p:stCondLst>
+                                        </p:cTn>
+                                        <p:tgtEl>
+                                          <p:spTgt spid="3">
+                                            <p:txEl>
+                                              <p:pRg st="10" end="10"/>
+                                            </p:txEl>
+                                          </p:spTgt>
+                                        </p:tgtEl>
+                                        <p:attrNameLst>
+                                          <p:attrName>style.visibility</p:attrName>
+                                        </p:attrNameLst>
+                                      </p:cBhvr>
+                                      <p:to>
+                                        <p:strVal val="visible"/>
+                                      </p:to>
+                                    </p:set>
+                                  </p:childTnLst>
+                                </p:cTn>
+                              </p:par>
                             </p:childTnLst>
                           </p:cTn>
                         </p:par>
@@ -13553,7 +13658,7 @@
           <a:p>
             <a:pPr marL="1257245" lvl="1" indent="-514350"/>
             <a:r>
-              <a:rPr lang="ru-RU" sz="2400" b="1" dirty="0"/>
+              <a:rPr lang="ru-RU" sz="2400" dirty="0"/>
               <a:t>Сделай подготовительный рефакторинг</a:t>
             </a:r>
           </a:p>
@@ -13570,15 +13675,15 @@
           <a:p>
             <a:pPr marL="1257245" lvl="1" indent="-514350"/>
             <a:r>
-              <a:rPr lang="ru-RU" sz="2400" b="1" dirty="0"/>
+              <a:rPr lang="ru-RU" sz="2400" dirty="0"/>
               <a:t>Напиши </a:t>
             </a:r>
             <a:r>
-              <a:rPr lang="ru-RU" sz="2400" b="1" dirty="0" err="1"/>
+              <a:rPr lang="ru-RU" sz="2400" dirty="0" err="1"/>
               <a:t>характеризационные</a:t>
             </a:r>
             <a:r>
-              <a:rPr lang="ru-RU" sz="2400" b="1" dirty="0"/>
+              <a:rPr lang="ru-RU" sz="2400" dirty="0"/>
               <a:t> тесты</a:t>
             </a:r>
           </a:p>

--- a/legacy.pptx
+++ b/legacy.pptx
@@ -13185,9 +13185,6 @@
                     <p:cTn id="3" fill="hold">
                       <p:stCondLst>
                         <p:cond delay="indefinite"/>
-                        <p:cond evt="onBegin" delay="0">
-                          <p:tn val="2"/>
-                        </p:cond>
                       </p:stCondLst>
                       <p:childTnLst>
                         <p:par>
@@ -13197,7 +13194,7 @@
                             </p:stCondLst>
                             <p:childTnLst>
                               <p:par>
-                                <p:cTn id="5" presetID="1" presetClass="entr" presetSubtype="0" fill="hold" nodeType="withEffect">
+                                <p:cTn id="5" presetID="1" presetClass="entr" presetSubtype="0" fill="hold" nodeType="clickEffect">
                                   <p:stCondLst>
                                     <p:cond delay="0"/>
                                   </p:stCondLst>
@@ -13500,13 +13497,134 @@
               <a:rPr lang="ru-RU" dirty="0"/>
               <a:t>допиши и почини тест!</a:t>
             </a:r>
-            <a:endParaRPr lang="en-US" dirty="0">
-              <a:solidFill>
-                <a:schemeClr val="tx1">
-                  <a:lumMod val="50000"/>
-                  <a:lumOff val="50000"/>
-                </a:schemeClr>
-              </a:solidFill>
+          </a:p>
+          <a:p>
+            <a:pPr marL="0" indent="0">
+              <a:buNone/>
+            </a:pPr>
+            <a:endParaRPr lang="ru-RU" sz="2400" dirty="0"/>
+          </a:p>
+          <a:p>
+            <a:pPr marL="0" indent="0">
+              <a:buNone/>
+            </a:pPr>
+            <a:endParaRPr lang="ru-RU" sz="2400" dirty="0"/>
+          </a:p>
+          <a:p>
+            <a:pPr marL="0" indent="0">
+              <a:buNone/>
+            </a:pPr>
+            <a:endParaRPr lang="ru-RU" sz="2400" dirty="0"/>
+          </a:p>
+          <a:p>
+            <a:pPr marL="0" indent="0">
+              <a:buNone/>
+            </a:pPr>
+            <a:r>
+              <a:rPr lang="ru-RU" sz="2400" dirty="0"/>
+              <a:t>Подсказки:</a:t>
+            </a:r>
+          </a:p>
+          <a:p>
+            <a:pPr marL="457200" indent="-457200">
+              <a:buFont typeface="Arial" panose="020B0604020202020204" pitchFamily="34" charset="0"/>
+              <a:buChar char="•"/>
+            </a:pPr>
+            <a:r>
+              <a:rPr lang="ru-RU" sz="2400" dirty="0">
+                <a:latin typeface="+mn-lt"/>
+              </a:rPr>
+              <a:t>Тесту нужен конструктор </a:t>
+            </a:r>
+            <a:r>
+              <a:rPr lang="en-US" sz="2400" dirty="0" err="1">
+                <a:latin typeface="+mn-lt"/>
+              </a:rPr>
+              <a:t>ProviderProcessor</a:t>
+            </a:r>
+            <a:r>
+              <a:rPr lang="ru-RU" sz="2400" dirty="0">
+                <a:latin typeface="+mn-lt"/>
+              </a:rPr>
+              <a:t>, принимающий </a:t>
+            </a:r>
+            <a:r>
+              <a:rPr lang="en-US" sz="2400" dirty="0" err="1">
+                <a:latin typeface="+mn-lt"/>
+              </a:rPr>
+              <a:t>ProviderRepository</a:t>
+            </a:r>
+            <a:r>
+              <a:rPr lang="ru-RU" sz="2400" dirty="0">
+                <a:latin typeface="+mn-lt"/>
+              </a:rPr>
+              <a:t> и </a:t>
+            </a:r>
+            <a:r>
+              <a:rPr lang="en-US" sz="2400" dirty="0" err="1">
+                <a:latin typeface="+mn-lt"/>
+              </a:rPr>
+              <a:t>ProductValidator</a:t>
+            </a:r>
+            <a:endParaRPr lang="ru-RU" sz="2400" dirty="0">
+              <a:latin typeface="+mn-lt"/>
+            </a:endParaRPr>
+          </a:p>
+          <a:p>
+            <a:pPr marL="457200" indent="-457200">
+              <a:buFont typeface="Arial" panose="020B0604020202020204" pitchFamily="34" charset="0"/>
+              <a:buChar char="•"/>
+            </a:pPr>
+            <a:r>
+              <a:rPr lang="ru-RU" sz="2400" dirty="0">
+                <a:latin typeface="+mn-lt"/>
+              </a:rPr>
+              <a:t>Динамические методы</a:t>
+            </a:r>
+            <a:r>
+              <a:rPr lang="en-US" sz="2400" dirty="0">
+                <a:latin typeface="+mn-lt"/>
+              </a:rPr>
+              <a:t> </a:t>
+            </a:r>
+            <a:r>
+              <a:rPr lang="en-US" sz="2400" dirty="0" err="1">
+                <a:latin typeface="+mn-lt"/>
+              </a:rPr>
+              <a:t>ProviderRepository</a:t>
+            </a:r>
+            <a:r>
+              <a:rPr lang="en-US" sz="2400" dirty="0">
+                <a:latin typeface="+mn-lt"/>
+              </a:rPr>
+              <a:t> </a:t>
+            </a:r>
+            <a:r>
+              <a:rPr lang="ru-RU" sz="2400" dirty="0">
+                <a:latin typeface="+mn-lt"/>
+              </a:rPr>
+              <a:t>и </a:t>
+            </a:r>
+            <a:r>
+              <a:rPr lang="en-US" sz="2400" dirty="0" err="1">
+                <a:latin typeface="+mn-lt"/>
+              </a:rPr>
+              <a:t>ProductValidator</a:t>
+            </a:r>
+            <a:r>
+              <a:rPr lang="en-US" sz="2400" dirty="0">
+                <a:latin typeface="+mn-lt"/>
+              </a:rPr>
+              <a:t> </a:t>
+            </a:r>
+            <a:r>
+              <a:rPr lang="ru-RU" sz="2400" dirty="0">
+                <a:latin typeface="+mn-lt"/>
+              </a:rPr>
+              <a:t>надо сделать виртуальными</a:t>
+            </a:r>
+            <a:endParaRPr lang="en-US" sz="2400" dirty="0">
+              <a:latin typeface="+mn-lt"/>
             </a:endParaRPr>
           </a:p>
         </p:txBody>

--- a/legacy.pptx
+++ b/legacy.pptx
@@ -7149,7 +7149,7 @@
           <a:p>
             <a:fld id="{16E5F246-0B7D-44DF-8C1B-EDFCA5DA626A}" type="datetimeFigureOut">
               <a:rPr lang="ru-RU" smtClean="0"/>
-              <a:t>25.09.2017</a:t>
+              <a:t>26.09.2017</a:t>
             </a:fld>
             <a:endParaRPr lang="ru-RU" dirty="0"/>
           </a:p>
@@ -12593,6 +12593,10 @@
                 <a:hlinkClick r:id="rId3"/>
               </a:rPr>
               <a:t>AutoApprover</a:t>
+            </a:r>
+            <a:r>
+              <a:rPr lang="en-US" sz="2400"/>
+              <a:t> Reporter</a:t>
             </a:r>
             <a:endParaRPr lang="en-US" sz="2400" dirty="0"/>
           </a:p>

--- a/legacy.pptx
+++ b/legacy.pptx
@@ -16,7 +16,7 @@
     <p:sldId id="300" r:id="rId7"/>
     <p:sldId id="291" r:id="rId8"/>
     <p:sldId id="321" r:id="rId9"/>
-    <p:sldId id="325" r:id="rId10"/>
+    <p:sldId id="326" r:id="rId10"/>
     <p:sldId id="322" r:id="rId11"/>
     <p:sldId id="292" r:id="rId12"/>
     <p:sldId id="304" r:id="rId13"/>
@@ -140,7 +140,7 @@
             <p14:sldId id="300"/>
             <p14:sldId id="291"/>
             <p14:sldId id="321"/>
-            <p14:sldId id="325"/>
+            <p14:sldId id="326"/>
             <p14:sldId id="322"/>
             <p14:sldId id="292"/>
           </p14:sldIdLst>
@@ -7481,7 +7481,7 @@
           <a:p>
             <a:fld id="{3BAECB10-9972-4830-A584-02C41DAFD45B}" type="slidenum">
               <a:rPr lang="ru-RU" smtClean="0"/>
-              <a:t>9</a:t>
+              <a:t>8</a:t>
             </a:fld>
             <a:endParaRPr lang="ru-RU" dirty="0"/>
           </a:p>
@@ -7490,7 +7490,7 @@
     </p:spTree>
     <p:extLst>
       <p:ext uri="{BB962C8B-B14F-4D97-AF65-F5344CB8AC3E}">
-        <p14:creationId xmlns:p14="http://schemas.microsoft.com/office/powerpoint/2010/main" val="2274174158"/>
+        <p14:creationId xmlns:p14="http://schemas.microsoft.com/office/powerpoint/2010/main" val="2901178028"/>
       </p:ext>
     </p:extLst>
   </p:cSld>
@@ -7527,12 +7527,7 @@
             <p:ph type="sldImg"/>
           </p:nvPr>
         </p:nvSpPr>
-        <p:spPr>
-          <a:xfrm>
-            <a:off x="381000" y="685800"/>
-            <a:ext cx="6096000" cy="3429000"/>
-          </a:xfrm>
-        </p:spPr>
+        <p:spPr/>
       </p:sp>
       <p:sp>
         <p:nvSpPr>
@@ -7549,79 +7544,7 @@
           <a:bodyPr/>
           <a:lstStyle/>
           <a:p>
-            <a:pPr marL="0" indent="0">
-              <a:buNone/>
-            </a:pPr>
-            <a:r>
-              <a:rPr lang="ru-RU" sz="1200" dirty="0"/>
-              <a:t>Пете для решения задачи надо написать класс </a:t>
-            </a:r>
-            <a:r>
-              <a:rPr lang="en-US" sz="1200" dirty="0" err="1">
-                <a:latin typeface="Consolas" panose="020B0609020204030204" pitchFamily="49" charset="0"/>
-              </a:rPr>
-              <a:t>ProductValidator</a:t>
-            </a:r>
-            <a:endParaRPr lang="ru-RU" sz="1200" dirty="0"/>
-          </a:p>
-          <a:p>
-            <a:pPr marL="0" indent="0">
-              <a:buNone/>
-            </a:pPr>
-            <a:r>
-              <a:rPr lang="ru-RU" sz="1200" dirty="0"/>
-              <a:t>Он не поленился и нашел код, решающий похожую проблему в классе </a:t>
-            </a:r>
-            <a:r>
-              <a:rPr lang="en-US" sz="1200" dirty="0" err="1"/>
-              <a:t>ProviderProcessor</a:t>
-            </a:r>
-            <a:r>
-              <a:rPr lang="ru-RU" sz="1200" dirty="0"/>
-              <a:t>, но это </a:t>
-            </a:r>
-            <a:r>
-              <a:rPr lang="en-US" sz="1200" dirty="0"/>
-              <a:t>legacy…</a:t>
-            </a:r>
-          </a:p>
-          <a:p>
-            <a:pPr marL="0" indent="0">
-              <a:buNone/>
-            </a:pPr>
-            <a:r>
-              <a:rPr lang="ru-RU" sz="1200" kern="1200" dirty="0">
-                <a:solidFill>
-                  <a:schemeClr val="tx1"/>
-                </a:solidFill>
-                <a:latin typeface="+mn-lt"/>
-                <a:ea typeface="+mn-ea"/>
-                <a:cs typeface="+mn-cs"/>
-              </a:rPr>
-              <a:t>Петя знал про Правило Бойскаута и поэтому решил не просто решить свою задачу, но и написать тесты на </a:t>
-            </a:r>
-            <a:r>
-              <a:rPr lang="en-US" sz="1200" kern="1200" dirty="0" err="1">
-                <a:solidFill>
-                  <a:schemeClr val="tx1"/>
-                </a:solidFill>
-                <a:latin typeface="+mn-lt"/>
-                <a:ea typeface="+mn-ea"/>
-                <a:cs typeface="+mn-cs"/>
-              </a:rPr>
-              <a:t>ProviderProcessor</a:t>
-            </a:r>
-            <a:endParaRPr lang="en-US" sz="1200" kern="1200" dirty="0">
-              <a:solidFill>
-                <a:schemeClr val="tx1"/>
-              </a:solidFill>
-              <a:latin typeface="+mn-lt"/>
-              <a:ea typeface="+mn-ea"/>
-              <a:cs typeface="+mn-cs"/>
-            </a:endParaRPr>
-          </a:p>
-          <a:p>
-            <a:endParaRPr lang="ru-RU" dirty="0"/>
+            <a:endParaRPr lang="en-US" dirty="0"/>
           </a:p>
         </p:txBody>
       </p:sp>
@@ -7642,7 +7565,7 @@
           <a:p>
             <a:fld id="{3BAECB10-9972-4830-A584-02C41DAFD45B}" type="slidenum">
               <a:rPr lang="ru-RU" smtClean="0"/>
-              <a:t>15</a:t>
+              <a:t>9</a:t>
             </a:fld>
             <a:endParaRPr lang="ru-RU" dirty="0"/>
           </a:p>
@@ -7651,7 +7574,7 @@
     </p:spTree>
     <p:extLst>
       <p:ext uri="{BB962C8B-B14F-4D97-AF65-F5344CB8AC3E}">
-        <p14:creationId xmlns:p14="http://schemas.microsoft.com/office/powerpoint/2010/main" val="1211189270"/>
+        <p14:creationId xmlns:p14="http://schemas.microsoft.com/office/powerpoint/2010/main" val="2274174158"/>
       </p:ext>
     </p:extLst>
   </p:cSld>
@@ -7715,24 +7638,15 @@
             </a:pPr>
             <a:r>
               <a:rPr lang="ru-RU" sz="1200" dirty="0"/>
-              <a:t>Петя отдал задачу на ручное тестирование,</a:t>
-            </a:r>
-            <a:br>
-              <a:rPr lang="ru-RU" sz="1200" dirty="0"/>
-            </a:br>
-            <a:r>
-              <a:rPr lang="ru-RU" sz="1200" dirty="0"/>
-              <a:t>не забыв предупредить о своем </a:t>
-            </a:r>
-            <a:r>
-              <a:rPr lang="ru-RU" sz="1200" dirty="0" err="1"/>
-              <a:t>рефакторинге</a:t>
-            </a:r>
-            <a:r>
-              <a:rPr lang="ru-RU" sz="1200" dirty="0"/>
-              <a:t>.</a:t>
-            </a:r>
-            <a:endParaRPr lang="en-US" dirty="0"/>
+              <a:t>Пете для решения задачи надо написать класс </a:t>
+            </a:r>
+            <a:r>
+              <a:rPr lang="en-US" sz="1200" dirty="0" err="1">
+                <a:latin typeface="Consolas" panose="020B0609020204030204" pitchFamily="49" charset="0"/>
+              </a:rPr>
+              <a:t>ProductValidator</a:t>
+            </a:r>
+            <a:endParaRPr lang="ru-RU" sz="1200" dirty="0"/>
           </a:p>
           <a:p>
             <a:pPr marL="0" indent="0">
@@ -7740,33 +7654,55 @@
             </a:pPr>
             <a:r>
               <a:rPr lang="ru-RU" sz="1200" dirty="0"/>
-              <a:t>Но вскоре в его решении нашли баг и описали сценарий.</a:t>
-            </a:r>
-            <a:endParaRPr lang="en-US" sz="1200" dirty="0"/>
+              <a:t>Он не поленился и нашел код, решающий похожую проблему в классе </a:t>
+            </a:r>
+            <a:r>
+              <a:rPr lang="en-US" sz="1200" dirty="0" err="1"/>
+              <a:t>ProviderProcessor</a:t>
+            </a:r>
+            <a:r>
+              <a:rPr lang="ru-RU" sz="1200" dirty="0"/>
+              <a:t>, но это </a:t>
+            </a:r>
+            <a:r>
+              <a:rPr lang="en-US" sz="1200" dirty="0"/>
+              <a:t>legacy…</a:t>
+            </a:r>
           </a:p>
           <a:p>
             <a:pPr marL="0" indent="0">
               <a:buNone/>
             </a:pPr>
             <a:r>
-              <a:rPr lang="ru-RU" sz="1200" dirty="0"/>
-              <a:t>Вместе с тестировщиком Петя написал тест по этому сценарию. Он в папке </a:t>
-            </a:r>
-            <a:r>
-              <a:rPr lang="en-US" sz="1200" dirty="0" err="1"/>
-              <a:t>DoNotOpen</a:t>
-            </a:r>
-            <a:r>
-              <a:rPr lang="en-US" sz="1200" dirty="0"/>
-              <a:t>.</a:t>
-            </a:r>
-            <a:endParaRPr lang="ru-RU" sz="1200" dirty="0"/>
-          </a:p>
-          <a:p>
-            <a:pPr marL="0" indent="0">
-              <a:buNone/>
-            </a:pPr>
-            <a:endParaRPr lang="ru-RU" sz="1200" dirty="0"/>
+              <a:rPr lang="ru-RU" sz="1200" kern="1200" dirty="0">
+                <a:solidFill>
+                  <a:schemeClr val="tx1"/>
+                </a:solidFill>
+                <a:latin typeface="+mn-lt"/>
+                <a:ea typeface="+mn-ea"/>
+                <a:cs typeface="+mn-cs"/>
+              </a:rPr>
+              <a:t>Петя знал про Правило Бойскаута и поэтому решил не просто решить свою задачу, но и написать тесты на </a:t>
+            </a:r>
+            <a:r>
+              <a:rPr lang="en-US" sz="1200" kern="1200" dirty="0" err="1">
+                <a:solidFill>
+                  <a:schemeClr val="tx1"/>
+                </a:solidFill>
+                <a:latin typeface="+mn-lt"/>
+                <a:ea typeface="+mn-ea"/>
+                <a:cs typeface="+mn-cs"/>
+              </a:rPr>
+              <a:t>ProviderProcessor</a:t>
+            </a:r>
+            <a:endParaRPr lang="en-US" sz="1200" kern="1200" dirty="0">
+              <a:solidFill>
+                <a:schemeClr val="tx1"/>
+              </a:solidFill>
+              <a:latin typeface="+mn-lt"/>
+              <a:ea typeface="+mn-ea"/>
+              <a:cs typeface="+mn-cs"/>
+            </a:endParaRPr>
           </a:p>
           <a:p>
             <a:endParaRPr lang="ru-RU" dirty="0"/>
@@ -7790,6 +7726,154 @@
           <a:p>
             <a:fld id="{3BAECB10-9972-4830-A584-02C41DAFD45B}" type="slidenum">
               <a:rPr lang="ru-RU" smtClean="0"/>
+              <a:t>15</a:t>
+            </a:fld>
+            <a:endParaRPr lang="ru-RU" dirty="0"/>
+          </a:p>
+        </p:txBody>
+      </p:sp>
+    </p:spTree>
+    <p:extLst>
+      <p:ext uri="{BB962C8B-B14F-4D97-AF65-F5344CB8AC3E}">
+        <p14:creationId xmlns:p14="http://schemas.microsoft.com/office/powerpoint/2010/main" val="1211189270"/>
+      </p:ext>
+    </p:extLst>
+  </p:cSld>
+  <p:clrMapOvr>
+    <a:masterClrMapping/>
+  </p:clrMapOvr>
+</p:notes>
+</file>
+
+<file path=ppt/notesSlides/notesSlide4.xml><?xml version="1.0" encoding="utf-8"?>
+<p:notes xmlns:a="http://schemas.openxmlformats.org/drawingml/2006/main" xmlns:r="http://schemas.openxmlformats.org/officeDocument/2006/relationships" xmlns:p="http://schemas.openxmlformats.org/presentationml/2006/main">
+  <p:cSld>
+    <p:spTree>
+      <p:nvGrpSpPr>
+        <p:cNvPr id="1" name=""/>
+        <p:cNvGrpSpPr/>
+        <p:nvPr/>
+      </p:nvGrpSpPr>
+      <p:grpSpPr>
+        <a:xfrm>
+          <a:off x="0" y="0"/>
+          <a:ext cx="0" cy="0"/>
+          <a:chOff x="0" y="0"/>
+          <a:chExt cx="0" cy="0"/>
+        </a:xfrm>
+      </p:grpSpPr>
+      <p:sp>
+        <p:nvSpPr>
+          <p:cNvPr id="2" name="Образ слайда 1"/>
+          <p:cNvSpPr>
+            <a:spLocks noGrp="1" noRot="1" noChangeAspect="1"/>
+          </p:cNvSpPr>
+          <p:nvPr>
+            <p:ph type="sldImg"/>
+          </p:nvPr>
+        </p:nvSpPr>
+        <p:spPr>
+          <a:xfrm>
+            <a:off x="381000" y="685800"/>
+            <a:ext cx="6096000" cy="3429000"/>
+          </a:xfrm>
+        </p:spPr>
+      </p:sp>
+      <p:sp>
+        <p:nvSpPr>
+          <p:cNvPr id="3" name="Заметки 2"/>
+          <p:cNvSpPr>
+            <a:spLocks noGrp="1"/>
+          </p:cNvSpPr>
+          <p:nvPr>
+            <p:ph type="body" idx="1"/>
+          </p:nvPr>
+        </p:nvSpPr>
+        <p:spPr/>
+        <p:txBody>
+          <a:bodyPr/>
+          <a:lstStyle/>
+          <a:p>
+            <a:pPr marL="0" indent="0">
+              <a:buNone/>
+            </a:pPr>
+            <a:r>
+              <a:rPr lang="ru-RU" sz="1200" dirty="0"/>
+              <a:t>Петя отдал задачу на ручное тестирование,</a:t>
+            </a:r>
+            <a:br>
+              <a:rPr lang="ru-RU" sz="1200" dirty="0"/>
+            </a:br>
+            <a:r>
+              <a:rPr lang="ru-RU" sz="1200" dirty="0"/>
+              <a:t>не забыв предупредить о своем </a:t>
+            </a:r>
+            <a:r>
+              <a:rPr lang="ru-RU" sz="1200" dirty="0" err="1"/>
+              <a:t>рефакторинге</a:t>
+            </a:r>
+            <a:r>
+              <a:rPr lang="ru-RU" sz="1200" dirty="0"/>
+              <a:t>.</a:t>
+            </a:r>
+            <a:endParaRPr lang="en-US" dirty="0"/>
+          </a:p>
+          <a:p>
+            <a:pPr marL="0" indent="0">
+              <a:buNone/>
+            </a:pPr>
+            <a:r>
+              <a:rPr lang="ru-RU" sz="1200" dirty="0"/>
+              <a:t>Но вскоре в его решении нашли баг и описали сценарий.</a:t>
+            </a:r>
+            <a:endParaRPr lang="en-US" sz="1200" dirty="0"/>
+          </a:p>
+          <a:p>
+            <a:pPr marL="0" indent="0">
+              <a:buNone/>
+            </a:pPr>
+            <a:r>
+              <a:rPr lang="ru-RU" sz="1200" dirty="0"/>
+              <a:t>Вместе с тестировщиком Петя написал тест по этому сценарию. Он в папке </a:t>
+            </a:r>
+            <a:r>
+              <a:rPr lang="en-US" sz="1200" dirty="0" err="1"/>
+              <a:t>DoNotOpen</a:t>
+            </a:r>
+            <a:r>
+              <a:rPr lang="en-US" sz="1200" dirty="0"/>
+              <a:t>.</a:t>
+            </a:r>
+            <a:endParaRPr lang="ru-RU" sz="1200" dirty="0"/>
+          </a:p>
+          <a:p>
+            <a:pPr marL="0" indent="0">
+              <a:buNone/>
+            </a:pPr>
+            <a:endParaRPr lang="ru-RU" sz="1200" dirty="0"/>
+          </a:p>
+          <a:p>
+            <a:endParaRPr lang="ru-RU" dirty="0"/>
+          </a:p>
+        </p:txBody>
+      </p:sp>
+      <p:sp>
+        <p:nvSpPr>
+          <p:cNvPr id="4" name="Номер слайда 3"/>
+          <p:cNvSpPr>
+            <a:spLocks noGrp="1"/>
+          </p:cNvSpPr>
+          <p:nvPr>
+            <p:ph type="sldNum" sz="quarter" idx="10"/>
+          </p:nvPr>
+        </p:nvSpPr>
+        <p:spPr/>
+        <p:txBody>
+          <a:bodyPr/>
+          <a:lstStyle/>
+          <a:p>
+            <a:fld id="{3BAECB10-9972-4830-A584-02C41DAFD45B}" type="slidenum">
+              <a:rPr lang="ru-RU" smtClean="0"/>
               <a:t>16</a:t>
             </a:fld>
             <a:endParaRPr lang="ru-RU" dirty="0"/>
@@ -7809,7 +7893,7 @@
 </p:notes>
 </file>
 
-<file path=ppt/notesSlides/notesSlide4.xml><?xml version="1.0" encoding="utf-8"?>
+<file path=ppt/notesSlides/notesSlide5.xml><?xml version="1.0" encoding="utf-8"?>
 <p:notes xmlns:a="http://schemas.openxmlformats.org/drawingml/2006/main" xmlns:r="http://schemas.openxmlformats.org/officeDocument/2006/relationships" xmlns:p="http://schemas.openxmlformats.org/presentationml/2006/main">
   <p:cSld>
     <p:spTree>
@@ -12176,15 +12260,7 @@
           <a:p>
             <a:r>
               <a:rPr lang="ru-RU" dirty="0"/>
-              <a:t>Добавить </a:t>
-            </a:r>
-            <a:r>
-              <a:rPr lang="ru-RU" dirty="0" err="1"/>
-              <a:t>логгирования</a:t>
-            </a:r>
-            <a:r>
-              <a:rPr lang="ru-RU" dirty="0"/>
-              <a:t> и запомнить лог</a:t>
+              <a:t>Добавить логирования и запомнить лог</a:t>
             </a:r>
           </a:p>
           <a:p>
@@ -12552,53 +12628,6 @@
               <a:t>IValueConverter</a:t>
             </a:r>
             <a:endParaRPr lang="ru-RU" sz="2400" dirty="0"/>
-          </a:p>
-          <a:p>
-            <a:pPr marL="342900" indent="-342900">
-              <a:buFont typeface="Arial" panose="020B0604020202020204" pitchFamily="34" charset="0"/>
-              <a:buChar char="•"/>
-            </a:pPr>
-            <a:r>
-              <a:rPr lang="ru-RU" sz="2400" dirty="0"/>
-              <a:t>Массово </a:t>
-            </a:r>
-            <a:r>
-              <a:rPr lang="ru-RU" sz="2400" dirty="0" err="1"/>
-              <a:t>заапрувить</a:t>
-            </a:r>
-            <a:r>
-              <a:rPr lang="ru-RU" sz="2400" dirty="0"/>
-              <a:t> тесты можно, используя</a:t>
-            </a:r>
-            <a:r>
-              <a:rPr lang="en-US" sz="2400" dirty="0"/>
-              <a:t> </a:t>
-            </a:r>
-            <a:r>
-              <a:rPr lang="en-US" sz="2400" dirty="0" err="1">
-                <a:hlinkClick r:id="rId2"/>
-              </a:rPr>
-              <a:t>ClipboardReporter</a:t>
-            </a:r>
-            <a:r>
-              <a:rPr lang="ru-RU" sz="2400" dirty="0"/>
-              <a:t> или написав свой</a:t>
-            </a:r>
-            <a:r>
-              <a:rPr lang="en-US" sz="2400" dirty="0"/>
-              <a:t> </a:t>
-            </a:r>
-            <a:r>
-              <a:rPr lang="en-US" sz="2400" dirty="0" err="1">
-                <a:hlinkClick r:id="rId3"/>
-              </a:rPr>
-              <a:t>AutoApprover</a:t>
-            </a:r>
-            <a:r>
-              <a:rPr lang="en-US" sz="2400"/>
-              <a:t> Reporter</a:t>
-            </a:r>
-            <a:endParaRPr lang="en-US" sz="2400" dirty="0"/>
           </a:p>
         </p:txBody>
       </p:sp>
@@ -14722,7 +14751,7 @@
             </a:br>
             <a:r>
               <a:rPr lang="ru-RU" dirty="0"/>
-              <a:t>в тестовом наследнике.</a:t>
+              <a:t>в тестовом наследнике</a:t>
             </a:r>
             <a:endParaRPr lang="en-US" dirty="0"/>
           </a:p>
@@ -14963,14 +14992,14 @@
           <a:lstStyle/>
           <a:p>
             <a:r>
-              <a:rPr lang="en-US" cap="none" dirty="0"/>
+              <a:rPr lang="en-US" dirty="0"/>
               <a:t>Samples / </a:t>
             </a:r>
             <a:r>
-              <a:rPr lang="en-US" cap="none" dirty="0" err="1"/>
+              <a:rPr lang="en-US" dirty="0" err="1"/>
               <a:t>ApprovalsDemo.cs</a:t>
             </a:r>
-            <a:endParaRPr lang="en-US" cap="none" dirty="0"/>
+            <a:endParaRPr lang="en-US" dirty="0"/>
           </a:p>
         </p:txBody>
       </p:sp>
@@ -15095,45 +15124,13 @@
         </p:nvSpPr>
         <p:spPr/>
         <p:txBody>
-          <a:bodyPr>
-            <a:normAutofit/>
-          </a:bodyPr>
+          <a:bodyPr/>
           <a:lstStyle/>
           <a:p>
-            <a:pPr algn="l"/>
-            <a:br>
-              <a:rPr lang="ru-RU" sz="3200" cap="none" dirty="0"/>
-            </a:br>
-            <a:br>
-              <a:rPr lang="ru-RU" sz="3200" cap="none" dirty="0"/>
-            </a:br>
-            <a:r>
-              <a:rPr lang="en-US" sz="3200" cap="none" dirty="0"/>
-              <a:t>Samples /</a:t>
-            </a:r>
-            <a:br>
-              <a:rPr lang="ru-RU" sz="3200" cap="none" dirty="0"/>
-            </a:br>
-            <a:r>
-              <a:rPr lang="ru-RU" sz="3200" cap="none" dirty="0"/>
-              <a:t>		</a:t>
-            </a:r>
-            <a:r>
-              <a:rPr lang="en-US" sz="3200" cap="none" dirty="0" err="1"/>
-              <a:t>TortoiseGitDiffReporter.cs</a:t>
-            </a:r>
-            <a:br>
-              <a:rPr lang="ru-RU" sz="3200" cap="none" dirty="0"/>
-            </a:br>
-            <a:r>
-              <a:rPr lang="ru-RU" sz="3200" cap="none" dirty="0"/>
-              <a:t>		</a:t>
-            </a:r>
-            <a:r>
-              <a:rPr lang="en-US" sz="3200" cap="none" dirty="0" err="1"/>
-              <a:t>TeamCityVerboseReporter.cs</a:t>
-            </a:r>
-            <a:endParaRPr lang="en-US" sz="3200" cap="none" dirty="0"/>
+            <a:r>
+              <a:rPr lang="en-US" dirty="0"/>
+              <a:t>Samples / Reporters</a:t>
+            </a:r>
           </a:p>
         </p:txBody>
       </p:sp>
@@ -15146,7 +15143,7 @@
           <p:nvPr/>
         </p:nvPicPr>
         <p:blipFill>
-          <a:blip r:embed="rId2" cstate="print">
+          <a:blip r:embed="rId3" cstate="print">
             <a:duotone>
               <a:schemeClr val="accent1">
                 <a:shade val="45000"/>
@@ -15188,7 +15185,7 @@
     </p:spTree>
     <p:extLst>
       <p:ext uri="{BB962C8B-B14F-4D97-AF65-F5344CB8AC3E}">
-        <p14:creationId xmlns:p14="http://schemas.microsoft.com/office/powerpoint/2010/main" val="2292915017"/>
+        <p14:creationId xmlns:p14="http://schemas.microsoft.com/office/powerpoint/2010/main" val="1436450571"/>
       </p:ext>
     </p:extLst>
   </p:cSld>
@@ -15231,14 +15228,14 @@
           <a:lstStyle/>
           <a:p>
             <a:r>
-              <a:rPr lang="en-US" cap="none" dirty="0"/>
+              <a:rPr lang="en-US" dirty="0"/>
               <a:t>Samples / </a:t>
             </a:r>
             <a:r>
-              <a:rPr lang="en-US" cap="none" dirty="0" err="1"/>
+              <a:rPr lang="en-US" dirty="0" err="1"/>
               <a:t>PairwiseDemo.cs</a:t>
             </a:r>
-            <a:endParaRPr lang="en-US" cap="none" dirty="0"/>
+            <a:endParaRPr lang="en-US" dirty="0"/>
           </a:p>
         </p:txBody>
       </p:sp>

--- a/legacy.pptx
+++ b/legacy.pptx
@@ -2500,6 +2500,13 @@
         </dgm:presLayoutVars>
       </dgm:prSet>
       <dgm:spPr/>
+      <dgm:t>
+        <a:bodyPr/>
+        <a:lstStyle/>
+        <a:p>
+          <a:endParaRPr lang="ru-RU"/>
+        </a:p>
+      </dgm:t>
     </dgm:pt>
     <dgm:pt modelId="{CF6D50B3-578A-4EA0-A5A0-492FA729F6ED}" type="pres">
       <dgm:prSet presAssocID="{B75F6A3A-9A51-4DF3-8A57-9AEB0739425C}" presName="composite" presStyleCnt="0"/>
@@ -2512,6 +2519,13 @@
         </dgm:presLayoutVars>
       </dgm:prSet>
       <dgm:spPr/>
+      <dgm:t>
+        <a:bodyPr/>
+        <a:lstStyle/>
+        <a:p>
+          <a:endParaRPr lang="ru-RU"/>
+        </a:p>
+      </dgm:t>
     </dgm:pt>
     <dgm:pt modelId="{61EB78D8-69FF-471D-8FEB-71388C442F55}" type="pres">
       <dgm:prSet presAssocID="{B75F6A3A-9A51-4DF3-8A57-9AEB0739425C}" presName="rect1" presStyleLbl="alignImgPlace1" presStyleIdx="0" presStyleCnt="1" custScaleX="596594" custScaleY="114980" custLinFactX="-64576" custLinFactNeighborX="-100000" custLinFactNeighborY="-13065"/>
@@ -2533,9 +2547,9 @@
     </dgm:pt>
   </dgm:ptLst>
   <dgm:cxnLst>
+    <dgm:cxn modelId="{017518C9-1619-4B19-AA03-86BA999BA287}" srcId="{EAB81984-5B84-4970-8447-2B456B8C58DF}" destId="{B75F6A3A-9A51-4DF3-8A57-9AEB0739425C}" srcOrd="0" destOrd="0" parTransId="{203596AF-4F49-40BA-B1E1-11BDD34B512E}" sibTransId="{A056157B-3867-49A4-9195-F3A4F3FBBA8E}"/>
     <dgm:cxn modelId="{1CEAA455-5BF4-4666-95B8-390900AB8124}" type="presOf" srcId="{EAB81984-5B84-4970-8447-2B456B8C58DF}" destId="{3A252E36-3D7E-49E5-B812-EE4CACF0D5CF}" srcOrd="0" destOrd="0" presId="urn:microsoft.com/office/officeart/2008/layout/PictureGrid"/>
     <dgm:cxn modelId="{147A14B3-96E8-4139-969B-9DB1BCB4D95E}" type="presOf" srcId="{B75F6A3A-9A51-4DF3-8A57-9AEB0739425C}" destId="{B29ABF60-EC0F-45AD-A90E-9C76D15C2F14}" srcOrd="0" destOrd="0" presId="urn:microsoft.com/office/officeart/2008/layout/PictureGrid"/>
-    <dgm:cxn modelId="{017518C9-1619-4B19-AA03-86BA999BA287}" srcId="{EAB81984-5B84-4970-8447-2B456B8C58DF}" destId="{B75F6A3A-9A51-4DF3-8A57-9AEB0739425C}" srcOrd="0" destOrd="0" parTransId="{203596AF-4F49-40BA-B1E1-11BDD34B512E}" sibTransId="{A056157B-3867-49A4-9195-F3A4F3FBBA8E}"/>
     <dgm:cxn modelId="{D3458AFA-605E-43EE-8C8A-0E0C1E3CD931}" type="presParOf" srcId="{3A252E36-3D7E-49E5-B812-EE4CACF0D5CF}" destId="{CF6D50B3-578A-4EA0-A5A0-492FA729F6ED}" srcOrd="0" destOrd="0" presId="urn:microsoft.com/office/officeart/2008/layout/PictureGrid"/>
     <dgm:cxn modelId="{9835F3F3-3E30-4AC4-AD89-BC095FA9A878}" type="presParOf" srcId="{CF6D50B3-578A-4EA0-A5A0-492FA729F6ED}" destId="{B29ABF60-EC0F-45AD-A90E-9C76D15C2F14}" srcOrd="0" destOrd="0" presId="urn:microsoft.com/office/officeart/2008/layout/PictureGrid"/>
     <dgm:cxn modelId="{70FA379F-7827-49B9-806E-1FD72CAE8F89}" type="presParOf" srcId="{CF6D50B3-578A-4EA0-A5A0-492FA729F6ED}" destId="{61EB78D8-69FF-471D-8FEB-71388C442F55}" srcOrd="1" destOrd="0" presId="urn:microsoft.com/office/officeart/2008/layout/PictureGrid"/>
@@ -2607,6 +2621,13 @@
         </dgm:presLayoutVars>
       </dgm:prSet>
       <dgm:spPr/>
+      <dgm:t>
+        <a:bodyPr/>
+        <a:lstStyle/>
+        <a:p>
+          <a:endParaRPr lang="ru-RU"/>
+        </a:p>
+      </dgm:t>
     </dgm:pt>
     <dgm:pt modelId="{CF6D50B3-578A-4EA0-A5A0-492FA729F6ED}" type="pres">
       <dgm:prSet presAssocID="{B75F6A3A-9A51-4DF3-8A57-9AEB0739425C}" presName="composite" presStyleCnt="0"/>
@@ -2619,6 +2640,13 @@
         </dgm:presLayoutVars>
       </dgm:prSet>
       <dgm:spPr/>
+      <dgm:t>
+        <a:bodyPr/>
+        <a:lstStyle/>
+        <a:p>
+          <a:endParaRPr lang="ru-RU"/>
+        </a:p>
+      </dgm:t>
     </dgm:pt>
     <dgm:pt modelId="{61EB78D8-69FF-471D-8FEB-71388C442F55}" type="pres">
       <dgm:prSet presAssocID="{B75F6A3A-9A51-4DF3-8A57-9AEB0739425C}" presName="rect1" presStyleLbl="alignImgPlace1" presStyleIdx="0" presStyleCnt="1" custScaleX="596594" custScaleY="114980" custLinFactX="-64576" custLinFactNeighborX="-100000" custLinFactNeighborY="-13065"/>
@@ -2640,9 +2668,9 @@
     </dgm:pt>
   </dgm:ptLst>
   <dgm:cxnLst>
+    <dgm:cxn modelId="{017518C9-1619-4B19-AA03-86BA999BA287}" srcId="{EAB81984-5B84-4970-8447-2B456B8C58DF}" destId="{B75F6A3A-9A51-4DF3-8A57-9AEB0739425C}" srcOrd="0" destOrd="0" parTransId="{203596AF-4F49-40BA-B1E1-11BDD34B512E}" sibTransId="{A056157B-3867-49A4-9195-F3A4F3FBBA8E}"/>
     <dgm:cxn modelId="{1CEAA455-5BF4-4666-95B8-390900AB8124}" type="presOf" srcId="{EAB81984-5B84-4970-8447-2B456B8C58DF}" destId="{3A252E36-3D7E-49E5-B812-EE4CACF0D5CF}" srcOrd="0" destOrd="0" presId="urn:microsoft.com/office/officeart/2008/layout/PictureGrid"/>
     <dgm:cxn modelId="{147A14B3-96E8-4139-969B-9DB1BCB4D95E}" type="presOf" srcId="{B75F6A3A-9A51-4DF3-8A57-9AEB0739425C}" destId="{B29ABF60-EC0F-45AD-A90E-9C76D15C2F14}" srcOrd="0" destOrd="0" presId="urn:microsoft.com/office/officeart/2008/layout/PictureGrid"/>
-    <dgm:cxn modelId="{017518C9-1619-4B19-AA03-86BA999BA287}" srcId="{EAB81984-5B84-4970-8447-2B456B8C58DF}" destId="{B75F6A3A-9A51-4DF3-8A57-9AEB0739425C}" srcOrd="0" destOrd="0" parTransId="{203596AF-4F49-40BA-B1E1-11BDD34B512E}" sibTransId="{A056157B-3867-49A4-9195-F3A4F3FBBA8E}"/>
     <dgm:cxn modelId="{D3458AFA-605E-43EE-8C8A-0E0C1E3CD931}" type="presParOf" srcId="{3A252E36-3D7E-49E5-B812-EE4CACF0D5CF}" destId="{CF6D50B3-578A-4EA0-A5A0-492FA729F6ED}" srcOrd="0" destOrd="0" presId="urn:microsoft.com/office/officeart/2008/layout/PictureGrid"/>
     <dgm:cxn modelId="{9835F3F3-3E30-4AC4-AD89-BC095FA9A878}" type="presParOf" srcId="{CF6D50B3-578A-4EA0-A5A0-492FA729F6ED}" destId="{B29ABF60-EC0F-45AD-A90E-9C76D15C2F14}" srcOrd="0" destOrd="0" presId="urn:microsoft.com/office/officeart/2008/layout/PictureGrid"/>
     <dgm:cxn modelId="{70FA379F-7827-49B9-806E-1FD72CAE8F89}" type="presParOf" srcId="{CF6D50B3-578A-4EA0-A5A0-492FA729F6ED}" destId="{61EB78D8-69FF-471D-8FEB-71388C442F55}" srcOrd="1" destOrd="0" presId="urn:microsoft.com/office/officeart/2008/layout/PictureGrid"/>
@@ -2732,6 +2760,13 @@
         </dgm:presLayoutVars>
       </dgm:prSet>
       <dgm:spPr/>
+      <dgm:t>
+        <a:bodyPr/>
+        <a:lstStyle/>
+        <a:p>
+          <a:endParaRPr lang="ru-RU"/>
+        </a:p>
+      </dgm:t>
     </dgm:pt>
     <dgm:pt modelId="{65D73C51-61AB-436D-8191-975603FC9C68}" type="pres">
       <dgm:prSet presAssocID="{9C9C0585-42CE-4F34-A2BB-F1377DA03788}" presName="composite" presStyleCnt="0"/>
@@ -2744,6 +2779,13 @@
         </dgm:presLayoutVars>
       </dgm:prSet>
       <dgm:spPr/>
+      <dgm:t>
+        <a:bodyPr/>
+        <a:lstStyle/>
+        <a:p>
+          <a:endParaRPr lang="ru-RU"/>
+        </a:p>
+      </dgm:t>
     </dgm:pt>
     <dgm:pt modelId="{DFDA3CA3-5C68-4A2F-A4A8-285063A35D87}" type="pres">
       <dgm:prSet presAssocID="{9C9C0585-42CE-4F34-A2BB-F1377DA03788}" presName="rect1" presStyleLbl="alignImgPlace1" presStyleIdx="0" presStyleCnt="1" custScaleX="62421" custScaleY="62421" custLinFactNeighborX="1076" custLinFactNeighborY="-52209"/>
@@ -2768,8 +2810,8 @@
     </dgm:pt>
   </dgm:ptLst>
   <dgm:cxnLst>
+    <dgm:cxn modelId="{A177C822-7566-4410-A889-706A6CE15148}" srcId="{8F66C165-B39F-46D3-B19F-623799541DD3}" destId="{9C9C0585-42CE-4F34-A2BB-F1377DA03788}" srcOrd="0" destOrd="0" parTransId="{4E5DCF2B-AAE7-41E2-837F-518128C03597}" sibTransId="{56F70C7F-1925-4DBA-9BD6-AF5E91799A59}"/>
     <dgm:cxn modelId="{A9E27516-E8E4-42A7-A155-024D48E79559}" type="presOf" srcId="{8F66C165-B39F-46D3-B19F-623799541DD3}" destId="{B6F028CB-F170-4FEF-BC3A-25F0E90D434A}" srcOrd="0" destOrd="0" presId="urn:microsoft.com/office/officeart/2008/layout/PictureGrid"/>
-    <dgm:cxn modelId="{A177C822-7566-4410-A889-706A6CE15148}" srcId="{8F66C165-B39F-46D3-B19F-623799541DD3}" destId="{9C9C0585-42CE-4F34-A2BB-F1377DA03788}" srcOrd="0" destOrd="0" parTransId="{4E5DCF2B-AAE7-41E2-837F-518128C03597}" sibTransId="{56F70C7F-1925-4DBA-9BD6-AF5E91799A59}"/>
     <dgm:cxn modelId="{ACD53F50-5BA1-48C9-B5DF-09BF6DA4DE65}" type="presOf" srcId="{9C9C0585-42CE-4F34-A2BB-F1377DA03788}" destId="{A30F2283-C0A4-4A69-BCBE-833D967155A2}" srcOrd="0" destOrd="0" presId="urn:microsoft.com/office/officeart/2008/layout/PictureGrid"/>
     <dgm:cxn modelId="{CC189C1C-06A1-4F03-B886-67BF46A53703}" type="presParOf" srcId="{B6F028CB-F170-4FEF-BC3A-25F0E90D434A}" destId="{65D73C51-61AB-436D-8191-975603FC9C68}" srcOrd="0" destOrd="0" presId="urn:microsoft.com/office/officeart/2008/layout/PictureGrid"/>
     <dgm:cxn modelId="{CD7DB92E-B84F-43A0-AC2D-FBBFB40722EE}" type="presParOf" srcId="{65D73C51-61AB-436D-8191-975603FC9C68}" destId="{A30F2283-C0A4-4A69-BCBE-833D967155A2}" srcOrd="0" destOrd="0" presId="urn:microsoft.com/office/officeart/2008/layout/PictureGrid"/>
@@ -2830,7 +2872,7 @@
         </a:bodyPr>
         <a:lstStyle/>
         <a:p>
-          <a:pPr marL="0" lvl="0" indent="0" algn="l" defTabSz="222250">
+          <a:pPr lvl="0" algn="l" defTabSz="222250">
             <a:lnSpc>
               <a:spcPct val="90000"/>
             </a:lnSpc>
@@ -2840,7 +2882,6 @@
             <a:spcAft>
               <a:spcPct val="35000"/>
             </a:spcAft>
-            <a:buNone/>
           </a:pPr>
           <a:r>
             <a:rPr lang="ru-RU" sz="500" kern="1200" dirty="0"/>
@@ -2954,7 +2995,7 @@
         </a:bodyPr>
         <a:lstStyle/>
         <a:p>
-          <a:pPr marL="0" lvl="0" indent="0" algn="l" defTabSz="222250">
+          <a:pPr lvl="0" algn="l" defTabSz="222250">
             <a:lnSpc>
               <a:spcPct val="90000"/>
             </a:lnSpc>
@@ -2964,7 +3005,6 @@
             <a:spcAft>
               <a:spcPct val="35000"/>
             </a:spcAft>
-            <a:buNone/>
           </a:pPr>
           <a:r>
             <a:rPr lang="ru-RU" sz="500" kern="1200" dirty="0"/>
@@ -3078,7 +3118,7 @@
         </a:bodyPr>
         <a:lstStyle/>
         <a:p>
-          <a:pPr marL="0" lvl="0" indent="0" algn="ctr" defTabSz="1778000">
+          <a:pPr lvl="0" algn="ctr" defTabSz="1778000">
             <a:lnSpc>
               <a:spcPct val="90000"/>
             </a:lnSpc>
@@ -3088,7 +3128,6 @@
             <a:spcAft>
               <a:spcPct val="35000"/>
             </a:spcAft>
-            <a:buNone/>
           </a:pPr>
           <a:r>
             <a:rPr lang="ru-RU" sz="4000" kern="1200" dirty="0">
@@ -7149,7 +7188,7 @@
           <a:p>
             <a:fld id="{16E5F246-0B7D-44DF-8C1B-EDFCA5DA626A}" type="datetimeFigureOut">
               <a:rPr lang="ru-RU" smtClean="0"/>
-              <a:t>26.09.2017</a:t>
+              <a:t>16.12.2017</a:t>
             </a:fld>
             <a:endParaRPr lang="ru-RU" dirty="0"/>
           </a:p>
@@ -12209,6 +12248,13 @@
   <p:clrMapOvr>
     <a:masterClrMapping/>
   </p:clrMapOvr>
+  <p:timing>
+    <p:tnLst>
+      <p:par>
+        <p:cTn id="1" dur="indefinite" restart="never" nodeType="tmRoot"/>
+      </p:par>
+    </p:tnLst>
+  </p:timing>
 </p:sld>
 </file>
 
@@ -12303,6 +12349,13 @@
   <p:clrMapOvr>
     <a:masterClrMapping/>
   </p:clrMapOvr>
+  <p:timing>
+    <p:tnLst>
+      <p:par>
+        <p:cTn id="1" dur="indefinite" restart="never" nodeType="tmRoot"/>
+      </p:par>
+    </p:tnLst>
+  </p:timing>
 </p:sld>
 </file>
 
@@ -12423,6 +12476,186 @@
   <p:clrMapOvr>
     <a:masterClrMapping/>
   </p:clrMapOvr>
+  <p:timing>
+    <p:tnLst>
+      <p:par>
+        <p:cTn id="1" dur="indefinite" restart="never" nodeType="tmRoot">
+          <p:childTnLst>
+            <p:seq concurrent="1" nextAc="seek">
+              <p:cTn id="2" dur="indefinite" nodeType="mainSeq">
+                <p:childTnLst>
+                  <p:par>
+                    <p:cTn id="3" fill="hold">
+                      <p:stCondLst>
+                        <p:cond delay="indefinite"/>
+                      </p:stCondLst>
+                      <p:childTnLst>
+                        <p:par>
+                          <p:cTn id="4" fill="hold">
+                            <p:stCondLst>
+                              <p:cond delay="0"/>
+                            </p:stCondLst>
+                            <p:childTnLst>
+                              <p:par>
+                                <p:cTn id="5" presetID="1" presetClass="entr" presetSubtype="0" fill="hold" grpId="0" nodeType="clickEffect">
+                                  <p:stCondLst>
+                                    <p:cond delay="0"/>
+                                  </p:stCondLst>
+                                  <p:childTnLst>
+                                    <p:set>
+                                      <p:cBhvr>
+                                        <p:cTn id="6" dur="1" fill="hold">
+                                          <p:stCondLst>
+                                            <p:cond delay="0"/>
+                                          </p:stCondLst>
+                                        </p:cTn>
+                                        <p:tgtEl>
+                                          <p:spTgt spid="3">
+                                            <p:txEl>
+                                              <p:pRg st="1" end="1"/>
+                                            </p:txEl>
+                                          </p:spTgt>
+                                        </p:tgtEl>
+                                        <p:attrNameLst>
+                                          <p:attrName>style.visibility</p:attrName>
+                                        </p:attrNameLst>
+                                      </p:cBhvr>
+                                      <p:to>
+                                        <p:strVal val="visible"/>
+                                      </p:to>
+                                    </p:set>
+                                  </p:childTnLst>
+                                </p:cTn>
+                              </p:par>
+                            </p:childTnLst>
+                          </p:cTn>
+                        </p:par>
+                      </p:childTnLst>
+                    </p:cTn>
+                  </p:par>
+                  <p:par>
+                    <p:cTn id="7" fill="hold">
+                      <p:stCondLst>
+                        <p:cond delay="indefinite"/>
+                      </p:stCondLst>
+                      <p:childTnLst>
+                        <p:par>
+                          <p:cTn id="8" fill="hold">
+                            <p:stCondLst>
+                              <p:cond delay="0"/>
+                            </p:stCondLst>
+                            <p:childTnLst>
+                              <p:par>
+                                <p:cTn id="9" presetID="1" presetClass="entr" presetSubtype="0" fill="hold" grpId="0" nodeType="clickEffect">
+                                  <p:stCondLst>
+                                    <p:cond delay="0"/>
+                                  </p:stCondLst>
+                                  <p:childTnLst>
+                                    <p:set>
+                                      <p:cBhvr>
+                                        <p:cTn id="10" dur="1" fill="hold">
+                                          <p:stCondLst>
+                                            <p:cond delay="0"/>
+                                          </p:stCondLst>
+                                        </p:cTn>
+                                        <p:tgtEl>
+                                          <p:spTgt spid="3">
+                                            <p:txEl>
+                                              <p:pRg st="2" end="2"/>
+                                            </p:txEl>
+                                          </p:spTgt>
+                                        </p:tgtEl>
+                                        <p:attrNameLst>
+                                          <p:attrName>style.visibility</p:attrName>
+                                        </p:attrNameLst>
+                                      </p:cBhvr>
+                                      <p:to>
+                                        <p:strVal val="visible"/>
+                                      </p:to>
+                                    </p:set>
+                                  </p:childTnLst>
+                                </p:cTn>
+                              </p:par>
+                            </p:childTnLst>
+                          </p:cTn>
+                        </p:par>
+                      </p:childTnLst>
+                    </p:cTn>
+                  </p:par>
+                  <p:par>
+                    <p:cTn id="11" fill="hold">
+                      <p:stCondLst>
+                        <p:cond delay="indefinite"/>
+                      </p:stCondLst>
+                      <p:childTnLst>
+                        <p:par>
+                          <p:cTn id="12" fill="hold">
+                            <p:stCondLst>
+                              <p:cond delay="0"/>
+                            </p:stCondLst>
+                            <p:childTnLst>
+                              <p:par>
+                                <p:cTn id="13" presetID="1" presetClass="entr" presetSubtype="0" fill="hold" grpId="0" nodeType="clickEffect">
+                                  <p:stCondLst>
+                                    <p:cond delay="0"/>
+                                  </p:stCondLst>
+                                  <p:childTnLst>
+                                    <p:set>
+                                      <p:cBhvr>
+                                        <p:cTn id="14" dur="1" fill="hold">
+                                          <p:stCondLst>
+                                            <p:cond delay="0"/>
+                                          </p:stCondLst>
+                                        </p:cTn>
+                                        <p:tgtEl>
+                                          <p:spTgt spid="3">
+                                            <p:txEl>
+                                              <p:pRg st="3" end="3"/>
+                                            </p:txEl>
+                                          </p:spTgt>
+                                        </p:tgtEl>
+                                        <p:attrNameLst>
+                                          <p:attrName>style.visibility</p:attrName>
+                                        </p:attrNameLst>
+                                      </p:cBhvr>
+                                      <p:to>
+                                        <p:strVal val="visible"/>
+                                      </p:to>
+                                    </p:set>
+                                  </p:childTnLst>
+                                </p:cTn>
+                              </p:par>
+                            </p:childTnLst>
+                          </p:cTn>
+                        </p:par>
+                      </p:childTnLst>
+                    </p:cTn>
+                  </p:par>
+                </p:childTnLst>
+              </p:cTn>
+              <p:prevCondLst>
+                <p:cond evt="onPrev" delay="0">
+                  <p:tgtEl>
+                    <p:sldTgt/>
+                  </p:tgtEl>
+                </p:cond>
+              </p:prevCondLst>
+              <p:nextCondLst>
+                <p:cond evt="onNext" delay="0">
+                  <p:tgtEl>
+                    <p:sldTgt/>
+                  </p:tgtEl>
+                </p:cond>
+              </p:nextCondLst>
+            </p:seq>
+          </p:childTnLst>
+        </p:cTn>
+      </p:par>
+    </p:tnLst>
+    <p:bldLst>
+      <p:bldP spid="3" grpId="0" uiExpand="1" build="p"/>
+    </p:bldLst>
+  </p:timing>
 </p:sld>
 </file>
 
@@ -12479,6 +12712,13 @@
   <p:clrMapOvr>
     <a:masterClrMapping/>
   </p:clrMapOvr>
+  <p:timing>
+    <p:tnLst>
+      <p:par>
+        <p:cTn id="1" dur="indefinite" restart="never" nodeType="tmRoot"/>
+      </p:par>
+    </p:tnLst>
+  </p:timing>
 </p:sld>
 </file>
 
@@ -12678,6 +12918,13 @@
   <p:clrMapOvr>
     <a:masterClrMapping/>
   </p:clrMapOvr>
+  <p:timing>
+    <p:tnLst>
+      <p:par>
+        <p:cTn id="1" dur="indefinite" restart="never" nodeType="tmRoot"/>
+      </p:par>
+    </p:tnLst>
+  </p:timing>
 </p:sld>
 </file>
 
@@ -12845,6 +13092,13 @@
   <p:clrMapOvr>
     <a:masterClrMapping/>
   </p:clrMapOvr>
+  <p:timing>
+    <p:tnLst>
+      <p:par>
+        <p:cTn id="1" dur="indefinite" restart="never" nodeType="tmRoot"/>
+      </p:par>
+    </p:tnLst>
+  </p:timing>
 </p:sld>
 </file>
 
@@ -13501,7 +13755,12 @@
             <p:ph sz="quarter" idx="13"/>
           </p:nvPr>
         </p:nvSpPr>
-        <p:spPr/>
+        <p:spPr>
+          <a:xfrm>
+            <a:off x="1295400" y="1628779"/>
+            <a:ext cx="9601133" cy="5112589"/>
+          </a:xfrm>
+        </p:spPr>
         <p:txBody>
           <a:bodyPr>
             <a:normAutofit/>
@@ -13654,7 +13913,46 @@
               <a:rPr lang="ru-RU" sz="2400" dirty="0">
                 <a:latin typeface="+mn-lt"/>
               </a:rPr>
-              <a:t>надо сделать виртуальными</a:t>
+              <a:t>надо сделать </a:t>
+            </a:r>
+            <a:r>
+              <a:rPr lang="ru-RU" sz="2400" dirty="0" smtClean="0">
+                <a:latin typeface="+mn-lt"/>
+              </a:rPr>
+              <a:t>виртуальными</a:t>
+            </a:r>
+            <a:endParaRPr lang="en-US" sz="2400" dirty="0" smtClean="0">
+              <a:latin typeface="+mn-lt"/>
+            </a:endParaRPr>
+          </a:p>
+          <a:p>
+            <a:pPr marL="457200" indent="-457200">
+              <a:buFont typeface="Arial" panose="020B0604020202020204" pitchFamily="34" charset="0"/>
+              <a:buChar char="•"/>
+            </a:pPr>
+            <a:r>
+              <a:rPr lang="ru-RU" sz="2400" dirty="0" smtClean="0">
+                <a:latin typeface="+mn-lt"/>
+              </a:rPr>
+              <a:t>Заполните </a:t>
+            </a:r>
+            <a:r>
+              <a:rPr lang="en-US" sz="2400" dirty="0" smtClean="0">
+                <a:latin typeface="+mn-lt"/>
+              </a:rPr>
+              <a:t>Authors</a:t>
+            </a:r>
+            <a:r>
+              <a:rPr lang="ru-RU" sz="2400" dirty="0" smtClean="0">
+                <a:latin typeface="+mn-lt"/>
+              </a:rPr>
+              <a:t> в классе </a:t>
+            </a:r>
+            <a:r>
+              <a:rPr lang="en-US" sz="2400" dirty="0">
+                <a:latin typeface="+mn-lt"/>
+              </a:rPr>
+              <a:t>YourName</a:t>
             </a:r>
             <a:endParaRPr lang="en-US" sz="2400" dirty="0">
               <a:latin typeface="+mn-lt"/>
@@ -13709,6 +14007,13 @@
   <p:clrMapOvr>
     <a:masterClrMapping/>
   </p:clrMapOvr>
+  <p:timing>
+    <p:tnLst>
+      <p:par>
+        <p:cTn id="1" dur="indefinite" restart="never" nodeType="tmRoot"/>
+      </p:par>
+    </p:tnLst>
+  </p:timing>
 </p:sld>
 </file>
 
@@ -13887,6 +14192,359 @@
   <p:clrMapOvr>
     <a:masterClrMapping/>
   </p:clrMapOvr>
+  <p:timing>
+    <p:tnLst>
+      <p:par>
+        <p:cTn id="1" dur="indefinite" restart="never" nodeType="tmRoot">
+          <p:childTnLst>
+            <p:seq concurrent="1" nextAc="seek">
+              <p:cTn id="2" dur="indefinite" nodeType="mainSeq">
+                <p:childTnLst>
+                  <p:par>
+                    <p:cTn id="3" fill="hold">
+                      <p:stCondLst>
+                        <p:cond delay="indefinite"/>
+                      </p:stCondLst>
+                      <p:childTnLst>
+                        <p:par>
+                          <p:cTn id="4" fill="hold">
+                            <p:stCondLst>
+                              <p:cond delay="0"/>
+                            </p:stCondLst>
+                            <p:childTnLst>
+                              <p:par>
+                                <p:cTn id="5" presetID="1" presetClass="entr" presetSubtype="0" fill="hold" grpId="0" nodeType="clickEffect">
+                                  <p:stCondLst>
+                                    <p:cond delay="0"/>
+                                  </p:stCondLst>
+                                  <p:childTnLst>
+                                    <p:set>
+                                      <p:cBhvr>
+                                        <p:cTn id="6" dur="1" fill="hold">
+                                          <p:stCondLst>
+                                            <p:cond delay="0"/>
+                                          </p:stCondLst>
+                                        </p:cTn>
+                                        <p:tgtEl>
+                                          <p:spTgt spid="3">
+                                            <p:txEl>
+                                              <p:pRg st="2" end="2"/>
+                                            </p:txEl>
+                                          </p:spTgt>
+                                        </p:tgtEl>
+                                        <p:attrNameLst>
+                                          <p:attrName>style.visibility</p:attrName>
+                                        </p:attrNameLst>
+                                      </p:cBhvr>
+                                      <p:to>
+                                        <p:strVal val="visible"/>
+                                      </p:to>
+                                    </p:set>
+                                  </p:childTnLst>
+                                </p:cTn>
+                              </p:par>
+                              <p:par>
+                                <p:cTn id="7" presetID="1" presetClass="entr" presetSubtype="0" fill="hold" grpId="0" nodeType="withEffect">
+                                  <p:stCondLst>
+                                    <p:cond delay="0"/>
+                                  </p:stCondLst>
+                                  <p:childTnLst>
+                                    <p:set>
+                                      <p:cBhvr>
+                                        <p:cTn id="8" dur="1" fill="hold">
+                                          <p:stCondLst>
+                                            <p:cond delay="0"/>
+                                          </p:stCondLst>
+                                        </p:cTn>
+                                        <p:tgtEl>
+                                          <p:spTgt spid="3">
+                                            <p:txEl>
+                                              <p:pRg st="3" end="3"/>
+                                            </p:txEl>
+                                          </p:spTgt>
+                                        </p:tgtEl>
+                                        <p:attrNameLst>
+                                          <p:attrName>style.visibility</p:attrName>
+                                        </p:attrNameLst>
+                                      </p:cBhvr>
+                                      <p:to>
+                                        <p:strVal val="visible"/>
+                                      </p:to>
+                                    </p:set>
+                                  </p:childTnLst>
+                                </p:cTn>
+                              </p:par>
+                            </p:childTnLst>
+                          </p:cTn>
+                        </p:par>
+                      </p:childTnLst>
+                    </p:cTn>
+                  </p:par>
+                  <p:par>
+                    <p:cTn id="9" fill="hold">
+                      <p:stCondLst>
+                        <p:cond delay="indefinite"/>
+                      </p:stCondLst>
+                      <p:childTnLst>
+                        <p:par>
+                          <p:cTn id="10" fill="hold">
+                            <p:stCondLst>
+                              <p:cond delay="0"/>
+                            </p:stCondLst>
+                            <p:childTnLst>
+                              <p:par>
+                                <p:cTn id="11" presetID="1" presetClass="entr" presetSubtype="0" fill="hold" grpId="0" nodeType="clickEffect">
+                                  <p:stCondLst>
+                                    <p:cond delay="0"/>
+                                  </p:stCondLst>
+                                  <p:childTnLst>
+                                    <p:set>
+                                      <p:cBhvr>
+                                        <p:cTn id="12" dur="1" fill="hold">
+                                          <p:stCondLst>
+                                            <p:cond delay="0"/>
+                                          </p:stCondLst>
+                                        </p:cTn>
+                                        <p:tgtEl>
+                                          <p:spTgt spid="3">
+                                            <p:txEl>
+                                              <p:pRg st="4" end="4"/>
+                                            </p:txEl>
+                                          </p:spTgt>
+                                        </p:tgtEl>
+                                        <p:attrNameLst>
+                                          <p:attrName>style.visibility</p:attrName>
+                                        </p:attrNameLst>
+                                      </p:cBhvr>
+                                      <p:to>
+                                        <p:strVal val="visible"/>
+                                      </p:to>
+                                    </p:set>
+                                  </p:childTnLst>
+                                </p:cTn>
+                              </p:par>
+                              <p:par>
+                                <p:cTn id="13" presetID="1" presetClass="entr" presetSubtype="0" fill="hold" grpId="0" nodeType="withEffect">
+                                  <p:stCondLst>
+                                    <p:cond delay="0"/>
+                                  </p:stCondLst>
+                                  <p:childTnLst>
+                                    <p:set>
+                                      <p:cBhvr>
+                                        <p:cTn id="14" dur="1" fill="hold">
+                                          <p:stCondLst>
+                                            <p:cond delay="0"/>
+                                          </p:stCondLst>
+                                        </p:cTn>
+                                        <p:tgtEl>
+                                          <p:spTgt spid="3">
+                                            <p:txEl>
+                                              <p:pRg st="5" end="5"/>
+                                            </p:txEl>
+                                          </p:spTgt>
+                                        </p:tgtEl>
+                                        <p:attrNameLst>
+                                          <p:attrName>style.visibility</p:attrName>
+                                        </p:attrNameLst>
+                                      </p:cBhvr>
+                                      <p:to>
+                                        <p:strVal val="visible"/>
+                                      </p:to>
+                                    </p:set>
+                                  </p:childTnLst>
+                                </p:cTn>
+                              </p:par>
+                            </p:childTnLst>
+                          </p:cTn>
+                        </p:par>
+                      </p:childTnLst>
+                    </p:cTn>
+                  </p:par>
+                  <p:par>
+                    <p:cTn id="15" fill="hold">
+                      <p:stCondLst>
+                        <p:cond delay="indefinite"/>
+                      </p:stCondLst>
+                      <p:childTnLst>
+                        <p:par>
+                          <p:cTn id="16" fill="hold">
+                            <p:stCondLst>
+                              <p:cond delay="0"/>
+                            </p:stCondLst>
+                            <p:childTnLst>
+                              <p:par>
+                                <p:cTn id="17" presetID="1" presetClass="entr" presetSubtype="0" fill="hold" grpId="0" nodeType="clickEffect">
+                                  <p:stCondLst>
+                                    <p:cond delay="0"/>
+                                  </p:stCondLst>
+                                  <p:childTnLst>
+                                    <p:set>
+                                      <p:cBhvr>
+                                        <p:cTn id="18" dur="1" fill="hold">
+                                          <p:stCondLst>
+                                            <p:cond delay="0"/>
+                                          </p:stCondLst>
+                                        </p:cTn>
+                                        <p:tgtEl>
+                                          <p:spTgt spid="3">
+                                            <p:txEl>
+                                              <p:pRg st="6" end="6"/>
+                                            </p:txEl>
+                                          </p:spTgt>
+                                        </p:tgtEl>
+                                        <p:attrNameLst>
+                                          <p:attrName>style.visibility</p:attrName>
+                                        </p:attrNameLst>
+                                      </p:cBhvr>
+                                      <p:to>
+                                        <p:strVal val="visible"/>
+                                      </p:to>
+                                    </p:set>
+                                  </p:childTnLst>
+                                </p:cTn>
+                              </p:par>
+                              <p:par>
+                                <p:cTn id="19" presetID="1" presetClass="entr" presetSubtype="0" fill="hold" grpId="0" nodeType="withEffect">
+                                  <p:stCondLst>
+                                    <p:cond delay="0"/>
+                                  </p:stCondLst>
+                                  <p:childTnLst>
+                                    <p:set>
+                                      <p:cBhvr>
+                                        <p:cTn id="20" dur="1" fill="hold">
+                                          <p:stCondLst>
+                                            <p:cond delay="0"/>
+                                          </p:stCondLst>
+                                        </p:cTn>
+                                        <p:tgtEl>
+                                          <p:spTgt spid="3">
+                                            <p:txEl>
+                                              <p:pRg st="7" end="7"/>
+                                            </p:txEl>
+                                          </p:spTgt>
+                                        </p:tgtEl>
+                                        <p:attrNameLst>
+                                          <p:attrName>style.visibility</p:attrName>
+                                        </p:attrNameLst>
+                                      </p:cBhvr>
+                                      <p:to>
+                                        <p:strVal val="visible"/>
+                                      </p:to>
+                                    </p:set>
+                                  </p:childTnLst>
+                                </p:cTn>
+                              </p:par>
+                            </p:childTnLst>
+                          </p:cTn>
+                        </p:par>
+                      </p:childTnLst>
+                    </p:cTn>
+                  </p:par>
+                  <p:par>
+                    <p:cTn id="21" fill="hold">
+                      <p:stCondLst>
+                        <p:cond delay="indefinite"/>
+                      </p:stCondLst>
+                      <p:childTnLst>
+                        <p:par>
+                          <p:cTn id="22" fill="hold">
+                            <p:stCondLst>
+                              <p:cond delay="0"/>
+                            </p:stCondLst>
+                            <p:childTnLst>
+                              <p:par>
+                                <p:cTn id="23" presetID="1" presetClass="entr" presetSubtype="0" fill="hold" grpId="0" nodeType="clickEffect">
+                                  <p:stCondLst>
+                                    <p:cond delay="0"/>
+                                  </p:stCondLst>
+                                  <p:childTnLst>
+                                    <p:set>
+                                      <p:cBhvr>
+                                        <p:cTn id="24" dur="1" fill="hold">
+                                          <p:stCondLst>
+                                            <p:cond delay="0"/>
+                                          </p:stCondLst>
+                                        </p:cTn>
+                                        <p:tgtEl>
+                                          <p:spTgt spid="3">
+                                            <p:txEl>
+                                              <p:pRg st="8" end="8"/>
+                                            </p:txEl>
+                                          </p:spTgt>
+                                        </p:tgtEl>
+                                        <p:attrNameLst>
+                                          <p:attrName>style.visibility</p:attrName>
+                                        </p:attrNameLst>
+                                      </p:cBhvr>
+                                      <p:to>
+                                        <p:strVal val="visible"/>
+                                      </p:to>
+                                    </p:set>
+                                  </p:childTnLst>
+                                </p:cTn>
+                              </p:par>
+                              <p:par>
+                                <p:cTn id="25" presetID="1" presetClass="entr" presetSubtype="0" fill="hold" grpId="0" nodeType="withEffect">
+                                  <p:stCondLst>
+                                    <p:cond delay="0"/>
+                                  </p:stCondLst>
+                                  <p:childTnLst>
+                                    <p:set>
+                                      <p:cBhvr>
+                                        <p:cTn id="26" dur="1" fill="hold">
+                                          <p:stCondLst>
+                                            <p:cond delay="0"/>
+                                          </p:stCondLst>
+                                        </p:cTn>
+                                        <p:tgtEl>
+                                          <p:spTgt spid="3">
+                                            <p:txEl>
+                                              <p:pRg st="9" end="9"/>
+                                            </p:txEl>
+                                          </p:spTgt>
+                                        </p:tgtEl>
+                                        <p:attrNameLst>
+                                          <p:attrName>style.visibility</p:attrName>
+                                        </p:attrNameLst>
+                                      </p:cBhvr>
+                                      <p:to>
+                                        <p:strVal val="visible"/>
+                                      </p:to>
+                                    </p:set>
+                                  </p:childTnLst>
+                                </p:cTn>
+                              </p:par>
+                            </p:childTnLst>
+                          </p:cTn>
+                        </p:par>
+                      </p:childTnLst>
+                    </p:cTn>
+                  </p:par>
+                </p:childTnLst>
+              </p:cTn>
+              <p:prevCondLst>
+                <p:cond evt="onPrev" delay="0">
+                  <p:tgtEl>
+                    <p:sldTgt/>
+                  </p:tgtEl>
+                </p:cond>
+              </p:prevCondLst>
+              <p:nextCondLst>
+                <p:cond evt="onNext" delay="0">
+                  <p:tgtEl>
+                    <p:sldTgt/>
+                  </p:tgtEl>
+                </p:cond>
+              </p:nextCondLst>
+            </p:seq>
+          </p:childTnLst>
+        </p:cTn>
+      </p:par>
+    </p:tnLst>
+    <p:bldLst>
+      <p:bldP spid="3" grpId="0" uiExpand="1" build="p"/>
+    </p:bldLst>
+  </p:timing>
 </p:sld>
 </file>
 
@@ -14054,6 +14712,13 @@
   <p:clrMapOvr>
     <a:masterClrMapping/>
   </p:clrMapOvr>
+  <p:timing>
+    <p:tnLst>
+      <p:par>
+        <p:cTn id="1" dur="indefinite" restart="never" nodeType="tmRoot"/>
+      </p:par>
+    </p:tnLst>
+  </p:timing>
 </p:sld>
 </file>
 
@@ -14676,6 +15341,13 @@
   <p:clrMapOvr>
     <a:masterClrMapping/>
   </p:clrMapOvr>
+  <p:timing>
+    <p:tnLst>
+      <p:par>
+        <p:cTn id="1" dur="indefinite" restart="never" nodeType="tmRoot"/>
+      </p:par>
+    </p:tnLst>
+  </p:timing>
 </p:sld>
 </file>
 
@@ -14847,6 +15519,13 @@
   <p:clrMapOvr>
     <a:masterClrMapping/>
   </p:clrMapOvr>
+  <p:timing>
+    <p:tnLst>
+      <p:par>
+        <p:cTn id="1" dur="indefinite" restart="never" nodeType="tmRoot"/>
+      </p:par>
+    </p:tnLst>
+  </p:timing>
 </p:sld>
 </file>
 
@@ -14956,6 +15635,137 @@
   <p:clrMapOvr>
     <a:masterClrMapping/>
   </p:clrMapOvr>
+  <p:timing>
+    <p:tnLst>
+      <p:par>
+        <p:cTn id="1" dur="indefinite" restart="never" nodeType="tmRoot">
+          <p:childTnLst>
+            <p:seq concurrent="1" nextAc="seek">
+              <p:cTn id="2" dur="indefinite" nodeType="mainSeq">
+                <p:childTnLst>
+                  <p:par>
+                    <p:cTn id="3" fill="hold">
+                      <p:stCondLst>
+                        <p:cond delay="indefinite"/>
+                      </p:stCondLst>
+                      <p:childTnLst>
+                        <p:par>
+                          <p:cTn id="4" fill="hold">
+                            <p:stCondLst>
+                              <p:cond delay="0"/>
+                            </p:stCondLst>
+                            <p:childTnLst>
+                              <p:par>
+                                <p:cTn id="5" presetID="1" presetClass="entr" presetSubtype="0" fill="hold" grpId="0" nodeType="clickEffect">
+                                  <p:stCondLst>
+                                    <p:cond delay="0"/>
+                                  </p:stCondLst>
+                                  <p:childTnLst>
+                                    <p:set>
+                                      <p:cBhvr>
+                                        <p:cTn id="6" dur="1" fill="hold">
+                                          <p:stCondLst>
+                                            <p:cond delay="0"/>
+                                          </p:stCondLst>
+                                        </p:cTn>
+                                        <p:tgtEl>
+                                          <p:spTgt spid="3">
+                                            <p:txEl>
+                                              <p:pRg st="1" end="1"/>
+                                            </p:txEl>
+                                          </p:spTgt>
+                                        </p:tgtEl>
+                                        <p:attrNameLst>
+                                          <p:attrName>style.visibility</p:attrName>
+                                        </p:attrNameLst>
+                                      </p:cBhvr>
+                                      <p:to>
+                                        <p:strVal val="visible"/>
+                                      </p:to>
+                                    </p:set>
+                                  </p:childTnLst>
+                                </p:cTn>
+                              </p:par>
+                            </p:childTnLst>
+                          </p:cTn>
+                        </p:par>
+                      </p:childTnLst>
+                    </p:cTn>
+                  </p:par>
+                  <p:par>
+                    <p:cTn id="7" fill="hold">
+                      <p:stCondLst>
+                        <p:cond delay="indefinite"/>
+                      </p:stCondLst>
+                      <p:childTnLst>
+                        <p:par>
+                          <p:cTn id="8" fill="hold">
+                            <p:stCondLst>
+                              <p:cond delay="0"/>
+                            </p:stCondLst>
+                            <p:childTnLst>
+                              <p:par>
+                                <p:cTn id="9" presetID="1" presetClass="entr" presetSubtype="0" fill="hold" grpId="0" nodeType="clickEffect">
+                                  <p:stCondLst>
+                                    <p:cond delay="0"/>
+                                  </p:stCondLst>
+                                  <p:childTnLst>
+                                    <p:set>
+                                      <p:cBhvr>
+                                        <p:cTn id="10" dur="1" fill="hold">
+                                          <p:stCondLst>
+                                            <p:cond delay="0"/>
+                                          </p:stCondLst>
+                                        </p:cTn>
+                                        <p:tgtEl>
+                                          <p:spTgt spid="3">
+                                            <p:txEl>
+                                              <p:pRg st="2" end="2"/>
+                                            </p:txEl>
+                                          </p:spTgt>
+                                        </p:tgtEl>
+                                        <p:attrNameLst>
+                                          <p:attrName>style.visibility</p:attrName>
+                                        </p:attrNameLst>
+                                      </p:cBhvr>
+                                      <p:to>
+                                        <p:strVal val="visible"/>
+                                      </p:to>
+                                    </p:set>
+                                  </p:childTnLst>
+                                </p:cTn>
+                              </p:par>
+                            </p:childTnLst>
+                          </p:cTn>
+                        </p:par>
+                      </p:childTnLst>
+                    </p:cTn>
+                  </p:par>
+                </p:childTnLst>
+              </p:cTn>
+              <p:prevCondLst>
+                <p:cond evt="onPrev" delay="0">
+                  <p:tgtEl>
+                    <p:sldTgt/>
+                  </p:tgtEl>
+                </p:cond>
+              </p:prevCondLst>
+              <p:nextCondLst>
+                <p:cond evt="onNext" delay="0">
+                  <p:tgtEl>
+                    <p:sldTgt/>
+                  </p:tgtEl>
+                </p:cond>
+              </p:nextCondLst>
+            </p:seq>
+          </p:childTnLst>
+        </p:cTn>
+      </p:par>
+    </p:tnLst>
+    <p:bldLst>
+      <p:bldP spid="3" grpId="0" uiExpand="1" build="p"/>
+    </p:bldLst>
+  </p:timing>
 </p:sld>
 </file>
 
@@ -15092,6 +15902,13 @@
   <p:clrMapOvr>
     <a:masterClrMapping/>
   </p:clrMapOvr>
+  <p:timing>
+    <p:tnLst>
+      <p:par>
+        <p:cTn id="1" dur="indefinite" restart="never" nodeType="tmRoot"/>
+      </p:par>
+    </p:tnLst>
+  </p:timing>
 </p:sld>
 </file>
 
@@ -15192,6 +16009,13 @@
   <p:clrMapOvr>
     <a:masterClrMapping/>
   </p:clrMapOvr>
+  <p:timing>
+    <p:tnLst>
+      <p:par>
+        <p:cTn id="1" dur="indefinite" restart="never" nodeType="tmRoot"/>
+      </p:par>
+    </p:tnLst>
+  </p:timing>
 </p:sld>
 </file>
 
@@ -15297,6 +16121,13 @@
   <p:clrMapOvr>
     <a:masterClrMapping/>
   </p:clrMapOvr>
+  <p:timing>
+    <p:tnLst>
+      <p:par>
+        <p:cTn id="1" dur="indefinite" restart="never" nodeType="tmRoot"/>
+      </p:par>
+    </p:tnLst>
+  </p:timing>
 </p:sld>
 </file>
 

--- a/legacy.pptx
+++ b/legacy.pptx
@@ -6,7 +6,7 @@
     <p:sldMasterId id="2147483811" r:id="rId2"/>
   </p:sldMasterIdLst>
   <p:notesMasterIdLst>
-    <p:notesMasterId r:id="rId20"/>
+    <p:notesMasterId r:id="rId21"/>
   </p:notesMasterIdLst>
   <p:sldIdLst>
     <p:sldId id="320" r:id="rId3"/>
@@ -26,6 +26,7 @@
     <p:sldId id="318" r:id="rId17"/>
     <p:sldId id="319" r:id="rId18"/>
     <p:sldId id="317" r:id="rId19"/>
+    <p:sldId id="327" r:id="rId20"/>
   </p:sldIdLst>
   <p:sldSz cx="12192000" cy="6858000"/>
   <p:notesSz cx="6858000" cy="9144000"/>
@@ -162,6 +163,7 @@
             <p14:sldId id="318"/>
             <p14:sldId id="319"/>
             <p14:sldId id="317"/>
+            <p14:sldId id="327"/>
           </p14:sldIdLst>
         </p14:section>
       </p14:sectionLst>
@@ -196,10 +198,6 @@
     </p:ext>
   </p:extLst>
 </p:presentation>
-</file>
-
-<file path=ppt/revisionInfo.xml><?xml version="1.0" encoding="utf-8"?>
-<p1510:revInfo xmlns:a="http://schemas.openxmlformats.org/drawingml/2006/main" xmlns:r="http://schemas.openxmlformats.org/officeDocument/2006/relationships" xmlns:p1510="http://schemas.microsoft.com/office/powerpoint/2015/10/main"/>
 </file>
 
 <file path=ppt/diagrams/colors1.xml><?xml version="1.0" encoding="utf-8"?>
@@ -2500,13 +2498,6 @@
         </dgm:presLayoutVars>
       </dgm:prSet>
       <dgm:spPr/>
-      <dgm:t>
-        <a:bodyPr/>
-        <a:lstStyle/>
-        <a:p>
-          <a:endParaRPr lang="ru-RU"/>
-        </a:p>
-      </dgm:t>
     </dgm:pt>
     <dgm:pt modelId="{CF6D50B3-578A-4EA0-A5A0-492FA729F6ED}" type="pres">
       <dgm:prSet presAssocID="{B75F6A3A-9A51-4DF3-8A57-9AEB0739425C}" presName="composite" presStyleCnt="0"/>
@@ -2519,13 +2510,6 @@
         </dgm:presLayoutVars>
       </dgm:prSet>
       <dgm:spPr/>
-      <dgm:t>
-        <a:bodyPr/>
-        <a:lstStyle/>
-        <a:p>
-          <a:endParaRPr lang="ru-RU"/>
-        </a:p>
-      </dgm:t>
     </dgm:pt>
     <dgm:pt modelId="{61EB78D8-69FF-471D-8FEB-71388C442F55}" type="pres">
       <dgm:prSet presAssocID="{B75F6A3A-9A51-4DF3-8A57-9AEB0739425C}" presName="rect1" presStyleLbl="alignImgPlace1" presStyleIdx="0" presStyleCnt="1" custScaleX="596594" custScaleY="114980" custLinFactX="-64576" custLinFactNeighborX="-100000" custLinFactNeighborY="-13065"/>
@@ -2547,9 +2531,9 @@
     </dgm:pt>
   </dgm:ptLst>
   <dgm:cxnLst>
-    <dgm:cxn modelId="{017518C9-1619-4B19-AA03-86BA999BA287}" srcId="{EAB81984-5B84-4970-8447-2B456B8C58DF}" destId="{B75F6A3A-9A51-4DF3-8A57-9AEB0739425C}" srcOrd="0" destOrd="0" parTransId="{203596AF-4F49-40BA-B1E1-11BDD34B512E}" sibTransId="{A056157B-3867-49A4-9195-F3A4F3FBBA8E}"/>
     <dgm:cxn modelId="{1CEAA455-5BF4-4666-95B8-390900AB8124}" type="presOf" srcId="{EAB81984-5B84-4970-8447-2B456B8C58DF}" destId="{3A252E36-3D7E-49E5-B812-EE4CACF0D5CF}" srcOrd="0" destOrd="0" presId="urn:microsoft.com/office/officeart/2008/layout/PictureGrid"/>
     <dgm:cxn modelId="{147A14B3-96E8-4139-969B-9DB1BCB4D95E}" type="presOf" srcId="{B75F6A3A-9A51-4DF3-8A57-9AEB0739425C}" destId="{B29ABF60-EC0F-45AD-A90E-9C76D15C2F14}" srcOrd="0" destOrd="0" presId="urn:microsoft.com/office/officeart/2008/layout/PictureGrid"/>
+    <dgm:cxn modelId="{017518C9-1619-4B19-AA03-86BA999BA287}" srcId="{EAB81984-5B84-4970-8447-2B456B8C58DF}" destId="{B75F6A3A-9A51-4DF3-8A57-9AEB0739425C}" srcOrd="0" destOrd="0" parTransId="{203596AF-4F49-40BA-B1E1-11BDD34B512E}" sibTransId="{A056157B-3867-49A4-9195-F3A4F3FBBA8E}"/>
     <dgm:cxn modelId="{D3458AFA-605E-43EE-8C8A-0E0C1E3CD931}" type="presParOf" srcId="{3A252E36-3D7E-49E5-B812-EE4CACF0D5CF}" destId="{CF6D50B3-578A-4EA0-A5A0-492FA729F6ED}" srcOrd="0" destOrd="0" presId="urn:microsoft.com/office/officeart/2008/layout/PictureGrid"/>
     <dgm:cxn modelId="{9835F3F3-3E30-4AC4-AD89-BC095FA9A878}" type="presParOf" srcId="{CF6D50B3-578A-4EA0-A5A0-492FA729F6ED}" destId="{B29ABF60-EC0F-45AD-A90E-9C76D15C2F14}" srcOrd="0" destOrd="0" presId="urn:microsoft.com/office/officeart/2008/layout/PictureGrid"/>
     <dgm:cxn modelId="{70FA379F-7827-49B9-806E-1FD72CAE8F89}" type="presParOf" srcId="{CF6D50B3-578A-4EA0-A5A0-492FA729F6ED}" destId="{61EB78D8-69FF-471D-8FEB-71388C442F55}" srcOrd="1" destOrd="0" presId="urn:microsoft.com/office/officeart/2008/layout/PictureGrid"/>
@@ -2621,13 +2605,6 @@
         </dgm:presLayoutVars>
       </dgm:prSet>
       <dgm:spPr/>
-      <dgm:t>
-        <a:bodyPr/>
-        <a:lstStyle/>
-        <a:p>
-          <a:endParaRPr lang="ru-RU"/>
-        </a:p>
-      </dgm:t>
     </dgm:pt>
     <dgm:pt modelId="{CF6D50B3-578A-4EA0-A5A0-492FA729F6ED}" type="pres">
       <dgm:prSet presAssocID="{B75F6A3A-9A51-4DF3-8A57-9AEB0739425C}" presName="composite" presStyleCnt="0"/>
@@ -2640,13 +2617,6 @@
         </dgm:presLayoutVars>
       </dgm:prSet>
       <dgm:spPr/>
-      <dgm:t>
-        <a:bodyPr/>
-        <a:lstStyle/>
-        <a:p>
-          <a:endParaRPr lang="ru-RU"/>
-        </a:p>
-      </dgm:t>
     </dgm:pt>
     <dgm:pt modelId="{61EB78D8-69FF-471D-8FEB-71388C442F55}" type="pres">
       <dgm:prSet presAssocID="{B75F6A3A-9A51-4DF3-8A57-9AEB0739425C}" presName="rect1" presStyleLbl="alignImgPlace1" presStyleIdx="0" presStyleCnt="1" custScaleX="596594" custScaleY="114980" custLinFactX="-64576" custLinFactNeighborX="-100000" custLinFactNeighborY="-13065"/>
@@ -2668,9 +2638,9 @@
     </dgm:pt>
   </dgm:ptLst>
   <dgm:cxnLst>
-    <dgm:cxn modelId="{017518C9-1619-4B19-AA03-86BA999BA287}" srcId="{EAB81984-5B84-4970-8447-2B456B8C58DF}" destId="{B75F6A3A-9A51-4DF3-8A57-9AEB0739425C}" srcOrd="0" destOrd="0" parTransId="{203596AF-4F49-40BA-B1E1-11BDD34B512E}" sibTransId="{A056157B-3867-49A4-9195-F3A4F3FBBA8E}"/>
     <dgm:cxn modelId="{1CEAA455-5BF4-4666-95B8-390900AB8124}" type="presOf" srcId="{EAB81984-5B84-4970-8447-2B456B8C58DF}" destId="{3A252E36-3D7E-49E5-B812-EE4CACF0D5CF}" srcOrd="0" destOrd="0" presId="urn:microsoft.com/office/officeart/2008/layout/PictureGrid"/>
     <dgm:cxn modelId="{147A14B3-96E8-4139-969B-9DB1BCB4D95E}" type="presOf" srcId="{B75F6A3A-9A51-4DF3-8A57-9AEB0739425C}" destId="{B29ABF60-EC0F-45AD-A90E-9C76D15C2F14}" srcOrd="0" destOrd="0" presId="urn:microsoft.com/office/officeart/2008/layout/PictureGrid"/>
+    <dgm:cxn modelId="{017518C9-1619-4B19-AA03-86BA999BA287}" srcId="{EAB81984-5B84-4970-8447-2B456B8C58DF}" destId="{B75F6A3A-9A51-4DF3-8A57-9AEB0739425C}" srcOrd="0" destOrd="0" parTransId="{203596AF-4F49-40BA-B1E1-11BDD34B512E}" sibTransId="{A056157B-3867-49A4-9195-F3A4F3FBBA8E}"/>
     <dgm:cxn modelId="{D3458AFA-605E-43EE-8C8A-0E0C1E3CD931}" type="presParOf" srcId="{3A252E36-3D7E-49E5-B812-EE4CACF0D5CF}" destId="{CF6D50B3-578A-4EA0-A5A0-492FA729F6ED}" srcOrd="0" destOrd="0" presId="urn:microsoft.com/office/officeart/2008/layout/PictureGrid"/>
     <dgm:cxn modelId="{9835F3F3-3E30-4AC4-AD89-BC095FA9A878}" type="presParOf" srcId="{CF6D50B3-578A-4EA0-A5A0-492FA729F6ED}" destId="{B29ABF60-EC0F-45AD-A90E-9C76D15C2F14}" srcOrd="0" destOrd="0" presId="urn:microsoft.com/office/officeart/2008/layout/PictureGrid"/>
     <dgm:cxn modelId="{70FA379F-7827-49B9-806E-1FD72CAE8F89}" type="presParOf" srcId="{CF6D50B3-578A-4EA0-A5A0-492FA729F6ED}" destId="{61EB78D8-69FF-471D-8FEB-71388C442F55}" srcOrd="1" destOrd="0" presId="urn:microsoft.com/office/officeart/2008/layout/PictureGrid"/>
@@ -2760,13 +2730,6 @@
         </dgm:presLayoutVars>
       </dgm:prSet>
       <dgm:spPr/>
-      <dgm:t>
-        <a:bodyPr/>
-        <a:lstStyle/>
-        <a:p>
-          <a:endParaRPr lang="ru-RU"/>
-        </a:p>
-      </dgm:t>
     </dgm:pt>
     <dgm:pt modelId="{65D73C51-61AB-436D-8191-975603FC9C68}" type="pres">
       <dgm:prSet presAssocID="{9C9C0585-42CE-4F34-A2BB-F1377DA03788}" presName="composite" presStyleCnt="0"/>
@@ -2779,13 +2742,6 @@
         </dgm:presLayoutVars>
       </dgm:prSet>
       <dgm:spPr/>
-      <dgm:t>
-        <a:bodyPr/>
-        <a:lstStyle/>
-        <a:p>
-          <a:endParaRPr lang="ru-RU"/>
-        </a:p>
-      </dgm:t>
     </dgm:pt>
     <dgm:pt modelId="{DFDA3CA3-5C68-4A2F-A4A8-285063A35D87}" type="pres">
       <dgm:prSet presAssocID="{9C9C0585-42CE-4F34-A2BB-F1377DA03788}" presName="rect1" presStyleLbl="alignImgPlace1" presStyleIdx="0" presStyleCnt="1" custScaleX="62421" custScaleY="62421" custLinFactNeighborX="1076" custLinFactNeighborY="-52209"/>
@@ -2810,8 +2766,8 @@
     </dgm:pt>
   </dgm:ptLst>
   <dgm:cxnLst>
+    <dgm:cxn modelId="{A9E27516-E8E4-42A7-A155-024D48E79559}" type="presOf" srcId="{8F66C165-B39F-46D3-B19F-623799541DD3}" destId="{B6F028CB-F170-4FEF-BC3A-25F0E90D434A}" srcOrd="0" destOrd="0" presId="urn:microsoft.com/office/officeart/2008/layout/PictureGrid"/>
     <dgm:cxn modelId="{A177C822-7566-4410-A889-706A6CE15148}" srcId="{8F66C165-B39F-46D3-B19F-623799541DD3}" destId="{9C9C0585-42CE-4F34-A2BB-F1377DA03788}" srcOrd="0" destOrd="0" parTransId="{4E5DCF2B-AAE7-41E2-837F-518128C03597}" sibTransId="{56F70C7F-1925-4DBA-9BD6-AF5E91799A59}"/>
-    <dgm:cxn modelId="{A9E27516-E8E4-42A7-A155-024D48E79559}" type="presOf" srcId="{8F66C165-B39F-46D3-B19F-623799541DD3}" destId="{B6F028CB-F170-4FEF-BC3A-25F0E90D434A}" srcOrd="0" destOrd="0" presId="urn:microsoft.com/office/officeart/2008/layout/PictureGrid"/>
     <dgm:cxn modelId="{ACD53F50-5BA1-48C9-B5DF-09BF6DA4DE65}" type="presOf" srcId="{9C9C0585-42CE-4F34-A2BB-F1377DA03788}" destId="{A30F2283-C0A4-4A69-BCBE-833D967155A2}" srcOrd="0" destOrd="0" presId="urn:microsoft.com/office/officeart/2008/layout/PictureGrid"/>
     <dgm:cxn modelId="{CC189C1C-06A1-4F03-B886-67BF46A53703}" type="presParOf" srcId="{B6F028CB-F170-4FEF-BC3A-25F0E90D434A}" destId="{65D73C51-61AB-436D-8191-975603FC9C68}" srcOrd="0" destOrd="0" presId="urn:microsoft.com/office/officeart/2008/layout/PictureGrid"/>
     <dgm:cxn modelId="{CD7DB92E-B84F-43A0-AC2D-FBBFB40722EE}" type="presParOf" srcId="{65D73C51-61AB-436D-8191-975603FC9C68}" destId="{A30F2283-C0A4-4A69-BCBE-833D967155A2}" srcOrd="0" destOrd="0" presId="urn:microsoft.com/office/officeart/2008/layout/PictureGrid"/>
@@ -2872,7 +2828,7 @@
         </a:bodyPr>
         <a:lstStyle/>
         <a:p>
-          <a:pPr lvl="0" algn="l" defTabSz="222250">
+          <a:pPr marL="0" lvl="0" indent="0" algn="l" defTabSz="222250">
             <a:lnSpc>
               <a:spcPct val="90000"/>
             </a:lnSpc>
@@ -2882,6 +2838,7 @@
             <a:spcAft>
               <a:spcPct val="35000"/>
             </a:spcAft>
+            <a:buNone/>
           </a:pPr>
           <a:r>
             <a:rPr lang="ru-RU" sz="500" kern="1200" dirty="0"/>
@@ -2995,7 +2952,7 @@
         </a:bodyPr>
         <a:lstStyle/>
         <a:p>
-          <a:pPr lvl="0" algn="l" defTabSz="222250">
+          <a:pPr marL="0" lvl="0" indent="0" algn="l" defTabSz="222250">
             <a:lnSpc>
               <a:spcPct val="90000"/>
             </a:lnSpc>
@@ -3005,6 +2962,7 @@
             <a:spcAft>
               <a:spcPct val="35000"/>
             </a:spcAft>
+            <a:buNone/>
           </a:pPr>
           <a:r>
             <a:rPr lang="ru-RU" sz="500" kern="1200" dirty="0"/>
@@ -3118,7 +3076,7 @@
         </a:bodyPr>
         <a:lstStyle/>
         <a:p>
-          <a:pPr lvl="0" algn="ctr" defTabSz="1778000">
+          <a:pPr marL="0" lvl="0" indent="0" algn="ctr" defTabSz="1778000">
             <a:lnSpc>
               <a:spcPct val="90000"/>
             </a:lnSpc>
@@ -3128,6 +3086,7 @@
             <a:spcAft>
               <a:spcPct val="35000"/>
             </a:spcAft>
+            <a:buNone/>
           </a:pPr>
           <a:r>
             <a:rPr lang="ru-RU" sz="4000" kern="1200" dirty="0">
@@ -7188,7 +7147,7 @@
           <a:p>
             <a:fld id="{16E5F246-0B7D-44DF-8C1B-EDFCA5DA626A}" type="datetimeFigureOut">
               <a:rPr lang="ru-RU" smtClean="0"/>
-              <a:t>16.12.2017</a:t>
+              <a:t>16.04.2018</a:t>
             </a:fld>
             <a:endParaRPr lang="ru-RU" dirty="0"/>
           </a:p>
@@ -12166,7 +12125,25 @@
               <a:rPr lang="en-US" dirty="0">
                 <a:hlinkClick r:id="rId2"/>
               </a:rPr>
-              <a:t>https://github.com/kontur-csharper/</a:t>
+              <a:t>https://github.</a:t>
+            </a:r>
+            <a:r>
+              <a:rPr lang="en-US">
+                <a:hlinkClick r:id="rId2"/>
+              </a:rPr>
+              <a:t>com/</a:t>
+            </a:r>
+            <a:r>
+              <a:rPr lang="en-US">
+                <a:hlinkClick r:id="rId3"/>
+              </a:rPr>
+              <a:t>kontur-courses</a:t>
+            </a:r>
+            <a:r>
+              <a:rPr lang="en-US" dirty="0">
+                <a:hlinkClick r:id="rId2"/>
+              </a:rPr>
+              <a:t>/</a:t>
             </a:r>
             <a:r>
               <a:rPr lang="en-US" b="1" dirty="0">
@@ -12176,30 +12153,6 @@
             </a:r>
             <a:endParaRPr lang="en-US" b="1" dirty="0"/>
           </a:p>
-          <a:p>
-            <a:endParaRPr lang="en-US" dirty="0"/>
-          </a:p>
-        </p:txBody>
-      </p:sp>
-      <p:sp>
-        <p:nvSpPr>
-          <p:cNvPr id="3" name="Текст 2"/>
-          <p:cNvSpPr>
-            <a:spLocks noGrp="1"/>
-          </p:cNvSpPr>
-          <p:nvPr>
-            <p:ph type="body" sz="quarter" idx="11"/>
-          </p:nvPr>
-        </p:nvSpPr>
-        <p:spPr>
-          <a:xfrm>
-            <a:off x="4367213" y="5229225"/>
-            <a:ext cx="6529387" cy="439738"/>
-          </a:xfrm>
-        </p:spPr>
-        <p:txBody>
-          <a:bodyPr/>
-          <a:lstStyle/>
           <a:p>
             <a:endParaRPr lang="en-US" dirty="0"/>
           </a:p>
@@ -12214,7 +12167,7 @@
           <p:nvPr/>
         </p:nvPicPr>
         <p:blipFill>
-          <a:blip r:embed="rId3" cstate="print">
+          <a:blip r:embed="rId4" cstate="print">
             <a:extLst>
               <a:ext uri="{28A0092B-C50C-407E-A947-70E740481C1C}">
                 <a14:useLocalDpi xmlns:a14="http://schemas.microsoft.com/office/drawing/2010/main" val="0"/>
@@ -12248,13 +12201,6 @@
   <p:clrMapOvr>
     <a:masterClrMapping/>
   </p:clrMapOvr>
-  <p:timing>
-    <p:tnLst>
-      <p:par>
-        <p:cTn id="1" dur="indefinite" restart="never" nodeType="tmRoot"/>
-      </p:par>
-    </p:tnLst>
-  </p:timing>
 </p:sld>
 </file>
 
@@ -12349,13 +12295,6 @@
   <p:clrMapOvr>
     <a:masterClrMapping/>
   </p:clrMapOvr>
-  <p:timing>
-    <p:tnLst>
-      <p:par>
-        <p:cTn id="1" dur="indefinite" restart="never" nodeType="tmRoot"/>
-      </p:par>
-    </p:tnLst>
-  </p:timing>
 </p:sld>
 </file>
 
@@ -12712,13 +12651,6 @@
   <p:clrMapOvr>
     <a:masterClrMapping/>
   </p:clrMapOvr>
-  <p:timing>
-    <p:tnLst>
-      <p:par>
-        <p:cTn id="1" dur="indefinite" restart="never" nodeType="tmRoot"/>
-      </p:par>
-    </p:tnLst>
-  </p:timing>
 </p:sld>
 </file>
 
@@ -12918,13 +12850,6 @@
   <p:clrMapOvr>
     <a:masterClrMapping/>
   </p:clrMapOvr>
-  <p:timing>
-    <p:tnLst>
-      <p:par>
-        <p:cTn id="1" dur="indefinite" restart="never" nodeType="tmRoot"/>
-      </p:par>
-    </p:tnLst>
-  </p:timing>
 </p:sld>
 </file>
 
@@ -13092,13 +13017,6 @@
   <p:clrMapOvr>
     <a:masterClrMapping/>
   </p:clrMapOvr>
-  <p:timing>
-    <p:tnLst>
-      <p:par>
-        <p:cTn id="1" dur="indefinite" restart="never" nodeType="tmRoot"/>
-      </p:par>
-    </p:tnLst>
-  </p:timing>
 </p:sld>
 </file>
 
@@ -13913,15 +13831,9 @@
               <a:rPr lang="ru-RU" sz="2400" dirty="0">
                 <a:latin typeface="+mn-lt"/>
               </a:rPr>
-              <a:t>надо сделать </a:t>
-            </a:r>
-            <a:r>
-              <a:rPr lang="ru-RU" sz="2400" dirty="0" smtClean="0">
-                <a:latin typeface="+mn-lt"/>
-              </a:rPr>
-              <a:t>виртуальными</a:t>
-            </a:r>
-            <a:endParaRPr lang="en-US" sz="2400" dirty="0" smtClean="0">
+              <a:t>надо сделать виртуальными</a:t>
+            </a:r>
+            <a:endParaRPr lang="en-US" sz="2400" dirty="0">
               <a:latin typeface="+mn-lt"/>
             </a:endParaRPr>
           </a:p>
@@ -13931,19 +13843,19 @@
               <a:buChar char="•"/>
             </a:pPr>
             <a:r>
-              <a:rPr lang="ru-RU" sz="2400" dirty="0" smtClean="0">
+              <a:rPr lang="ru-RU" sz="2400" dirty="0">
                 <a:latin typeface="+mn-lt"/>
               </a:rPr>
               <a:t>Заполните </a:t>
             </a:r>
             <a:r>
-              <a:rPr lang="en-US" sz="2400" dirty="0" smtClean="0">
+              <a:rPr lang="en-US" sz="2400" dirty="0">
                 <a:latin typeface="+mn-lt"/>
               </a:rPr>
               <a:t>Authors</a:t>
             </a:r>
             <a:r>
-              <a:rPr lang="ru-RU" sz="2400" dirty="0" smtClean="0">
+              <a:rPr lang="ru-RU" sz="2400" dirty="0">
                 <a:latin typeface="+mn-lt"/>
               </a:rPr>
               <a:t> в классе </a:t>
@@ -13954,9 +13866,6 @@
               </a:rPr>
               <a:t>YourName</a:t>
             </a:r>
-            <a:endParaRPr lang="en-US" sz="2400" dirty="0">
-              <a:latin typeface="+mn-lt"/>
-            </a:endParaRPr>
           </a:p>
         </p:txBody>
       </p:sp>
@@ -14007,13 +13916,6 @@
   <p:clrMapOvr>
     <a:masterClrMapping/>
   </p:clrMapOvr>
-  <p:timing>
-    <p:tnLst>
-      <p:par>
-        <p:cTn id="1" dur="indefinite" restart="never" nodeType="tmRoot"/>
-      </p:par>
-    </p:tnLst>
-  </p:timing>
 </p:sld>
 </file>
 
@@ -14548,6 +14450,201 @@
 </p:sld>
 </file>
 
+<file path=ppt/slides/slide18.xml><?xml version="1.0" encoding="utf-8"?>
+<p:sld xmlns:a="http://schemas.openxmlformats.org/drawingml/2006/main" xmlns:r="http://schemas.openxmlformats.org/officeDocument/2006/relationships" xmlns:p="http://schemas.openxmlformats.org/presentationml/2006/main">
+  <p:cSld>
+    <p:spTree>
+      <p:nvGrpSpPr>
+        <p:cNvPr id="1" name=""/>
+        <p:cNvGrpSpPr/>
+        <p:nvPr/>
+      </p:nvGrpSpPr>
+      <p:grpSpPr>
+        <a:xfrm>
+          <a:off x="0" y="0"/>
+          <a:ext cx="0" cy="0"/>
+          <a:chOff x="0" y="0"/>
+          <a:chExt cx="0" cy="0"/>
+        </a:xfrm>
+      </p:grpSpPr>
+      <p:sp>
+        <p:nvSpPr>
+          <p:cNvPr id="2" name="Объект 1">
+            <a:extLst>
+              <a:ext uri="{FF2B5EF4-FFF2-40B4-BE49-F238E27FC236}">
+                <a16:creationId xmlns:a16="http://schemas.microsoft.com/office/drawing/2014/main" id="{4E05C4A9-0667-45B8-AC59-85FD9C81BD21}"/>
+              </a:ext>
+            </a:extLst>
+          </p:cNvPr>
+          <p:cNvSpPr>
+            <a:spLocks noGrp="1"/>
+          </p:cNvSpPr>
+          <p:nvPr>
+            <p:ph sz="quarter" idx="13"/>
+          </p:nvPr>
+        </p:nvSpPr>
+        <p:spPr/>
+        <p:txBody>
+          <a:bodyPr anchor="t">
+            <a:normAutofit/>
+          </a:bodyPr>
+          <a:lstStyle/>
+          <a:p>
+            <a:pPr marL="0" indent="0">
+              <a:buNone/>
+            </a:pPr>
+            <a:endParaRPr lang="en-US" dirty="0"/>
+          </a:p>
+          <a:p>
+            <a:pPr marL="0" indent="0">
+              <a:buNone/>
+            </a:pPr>
+            <a:endParaRPr lang="en-US" dirty="0"/>
+          </a:p>
+          <a:p>
+            <a:pPr marL="0" indent="0">
+              <a:buNone/>
+            </a:pPr>
+            <a:endParaRPr lang="en-US" dirty="0"/>
+          </a:p>
+          <a:p>
+            <a:pPr marL="0" indent="0" algn="ctr">
+              <a:buNone/>
+            </a:pPr>
+            <a:r>
+              <a:rPr lang="ru-RU" sz="2800" dirty="0"/>
+              <a:t>Заполни форму обратной связи по ссылке</a:t>
+            </a:r>
+          </a:p>
+          <a:p>
+            <a:pPr marL="0" indent="0" algn="ctr">
+              <a:buNone/>
+            </a:pPr>
+            <a:r>
+              <a:rPr lang="en-US" sz="2800" dirty="0">
+                <a:hlinkClick r:id="rId2"/>
+              </a:rPr>
+              <a:t>http://bit.ly/kontur-courses-feedback</a:t>
+            </a:r>
+            <a:endParaRPr lang="ru-RU" sz="2800" dirty="0"/>
+          </a:p>
+          <a:p>
+            <a:pPr marL="0" indent="0" algn="ctr">
+              <a:buNone/>
+            </a:pPr>
+            <a:r>
+              <a:rPr lang="ru-RU" sz="2800" dirty="0"/>
+              <a:t>или</a:t>
+            </a:r>
+            <a:endParaRPr lang="en-US" sz="2800" dirty="0"/>
+          </a:p>
+          <a:p>
+            <a:pPr marL="0" indent="0" algn="ctr">
+              <a:buNone/>
+            </a:pPr>
+            <a:r>
+              <a:rPr lang="ru-RU" sz="2800" dirty="0"/>
+              <a:t>по ярлыку </a:t>
+            </a:r>
+            <a:r>
+              <a:rPr lang="en-US" sz="2800" i="1" dirty="0">
+                <a:solidFill>
+                  <a:schemeClr val="accent1"/>
+                </a:solidFill>
+              </a:rPr>
+              <a:t>feedback</a:t>
+            </a:r>
+            <a:r>
+              <a:rPr lang="en-US" sz="2800" dirty="0"/>
+              <a:t> </a:t>
+            </a:r>
+            <a:r>
+              <a:rPr lang="ru-RU" sz="2800" dirty="0"/>
+              <a:t>в корне репозитория</a:t>
+            </a:r>
+          </a:p>
+        </p:txBody>
+      </p:sp>
+      <p:sp>
+        <p:nvSpPr>
+          <p:cNvPr id="3" name="Заголовок 2">
+            <a:extLst>
+              <a:ext uri="{FF2B5EF4-FFF2-40B4-BE49-F238E27FC236}">
+                <a16:creationId xmlns:a16="http://schemas.microsoft.com/office/drawing/2014/main" id="{1B72F5E6-5086-4A59-ADDF-28C342BF771A}"/>
+              </a:ext>
+            </a:extLst>
+          </p:cNvPr>
+          <p:cNvSpPr>
+            <a:spLocks noGrp="1"/>
+          </p:cNvSpPr>
+          <p:nvPr>
+            <p:ph type="title"/>
+          </p:nvPr>
+        </p:nvSpPr>
+        <p:spPr/>
+        <p:txBody>
+          <a:bodyPr/>
+          <a:lstStyle/>
+          <a:p>
+            <a:r>
+              <a:rPr lang="ru-RU" dirty="0"/>
+              <a:t>Обратная связь</a:t>
+            </a:r>
+          </a:p>
+        </p:txBody>
+      </p:sp>
+      <p:pic>
+        <p:nvPicPr>
+          <p:cNvPr id="5" name="Рисунок 4" descr="Речь">
+            <a:extLst>
+              <a:ext uri="{FF2B5EF4-FFF2-40B4-BE49-F238E27FC236}">
+                <a16:creationId xmlns:a16="http://schemas.microsoft.com/office/drawing/2014/main" id="{4CD964C9-55F6-450A-94E0-4A3D7D08BCAA}"/>
+              </a:ext>
+            </a:extLst>
+          </p:cNvPr>
+          <p:cNvPicPr>
+            <a:picLocks noChangeAspect="1"/>
+          </p:cNvPicPr>
+          <p:nvPr/>
+        </p:nvPicPr>
+        <p:blipFill>
+          <a:blip r:embed="rId3">
+            <a:extLst>
+              <a:ext uri="{28A0092B-C50C-407E-A947-70E740481C1C}">
+                <a14:useLocalDpi xmlns:a14="http://schemas.microsoft.com/office/drawing/2010/main" val="0"/>
+              </a:ext>
+              <a:ext uri="{96DAC541-7B7A-43D3-8B79-37D633B846F1}">
+                <asvg:svgBlip xmlns:asvg="http://schemas.microsoft.com/office/drawing/2016/SVG/main" r:embed="rId4"/>
+              </a:ext>
+            </a:extLst>
+          </a:blip>
+          <a:stretch>
+            <a:fillRect/>
+          </a:stretch>
+        </p:blipFill>
+        <p:spPr>
+          <a:xfrm>
+            <a:off x="5183290" y="1622285"/>
+            <a:ext cx="1825352" cy="1825352"/>
+          </a:xfrm>
+          <a:prstGeom prst="rect">
+            <a:avLst/>
+          </a:prstGeom>
+        </p:spPr>
+      </p:pic>
+    </p:spTree>
+    <p:extLst>
+      <p:ext uri="{BB962C8B-B14F-4D97-AF65-F5344CB8AC3E}">
+        <p14:creationId xmlns:p14="http://schemas.microsoft.com/office/powerpoint/2010/main" val="1635517412"/>
+      </p:ext>
+    </p:extLst>
+  </p:cSld>
+  <p:clrMapOvr>
+    <a:masterClrMapping/>
+  </p:clrMapOvr>
+</p:sld>
+</file>
+
 <file path=ppt/slides/slide2.xml><?xml version="1.0" encoding="utf-8"?>
 <p:sld xmlns:a="http://schemas.openxmlformats.org/drawingml/2006/main" xmlns:r="http://schemas.openxmlformats.org/officeDocument/2006/relationships" xmlns:p="http://schemas.openxmlformats.org/presentationml/2006/main">
   <p:cSld>
@@ -14712,13 +14809,6 @@
   <p:clrMapOvr>
     <a:masterClrMapping/>
   </p:clrMapOvr>
-  <p:timing>
-    <p:tnLst>
-      <p:par>
-        <p:cTn id="1" dur="indefinite" restart="never" nodeType="tmRoot"/>
-      </p:par>
-    </p:tnLst>
-  </p:timing>
 </p:sld>
 </file>
 
@@ -15341,13 +15431,6 @@
   <p:clrMapOvr>
     <a:masterClrMapping/>
   </p:clrMapOvr>
-  <p:timing>
-    <p:tnLst>
-      <p:par>
-        <p:cTn id="1" dur="indefinite" restart="never" nodeType="tmRoot"/>
-      </p:par>
-    </p:tnLst>
-  </p:timing>
 </p:sld>
 </file>
 
@@ -15519,13 +15602,6 @@
   <p:clrMapOvr>
     <a:masterClrMapping/>
   </p:clrMapOvr>
-  <p:timing>
-    <p:tnLst>
-      <p:par>
-        <p:cTn id="1" dur="indefinite" restart="never" nodeType="tmRoot"/>
-      </p:par>
-    </p:tnLst>
-  </p:timing>
 </p:sld>
 </file>
 
@@ -15902,13 +15978,6 @@
   <p:clrMapOvr>
     <a:masterClrMapping/>
   </p:clrMapOvr>
-  <p:timing>
-    <p:tnLst>
-      <p:par>
-        <p:cTn id="1" dur="indefinite" restart="never" nodeType="tmRoot"/>
-      </p:par>
-    </p:tnLst>
-  </p:timing>
 </p:sld>
 </file>
 
@@ -16009,13 +16078,6 @@
   <p:clrMapOvr>
     <a:masterClrMapping/>
   </p:clrMapOvr>
-  <p:timing>
-    <p:tnLst>
-      <p:par>
-        <p:cTn id="1" dur="indefinite" restart="never" nodeType="tmRoot"/>
-      </p:par>
-    </p:tnLst>
-  </p:timing>
 </p:sld>
 </file>
 
@@ -16121,13 +16183,6 @@
   <p:clrMapOvr>
     <a:masterClrMapping/>
   </p:clrMapOvr>
-  <p:timing>
-    <p:tnLst>
-      <p:par>
-        <p:cTn id="1" dur="indefinite" restart="never" nodeType="tmRoot"/>
-      </p:par>
-    </p:tnLst>
-  </p:timing>
 </p:sld>
 </file>
 

--- a/legacy.pptx
+++ b/legacy.pptx
@@ -6,7 +6,7 @@
     <p:sldMasterId id="2147483811" r:id="rId2"/>
   </p:sldMasterIdLst>
   <p:notesMasterIdLst>
-    <p:notesMasterId r:id="rId21"/>
+    <p:notesMasterId r:id="rId24"/>
   </p:notesMasterIdLst>
   <p:sldIdLst>
     <p:sldId id="320" r:id="rId3"/>
@@ -23,10 +23,13 @@
     <p:sldId id="305" r:id="rId14"/>
     <p:sldId id="311" r:id="rId15"/>
     <p:sldId id="315" r:id="rId16"/>
-    <p:sldId id="318" r:id="rId17"/>
-    <p:sldId id="319" r:id="rId18"/>
-    <p:sldId id="317" r:id="rId19"/>
-    <p:sldId id="327" r:id="rId20"/>
+    <p:sldId id="331" r:id="rId17"/>
+    <p:sldId id="328" r:id="rId18"/>
+    <p:sldId id="329" r:id="rId19"/>
+    <p:sldId id="318" r:id="rId20"/>
+    <p:sldId id="319" r:id="rId21"/>
+    <p:sldId id="317" r:id="rId22"/>
+    <p:sldId id="327" r:id="rId23"/>
   </p:sldIdLst>
   <p:sldSz cx="12192000" cy="6858000"/>
   <p:notesSz cx="6858000" cy="9144000"/>
@@ -156,10 +159,13 @@
           <p14:sldIdLst>
             <p14:sldId id="311"/>
             <p14:sldId id="315"/>
+            <p14:sldId id="331"/>
           </p14:sldIdLst>
         </p14:section>
         <p14:section name="ProviderProcessing 90 мин" id="{65A24CB9-B551-40D6-B57C-0ED913B0AA64}">
           <p14:sldIdLst>
+            <p14:sldId id="328"/>
+            <p14:sldId id="329"/>
             <p14:sldId id="318"/>
             <p14:sldId id="319"/>
             <p14:sldId id="317"/>
@@ -2498,6 +2504,13 @@
         </dgm:presLayoutVars>
       </dgm:prSet>
       <dgm:spPr/>
+      <dgm:t>
+        <a:bodyPr/>
+        <a:lstStyle/>
+        <a:p>
+          <a:endParaRPr lang="ru-RU"/>
+        </a:p>
+      </dgm:t>
     </dgm:pt>
     <dgm:pt modelId="{CF6D50B3-578A-4EA0-A5A0-492FA729F6ED}" type="pres">
       <dgm:prSet presAssocID="{B75F6A3A-9A51-4DF3-8A57-9AEB0739425C}" presName="composite" presStyleCnt="0"/>
@@ -2510,6 +2523,13 @@
         </dgm:presLayoutVars>
       </dgm:prSet>
       <dgm:spPr/>
+      <dgm:t>
+        <a:bodyPr/>
+        <a:lstStyle/>
+        <a:p>
+          <a:endParaRPr lang="ru-RU"/>
+        </a:p>
+      </dgm:t>
     </dgm:pt>
     <dgm:pt modelId="{61EB78D8-69FF-471D-8FEB-71388C442F55}" type="pres">
       <dgm:prSet presAssocID="{B75F6A3A-9A51-4DF3-8A57-9AEB0739425C}" presName="rect1" presStyleLbl="alignImgPlace1" presStyleIdx="0" presStyleCnt="1" custScaleX="596594" custScaleY="114980" custLinFactX="-64576" custLinFactNeighborX="-100000" custLinFactNeighborY="-13065"/>
@@ -2531,9 +2551,9 @@
     </dgm:pt>
   </dgm:ptLst>
   <dgm:cxnLst>
+    <dgm:cxn modelId="{017518C9-1619-4B19-AA03-86BA999BA287}" srcId="{EAB81984-5B84-4970-8447-2B456B8C58DF}" destId="{B75F6A3A-9A51-4DF3-8A57-9AEB0739425C}" srcOrd="0" destOrd="0" parTransId="{203596AF-4F49-40BA-B1E1-11BDD34B512E}" sibTransId="{A056157B-3867-49A4-9195-F3A4F3FBBA8E}"/>
     <dgm:cxn modelId="{1CEAA455-5BF4-4666-95B8-390900AB8124}" type="presOf" srcId="{EAB81984-5B84-4970-8447-2B456B8C58DF}" destId="{3A252E36-3D7E-49E5-B812-EE4CACF0D5CF}" srcOrd="0" destOrd="0" presId="urn:microsoft.com/office/officeart/2008/layout/PictureGrid"/>
     <dgm:cxn modelId="{147A14B3-96E8-4139-969B-9DB1BCB4D95E}" type="presOf" srcId="{B75F6A3A-9A51-4DF3-8A57-9AEB0739425C}" destId="{B29ABF60-EC0F-45AD-A90E-9C76D15C2F14}" srcOrd="0" destOrd="0" presId="urn:microsoft.com/office/officeart/2008/layout/PictureGrid"/>
-    <dgm:cxn modelId="{017518C9-1619-4B19-AA03-86BA999BA287}" srcId="{EAB81984-5B84-4970-8447-2B456B8C58DF}" destId="{B75F6A3A-9A51-4DF3-8A57-9AEB0739425C}" srcOrd="0" destOrd="0" parTransId="{203596AF-4F49-40BA-B1E1-11BDD34B512E}" sibTransId="{A056157B-3867-49A4-9195-F3A4F3FBBA8E}"/>
     <dgm:cxn modelId="{D3458AFA-605E-43EE-8C8A-0E0C1E3CD931}" type="presParOf" srcId="{3A252E36-3D7E-49E5-B812-EE4CACF0D5CF}" destId="{CF6D50B3-578A-4EA0-A5A0-492FA729F6ED}" srcOrd="0" destOrd="0" presId="urn:microsoft.com/office/officeart/2008/layout/PictureGrid"/>
     <dgm:cxn modelId="{9835F3F3-3E30-4AC4-AD89-BC095FA9A878}" type="presParOf" srcId="{CF6D50B3-578A-4EA0-A5A0-492FA729F6ED}" destId="{B29ABF60-EC0F-45AD-A90E-9C76D15C2F14}" srcOrd="0" destOrd="0" presId="urn:microsoft.com/office/officeart/2008/layout/PictureGrid"/>
     <dgm:cxn modelId="{70FA379F-7827-49B9-806E-1FD72CAE8F89}" type="presParOf" srcId="{CF6D50B3-578A-4EA0-A5A0-492FA729F6ED}" destId="{61EB78D8-69FF-471D-8FEB-71388C442F55}" srcOrd="1" destOrd="0" presId="urn:microsoft.com/office/officeart/2008/layout/PictureGrid"/>
@@ -2605,6 +2625,13 @@
         </dgm:presLayoutVars>
       </dgm:prSet>
       <dgm:spPr/>
+      <dgm:t>
+        <a:bodyPr/>
+        <a:lstStyle/>
+        <a:p>
+          <a:endParaRPr lang="ru-RU"/>
+        </a:p>
+      </dgm:t>
     </dgm:pt>
     <dgm:pt modelId="{CF6D50B3-578A-4EA0-A5A0-492FA729F6ED}" type="pres">
       <dgm:prSet presAssocID="{B75F6A3A-9A51-4DF3-8A57-9AEB0739425C}" presName="composite" presStyleCnt="0"/>
@@ -2617,6 +2644,13 @@
         </dgm:presLayoutVars>
       </dgm:prSet>
       <dgm:spPr/>
+      <dgm:t>
+        <a:bodyPr/>
+        <a:lstStyle/>
+        <a:p>
+          <a:endParaRPr lang="ru-RU"/>
+        </a:p>
+      </dgm:t>
     </dgm:pt>
     <dgm:pt modelId="{61EB78D8-69FF-471D-8FEB-71388C442F55}" type="pres">
       <dgm:prSet presAssocID="{B75F6A3A-9A51-4DF3-8A57-9AEB0739425C}" presName="rect1" presStyleLbl="alignImgPlace1" presStyleIdx="0" presStyleCnt="1" custScaleX="596594" custScaleY="114980" custLinFactX="-64576" custLinFactNeighborX="-100000" custLinFactNeighborY="-13065"/>
@@ -2638,9 +2672,9 @@
     </dgm:pt>
   </dgm:ptLst>
   <dgm:cxnLst>
+    <dgm:cxn modelId="{017518C9-1619-4B19-AA03-86BA999BA287}" srcId="{EAB81984-5B84-4970-8447-2B456B8C58DF}" destId="{B75F6A3A-9A51-4DF3-8A57-9AEB0739425C}" srcOrd="0" destOrd="0" parTransId="{203596AF-4F49-40BA-B1E1-11BDD34B512E}" sibTransId="{A056157B-3867-49A4-9195-F3A4F3FBBA8E}"/>
     <dgm:cxn modelId="{1CEAA455-5BF4-4666-95B8-390900AB8124}" type="presOf" srcId="{EAB81984-5B84-4970-8447-2B456B8C58DF}" destId="{3A252E36-3D7E-49E5-B812-EE4CACF0D5CF}" srcOrd="0" destOrd="0" presId="urn:microsoft.com/office/officeart/2008/layout/PictureGrid"/>
     <dgm:cxn modelId="{147A14B3-96E8-4139-969B-9DB1BCB4D95E}" type="presOf" srcId="{B75F6A3A-9A51-4DF3-8A57-9AEB0739425C}" destId="{B29ABF60-EC0F-45AD-A90E-9C76D15C2F14}" srcOrd="0" destOrd="0" presId="urn:microsoft.com/office/officeart/2008/layout/PictureGrid"/>
-    <dgm:cxn modelId="{017518C9-1619-4B19-AA03-86BA999BA287}" srcId="{EAB81984-5B84-4970-8447-2B456B8C58DF}" destId="{B75F6A3A-9A51-4DF3-8A57-9AEB0739425C}" srcOrd="0" destOrd="0" parTransId="{203596AF-4F49-40BA-B1E1-11BDD34B512E}" sibTransId="{A056157B-3867-49A4-9195-F3A4F3FBBA8E}"/>
     <dgm:cxn modelId="{D3458AFA-605E-43EE-8C8A-0E0C1E3CD931}" type="presParOf" srcId="{3A252E36-3D7E-49E5-B812-EE4CACF0D5CF}" destId="{CF6D50B3-578A-4EA0-A5A0-492FA729F6ED}" srcOrd="0" destOrd="0" presId="urn:microsoft.com/office/officeart/2008/layout/PictureGrid"/>
     <dgm:cxn modelId="{9835F3F3-3E30-4AC4-AD89-BC095FA9A878}" type="presParOf" srcId="{CF6D50B3-578A-4EA0-A5A0-492FA729F6ED}" destId="{B29ABF60-EC0F-45AD-A90E-9C76D15C2F14}" srcOrd="0" destOrd="0" presId="urn:microsoft.com/office/officeart/2008/layout/PictureGrid"/>
     <dgm:cxn modelId="{70FA379F-7827-49B9-806E-1FD72CAE8F89}" type="presParOf" srcId="{CF6D50B3-578A-4EA0-A5A0-492FA729F6ED}" destId="{61EB78D8-69FF-471D-8FEB-71388C442F55}" srcOrd="1" destOrd="0" presId="urn:microsoft.com/office/officeart/2008/layout/PictureGrid"/>
@@ -2730,6 +2764,13 @@
         </dgm:presLayoutVars>
       </dgm:prSet>
       <dgm:spPr/>
+      <dgm:t>
+        <a:bodyPr/>
+        <a:lstStyle/>
+        <a:p>
+          <a:endParaRPr lang="ru-RU"/>
+        </a:p>
+      </dgm:t>
     </dgm:pt>
     <dgm:pt modelId="{65D73C51-61AB-436D-8191-975603FC9C68}" type="pres">
       <dgm:prSet presAssocID="{9C9C0585-42CE-4F34-A2BB-F1377DA03788}" presName="composite" presStyleCnt="0"/>
@@ -2742,6 +2783,13 @@
         </dgm:presLayoutVars>
       </dgm:prSet>
       <dgm:spPr/>
+      <dgm:t>
+        <a:bodyPr/>
+        <a:lstStyle/>
+        <a:p>
+          <a:endParaRPr lang="ru-RU"/>
+        </a:p>
+      </dgm:t>
     </dgm:pt>
     <dgm:pt modelId="{DFDA3CA3-5C68-4A2F-A4A8-285063A35D87}" type="pres">
       <dgm:prSet presAssocID="{9C9C0585-42CE-4F34-A2BB-F1377DA03788}" presName="rect1" presStyleLbl="alignImgPlace1" presStyleIdx="0" presStyleCnt="1" custScaleX="62421" custScaleY="62421" custLinFactNeighborX="1076" custLinFactNeighborY="-52209"/>
@@ -2766,8 +2814,8 @@
     </dgm:pt>
   </dgm:ptLst>
   <dgm:cxnLst>
+    <dgm:cxn modelId="{A177C822-7566-4410-A889-706A6CE15148}" srcId="{8F66C165-B39F-46D3-B19F-623799541DD3}" destId="{9C9C0585-42CE-4F34-A2BB-F1377DA03788}" srcOrd="0" destOrd="0" parTransId="{4E5DCF2B-AAE7-41E2-837F-518128C03597}" sibTransId="{56F70C7F-1925-4DBA-9BD6-AF5E91799A59}"/>
     <dgm:cxn modelId="{A9E27516-E8E4-42A7-A155-024D48E79559}" type="presOf" srcId="{8F66C165-B39F-46D3-B19F-623799541DD3}" destId="{B6F028CB-F170-4FEF-BC3A-25F0E90D434A}" srcOrd="0" destOrd="0" presId="urn:microsoft.com/office/officeart/2008/layout/PictureGrid"/>
-    <dgm:cxn modelId="{A177C822-7566-4410-A889-706A6CE15148}" srcId="{8F66C165-B39F-46D3-B19F-623799541DD3}" destId="{9C9C0585-42CE-4F34-A2BB-F1377DA03788}" srcOrd="0" destOrd="0" parTransId="{4E5DCF2B-AAE7-41E2-837F-518128C03597}" sibTransId="{56F70C7F-1925-4DBA-9BD6-AF5E91799A59}"/>
     <dgm:cxn modelId="{ACD53F50-5BA1-48C9-B5DF-09BF6DA4DE65}" type="presOf" srcId="{9C9C0585-42CE-4F34-A2BB-F1377DA03788}" destId="{A30F2283-C0A4-4A69-BCBE-833D967155A2}" srcOrd="0" destOrd="0" presId="urn:microsoft.com/office/officeart/2008/layout/PictureGrid"/>
     <dgm:cxn modelId="{CC189C1C-06A1-4F03-B886-67BF46A53703}" type="presParOf" srcId="{B6F028CB-F170-4FEF-BC3A-25F0E90D434A}" destId="{65D73C51-61AB-436D-8191-975603FC9C68}" srcOrd="0" destOrd="0" presId="urn:microsoft.com/office/officeart/2008/layout/PictureGrid"/>
     <dgm:cxn modelId="{CD7DB92E-B84F-43A0-AC2D-FBBFB40722EE}" type="presParOf" srcId="{65D73C51-61AB-436D-8191-975603FC9C68}" destId="{A30F2283-C0A4-4A69-BCBE-833D967155A2}" srcOrd="0" destOrd="0" presId="urn:microsoft.com/office/officeart/2008/layout/PictureGrid"/>
@@ -2828,7 +2876,7 @@
         </a:bodyPr>
         <a:lstStyle/>
         <a:p>
-          <a:pPr marL="0" lvl="0" indent="0" algn="l" defTabSz="222250">
+          <a:pPr lvl="0" algn="l" defTabSz="222250">
             <a:lnSpc>
               <a:spcPct val="90000"/>
             </a:lnSpc>
@@ -2838,7 +2886,6 @@
             <a:spcAft>
               <a:spcPct val="35000"/>
             </a:spcAft>
-            <a:buNone/>
           </a:pPr>
           <a:r>
             <a:rPr lang="ru-RU" sz="500" kern="1200" dirty="0"/>
@@ -2952,7 +2999,7 @@
         </a:bodyPr>
         <a:lstStyle/>
         <a:p>
-          <a:pPr marL="0" lvl="0" indent="0" algn="l" defTabSz="222250">
+          <a:pPr lvl="0" algn="l" defTabSz="222250">
             <a:lnSpc>
               <a:spcPct val="90000"/>
             </a:lnSpc>
@@ -2962,7 +3009,6 @@
             <a:spcAft>
               <a:spcPct val="35000"/>
             </a:spcAft>
-            <a:buNone/>
           </a:pPr>
           <a:r>
             <a:rPr lang="ru-RU" sz="500" kern="1200" dirty="0"/>
@@ -3076,7 +3122,7 @@
         </a:bodyPr>
         <a:lstStyle/>
         <a:p>
-          <a:pPr marL="0" lvl="0" indent="0" algn="ctr" defTabSz="1778000">
+          <a:pPr lvl="0" algn="ctr" defTabSz="1778000">
             <a:lnSpc>
               <a:spcPct val="90000"/>
             </a:lnSpc>
@@ -3086,7 +3132,6 @@
             <a:spcAft>
               <a:spcPct val="35000"/>
             </a:spcAft>
-            <a:buNone/>
           </a:pPr>
           <a:r>
             <a:rPr lang="ru-RU" sz="4000" kern="1200" dirty="0">
@@ -7147,7 +7192,7 @@
           <a:p>
             <a:fld id="{16E5F246-0B7D-44DF-8C1B-EDFCA5DA626A}" type="datetimeFigureOut">
               <a:rPr lang="ru-RU" smtClean="0"/>
-              <a:t>16.04.2018</a:t>
+              <a:t>16.11.2018</a:t>
             </a:fld>
             <a:endParaRPr lang="ru-RU" dirty="0"/>
           </a:p>
@@ -7724,7 +7769,7 @@
           <a:p>
             <a:fld id="{3BAECB10-9972-4830-A584-02C41DAFD45B}" type="slidenum">
               <a:rPr lang="ru-RU" smtClean="0"/>
-              <a:t>15</a:t>
+              <a:t>18</a:t>
             </a:fld>
             <a:endParaRPr lang="ru-RU" dirty="0"/>
           </a:p>
@@ -7872,7 +7917,7 @@
           <a:p>
             <a:fld id="{3BAECB10-9972-4830-A584-02C41DAFD45B}" type="slidenum">
               <a:rPr lang="ru-RU" smtClean="0"/>
-              <a:t>16</a:t>
+              <a:t>19</a:t>
             </a:fld>
             <a:endParaRPr lang="ru-RU" dirty="0"/>
           </a:p>
@@ -8023,7 +8068,7 @@
           <a:p>
             <a:fld id="{3BAECB10-9972-4830-A584-02C41DAFD45B}" type="slidenum">
               <a:rPr lang="ru-RU" smtClean="0"/>
-              <a:t>17</a:t>
+              <a:t>20</a:t>
             </a:fld>
             <a:endParaRPr lang="ru-RU" dirty="0"/>
           </a:p>
@@ -12655,7 +12700,7 @@
 </file>
 
 <file path=ppt/slides/slide13.xml><?xml version="1.0" encoding="utf-8"?>
-<p:sld xmlns:a="http://schemas.openxmlformats.org/drawingml/2006/main" xmlns:r="http://schemas.openxmlformats.org/officeDocument/2006/relationships" xmlns:p="http://schemas.openxmlformats.org/presentationml/2006/main">
+<p:sld xmlns:a="http://schemas.openxmlformats.org/drawingml/2006/main" xmlns:r="http://schemas.openxmlformats.org/officeDocument/2006/relationships" xmlns:p="http://schemas.openxmlformats.org/presentationml/2006/main" show="0">
   <p:cSld>
     <p:spTree>
       <p:nvGrpSpPr>
@@ -12850,11 +12895,19 @@
   <p:clrMapOvr>
     <a:masterClrMapping/>
   </p:clrMapOvr>
+  <mc:AlternateContent xmlns:mc="http://schemas.openxmlformats.org/markup-compatibility/2006">
+    <mc:Choice xmlns:p14="http://schemas.microsoft.com/office/powerpoint/2010/main" Requires="p14">
+      <p:transition spd="slow" p14:dur="2000"/>
+    </mc:Choice>
+    <mc:Fallback>
+      <p:transition spd="slow"/>
+    </mc:Fallback>
+  </mc:AlternateContent>
 </p:sld>
 </file>
 
 <file path=ppt/slides/slide14.xml><?xml version="1.0" encoding="utf-8"?>
-<p:sld xmlns:a="http://schemas.openxmlformats.org/drawingml/2006/main" xmlns:r="http://schemas.openxmlformats.org/officeDocument/2006/relationships" xmlns:p="http://schemas.openxmlformats.org/presentationml/2006/main">
+<p:sld xmlns:a="http://schemas.openxmlformats.org/drawingml/2006/main" xmlns:r="http://schemas.openxmlformats.org/officeDocument/2006/relationships" xmlns:p="http://schemas.openxmlformats.org/presentationml/2006/main" show="0">
   <p:cSld>
     <p:spTree>
       <p:nvGrpSpPr>
@@ -13017,10 +13070,477 @@
   <p:clrMapOvr>
     <a:masterClrMapping/>
   </p:clrMapOvr>
+  <mc:AlternateContent xmlns:mc="http://schemas.openxmlformats.org/markup-compatibility/2006">
+    <mc:Choice xmlns:p14="http://schemas.microsoft.com/office/powerpoint/2010/main" Requires="p14">
+      <p:transition spd="slow" p14:dur="2000"/>
+    </mc:Choice>
+    <mc:Fallback>
+      <p:transition spd="slow"/>
+    </mc:Fallback>
+  </mc:AlternateContent>
 </p:sld>
 </file>
 
 <file path=ppt/slides/slide15.xml><?xml version="1.0" encoding="utf-8"?>
+<p:sld xmlns:a="http://schemas.openxmlformats.org/drawingml/2006/main" xmlns:r="http://schemas.openxmlformats.org/officeDocument/2006/relationships" xmlns:p="http://schemas.openxmlformats.org/presentationml/2006/main">
+  <p:cSld>
+    <p:spTree>
+      <p:nvGrpSpPr>
+        <p:cNvPr id="1" name=""/>
+        <p:cNvGrpSpPr/>
+        <p:nvPr/>
+      </p:nvGrpSpPr>
+      <p:grpSpPr>
+        <a:xfrm>
+          <a:off x="0" y="0"/>
+          <a:ext cx="0" cy="0"/>
+          <a:chOff x="0" y="0"/>
+          <a:chExt cx="0" cy="0"/>
+        </a:xfrm>
+      </p:grpSpPr>
+      <p:sp>
+        <p:nvSpPr>
+          <p:cNvPr id="3" name="Заголовок 2"/>
+          <p:cNvSpPr>
+            <a:spLocks noGrp="1"/>
+          </p:cNvSpPr>
+          <p:nvPr>
+            <p:ph type="title"/>
+          </p:nvPr>
+        </p:nvSpPr>
+        <p:spPr/>
+        <p:txBody>
+          <a:bodyPr/>
+          <a:lstStyle/>
+          <a:p>
+            <a:r>
+              <a:rPr lang="ru-RU" sz="4800" dirty="0" smtClean="0"/>
+              <a:t>Трюки для </a:t>
+            </a:r>
+            <a:r>
+              <a:rPr lang="ru-RU" sz="4800" dirty="0" err="1" smtClean="0"/>
+              <a:t>характеризационных</a:t>
+            </a:r>
+            <a:r>
+              <a:rPr lang="ru-RU" sz="4800" dirty="0" smtClean="0"/>
+              <a:t> тестов</a:t>
+            </a:r>
+            <a:endParaRPr lang="en-US" sz="4800" dirty="0"/>
+          </a:p>
+        </p:txBody>
+      </p:sp>
+    </p:spTree>
+    <p:extLst>
+      <p:ext uri="{BB962C8B-B14F-4D97-AF65-F5344CB8AC3E}">
+        <p14:creationId xmlns:p14="http://schemas.microsoft.com/office/powerpoint/2010/main" val="3417010300"/>
+      </p:ext>
+    </p:extLst>
+  </p:cSld>
+  <p:clrMapOvr>
+    <a:masterClrMapping/>
+  </p:clrMapOvr>
+</p:sld>
+</file>
+
+<file path=ppt/slides/slide16.xml><?xml version="1.0" encoding="utf-8"?>
+<p:sld xmlns:a="http://schemas.openxmlformats.org/drawingml/2006/main" xmlns:r="http://schemas.openxmlformats.org/officeDocument/2006/relationships" xmlns:p="http://schemas.openxmlformats.org/presentationml/2006/main">
+  <p:cSld>
+    <p:spTree>
+      <p:nvGrpSpPr>
+        <p:cNvPr id="1" name=""/>
+        <p:cNvGrpSpPr/>
+        <p:nvPr/>
+      </p:nvGrpSpPr>
+      <p:grpSpPr>
+        <a:xfrm>
+          <a:off x="0" y="0"/>
+          <a:ext cx="0" cy="0"/>
+          <a:chOff x="0" y="0"/>
+          <a:chExt cx="0" cy="0"/>
+        </a:xfrm>
+      </p:grpSpPr>
+      <p:sp>
+        <p:nvSpPr>
+          <p:cNvPr id="2" name="Объект 1"/>
+          <p:cNvSpPr>
+            <a:spLocks noGrp="1"/>
+          </p:cNvSpPr>
+          <p:nvPr>
+            <p:ph sz="quarter" idx="13"/>
+          </p:nvPr>
+        </p:nvSpPr>
+        <p:spPr/>
+        <p:txBody>
+          <a:bodyPr/>
+          <a:lstStyle/>
+          <a:p>
+            <a:r>
+              <a:rPr lang="en-US" dirty="0" err="1" smtClean="0">
+                <a:latin typeface="Consolas" panose="020B0609020204030204" pitchFamily="49" charset="0"/>
+              </a:rPr>
+              <a:t>var</a:t>
+            </a:r>
+            <a:r>
+              <a:rPr lang="en-US" dirty="0" smtClean="0">
+                <a:latin typeface="Consolas" panose="020B0609020204030204" pitchFamily="49" charset="0"/>
+              </a:rPr>
+              <a:t> fake = </a:t>
+            </a:r>
+            <a:r>
+              <a:rPr lang="en-US" dirty="0" err="1" smtClean="0">
+                <a:latin typeface="Consolas" panose="020B0609020204030204" pitchFamily="49" charset="0"/>
+              </a:rPr>
+              <a:t>A.Fake</a:t>
+            </a:r>
+            <a:r>
+              <a:rPr lang="en-US" dirty="0" smtClean="0">
+                <a:latin typeface="Consolas" panose="020B0609020204030204" pitchFamily="49" charset="0"/>
+              </a:rPr>
+              <a:t>&lt;</a:t>
+            </a:r>
+            <a:r>
+              <a:rPr lang="en-US" dirty="0" err="1" smtClean="0">
+                <a:latin typeface="Consolas" panose="020B0609020204030204" pitchFamily="49" charset="0"/>
+              </a:rPr>
+              <a:t>ConcreteClass</a:t>
+            </a:r>
+            <a:r>
+              <a:rPr lang="en-US" dirty="0" smtClean="0">
+                <a:latin typeface="Consolas" panose="020B0609020204030204" pitchFamily="49" charset="0"/>
+              </a:rPr>
+              <a:t>&gt;()</a:t>
+            </a:r>
+          </a:p>
+          <a:p>
+            <a:r>
+              <a:rPr lang="en-US" dirty="0" err="1" smtClean="0">
+                <a:latin typeface="Consolas" panose="020B0609020204030204" pitchFamily="49" charset="0"/>
+              </a:rPr>
+              <a:t>A.CallTo</a:t>
+            </a:r>
+            <a:r>
+              <a:rPr lang="en-US" dirty="0" smtClean="0">
+                <a:latin typeface="Consolas" panose="020B0609020204030204" pitchFamily="49" charset="0"/>
+              </a:rPr>
+              <a:t>(() =&gt; </a:t>
+            </a:r>
+            <a:r>
+              <a:rPr lang="en-US" dirty="0" err="1" smtClean="0">
+                <a:latin typeface="Consolas" panose="020B0609020204030204" pitchFamily="49" charset="0"/>
+              </a:rPr>
+              <a:t>fake.SomeVirtualMethod</a:t>
+            </a:r>
+            <a:r>
+              <a:rPr lang="en-US" dirty="0" smtClean="0">
+                <a:latin typeface="Consolas" panose="020B0609020204030204" pitchFamily="49" charset="0"/>
+              </a:rPr>
+              <a:t>())</a:t>
+            </a:r>
+          </a:p>
+          <a:p>
+            <a:r>
+              <a:rPr lang="en-US" dirty="0">
+                <a:latin typeface="Consolas" panose="020B0609020204030204" pitchFamily="49" charset="0"/>
+              </a:rPr>
+              <a:t>	</a:t>
+            </a:r>
+            <a:r>
+              <a:rPr lang="en-US" dirty="0" smtClean="0">
+                <a:latin typeface="Consolas" panose="020B0609020204030204" pitchFamily="49" charset="0"/>
+              </a:rPr>
+              <a:t>.Returns(42);</a:t>
+            </a:r>
+          </a:p>
+        </p:txBody>
+      </p:sp>
+      <p:sp>
+        <p:nvSpPr>
+          <p:cNvPr id="3" name="Заголовок 2"/>
+          <p:cNvSpPr>
+            <a:spLocks noGrp="1"/>
+          </p:cNvSpPr>
+          <p:nvPr>
+            <p:ph type="title"/>
+          </p:nvPr>
+        </p:nvSpPr>
+        <p:spPr/>
+        <p:txBody>
+          <a:bodyPr/>
+          <a:lstStyle/>
+          <a:p>
+            <a:r>
+              <a:rPr lang="en-US" dirty="0" smtClean="0"/>
+              <a:t>Fake </a:t>
+            </a:r>
+            <a:r>
+              <a:rPr lang="ru-RU" dirty="0" smtClean="0"/>
+              <a:t>конкретного класса</a:t>
+            </a:r>
+            <a:endParaRPr lang="en-US" dirty="0"/>
+          </a:p>
+        </p:txBody>
+      </p:sp>
+    </p:spTree>
+    <p:extLst>
+      <p:ext uri="{BB962C8B-B14F-4D97-AF65-F5344CB8AC3E}">
+        <p14:creationId xmlns:p14="http://schemas.microsoft.com/office/powerpoint/2010/main" val="948803682"/>
+      </p:ext>
+    </p:extLst>
+  </p:cSld>
+  <p:clrMapOvr>
+    <a:masterClrMapping/>
+  </p:clrMapOvr>
+</p:sld>
+</file>
+
+<file path=ppt/slides/slide17.xml><?xml version="1.0" encoding="utf-8"?>
+<p:sld xmlns:a="http://schemas.openxmlformats.org/drawingml/2006/main" xmlns:r="http://schemas.openxmlformats.org/officeDocument/2006/relationships" xmlns:p="http://schemas.openxmlformats.org/presentationml/2006/main">
+  <p:cSld>
+    <p:spTree>
+      <p:nvGrpSpPr>
+        <p:cNvPr id="1" name=""/>
+        <p:cNvGrpSpPr/>
+        <p:nvPr/>
+      </p:nvGrpSpPr>
+      <p:grpSpPr>
+        <a:xfrm>
+          <a:off x="0" y="0"/>
+          <a:ext cx="0" cy="0"/>
+          <a:chOff x="0" y="0"/>
+          <a:chExt cx="0" cy="0"/>
+        </a:xfrm>
+      </p:grpSpPr>
+      <p:sp>
+        <p:nvSpPr>
+          <p:cNvPr id="2" name="Объект 1"/>
+          <p:cNvSpPr>
+            <a:spLocks noGrp="1"/>
+          </p:cNvSpPr>
+          <p:nvPr>
+            <p:ph sz="quarter" idx="13"/>
+          </p:nvPr>
+        </p:nvSpPr>
+        <p:spPr>
+          <a:xfrm>
+            <a:off x="1295400" y="1628779"/>
+            <a:ext cx="10129192" cy="4679951"/>
+          </a:xfrm>
+        </p:spPr>
+        <p:txBody>
+          <a:bodyPr/>
+          <a:lstStyle/>
+          <a:p>
+            <a:r>
+              <a:rPr lang="en-US" dirty="0" err="1" smtClean="0">
+                <a:latin typeface="Consolas" panose="020B0609020204030204" pitchFamily="49" charset="0"/>
+              </a:rPr>
+              <a:t>memoryAppender</a:t>
+            </a:r>
+            <a:r>
+              <a:rPr lang="en-US" dirty="0" smtClean="0">
+                <a:latin typeface="Consolas" panose="020B0609020204030204" pitchFamily="49" charset="0"/>
+              </a:rPr>
+              <a:t> </a:t>
+            </a:r>
+            <a:r>
+              <a:rPr lang="en-US" dirty="0">
+                <a:latin typeface="Consolas" panose="020B0609020204030204" pitchFamily="49" charset="0"/>
+              </a:rPr>
+              <a:t>= new </a:t>
+            </a:r>
+            <a:r>
+              <a:rPr lang="en-US" dirty="0" err="1">
+                <a:latin typeface="Consolas" panose="020B0609020204030204" pitchFamily="49" charset="0"/>
+              </a:rPr>
+              <a:t>MemoryAppender</a:t>
+            </a:r>
+            <a:r>
+              <a:rPr lang="en-US" dirty="0">
+                <a:latin typeface="Consolas" panose="020B0609020204030204" pitchFamily="49" charset="0"/>
+              </a:rPr>
+              <a:t>();</a:t>
+            </a:r>
+          </a:p>
+          <a:p>
+            <a:r>
+              <a:rPr lang="en-US" dirty="0" err="1" smtClean="0">
+                <a:latin typeface="Consolas" panose="020B0609020204030204" pitchFamily="49" charset="0"/>
+              </a:rPr>
+              <a:t>BasicConfigurator.Configure</a:t>
+            </a:r>
+            <a:r>
+              <a:rPr lang="en-US" dirty="0" smtClean="0">
+                <a:latin typeface="Consolas" panose="020B0609020204030204" pitchFamily="49" charset="0"/>
+              </a:rPr>
+              <a:t>(</a:t>
+            </a:r>
+            <a:r>
+              <a:rPr lang="en-US" dirty="0" err="1" smtClean="0">
+                <a:latin typeface="Consolas" panose="020B0609020204030204" pitchFamily="49" charset="0"/>
+              </a:rPr>
+              <a:t>memoryAppender</a:t>
+            </a:r>
+            <a:r>
+              <a:rPr lang="en-US" dirty="0" smtClean="0">
+                <a:latin typeface="Consolas" panose="020B0609020204030204" pitchFamily="49" charset="0"/>
+              </a:rPr>
+              <a:t>);</a:t>
+            </a:r>
+          </a:p>
+          <a:p>
+            <a:r>
+              <a:rPr lang="en-US" dirty="0" smtClean="0">
+                <a:latin typeface="Consolas" panose="020B0609020204030204" pitchFamily="49" charset="0"/>
+              </a:rPr>
+              <a:t>…</a:t>
+            </a:r>
+          </a:p>
+          <a:p>
+            <a:r>
+              <a:rPr lang="en-US" dirty="0" err="1" smtClean="0">
+                <a:latin typeface="Consolas" panose="020B0609020204030204" pitchFamily="49" charset="0"/>
+              </a:rPr>
+              <a:t>log.Info</a:t>
+            </a:r>
+            <a:r>
+              <a:rPr lang="en-US" dirty="0" smtClean="0">
+                <a:latin typeface="Consolas" panose="020B0609020204030204" pitchFamily="49" charset="0"/>
+              </a:rPr>
+              <a:t>("</a:t>
+            </a:r>
+            <a:r>
+              <a:rPr lang="ru-RU" dirty="0" smtClean="0">
+                <a:latin typeface="Consolas" panose="020B0609020204030204" pitchFamily="49" charset="0"/>
+              </a:rPr>
+              <a:t>Запись в логе</a:t>
+            </a:r>
+            <a:r>
+              <a:rPr lang="en-US" dirty="0" smtClean="0">
+                <a:latin typeface="Consolas" panose="020B0609020204030204" pitchFamily="49" charset="0"/>
+              </a:rPr>
+              <a:t>");</a:t>
+            </a:r>
+          </a:p>
+          <a:p>
+            <a:r>
+              <a:rPr lang="en-US" dirty="0" smtClean="0">
+                <a:latin typeface="Consolas" panose="020B0609020204030204" pitchFamily="49" charset="0"/>
+              </a:rPr>
+              <a:t>…</a:t>
+            </a:r>
+          </a:p>
+          <a:p>
+            <a:r>
+              <a:rPr lang="en-US" dirty="0" err="1" smtClean="0">
+                <a:latin typeface="Consolas" panose="020B0609020204030204" pitchFamily="49" charset="0"/>
+              </a:rPr>
+              <a:t>memoryAppender</a:t>
+            </a:r>
+            <a:r>
+              <a:rPr lang="en-US" dirty="0" smtClean="0">
+                <a:latin typeface="Consolas" panose="020B0609020204030204" pitchFamily="49" charset="0"/>
+              </a:rPr>
+              <a:t/>
+            </a:r>
+            <a:br>
+              <a:rPr lang="en-US" dirty="0" smtClean="0">
+                <a:latin typeface="Consolas" panose="020B0609020204030204" pitchFamily="49" charset="0"/>
+              </a:rPr>
+            </a:br>
+            <a:r>
+              <a:rPr lang="en-US" dirty="0" smtClean="0">
+                <a:latin typeface="Consolas" panose="020B0609020204030204" pitchFamily="49" charset="0"/>
+              </a:rPr>
+              <a:t>  .</a:t>
+            </a:r>
+            <a:r>
+              <a:rPr lang="en-US" dirty="0" err="1">
+                <a:latin typeface="Consolas" panose="020B0609020204030204" pitchFamily="49" charset="0"/>
+              </a:rPr>
+              <a:t>GetEvents</a:t>
+            </a:r>
+            <a:r>
+              <a:rPr lang="en-US" dirty="0" smtClean="0">
+                <a:latin typeface="Consolas" panose="020B0609020204030204" pitchFamily="49" charset="0"/>
+              </a:rPr>
+              <a:t>()</a:t>
+            </a:r>
+            <a:br>
+              <a:rPr lang="en-US" dirty="0" smtClean="0">
+                <a:latin typeface="Consolas" panose="020B0609020204030204" pitchFamily="49" charset="0"/>
+              </a:rPr>
+            </a:br>
+            <a:r>
+              <a:rPr lang="en-US" dirty="0" smtClean="0">
+                <a:latin typeface="Consolas" panose="020B0609020204030204" pitchFamily="49" charset="0"/>
+              </a:rPr>
+              <a:t>  .</a:t>
+            </a:r>
+            <a:r>
+              <a:rPr lang="en-US" dirty="0">
+                <a:latin typeface="Consolas" panose="020B0609020204030204" pitchFamily="49" charset="0"/>
+              </a:rPr>
+              <a:t>Select(e =&gt; </a:t>
+            </a:r>
+            <a:r>
+              <a:rPr lang="en-US" dirty="0" err="1">
+                <a:latin typeface="Consolas" panose="020B0609020204030204" pitchFamily="49" charset="0"/>
+              </a:rPr>
+              <a:t>e.RenderedMessage</a:t>
+            </a:r>
+            <a:r>
+              <a:rPr lang="en-US" dirty="0">
+                <a:latin typeface="Consolas" panose="020B0609020204030204" pitchFamily="49" charset="0"/>
+              </a:rPr>
+              <a:t>)</a:t>
+            </a:r>
+          </a:p>
+          <a:p>
+            <a:endParaRPr lang="en-US" dirty="0"/>
+          </a:p>
+        </p:txBody>
+      </p:sp>
+      <p:sp>
+        <p:nvSpPr>
+          <p:cNvPr id="3" name="Заголовок 2"/>
+          <p:cNvSpPr>
+            <a:spLocks noGrp="1"/>
+          </p:cNvSpPr>
+          <p:nvPr>
+            <p:ph type="title"/>
+          </p:nvPr>
+        </p:nvSpPr>
+        <p:spPr/>
+        <p:txBody>
+          <a:bodyPr/>
+          <a:lstStyle/>
+          <a:p>
+            <a:r>
+              <a:rPr lang="en-US" dirty="0" smtClean="0"/>
+              <a:t>Log4net </a:t>
+            </a:r>
+            <a:r>
+              <a:rPr lang="en-US" dirty="0" err="1" smtClean="0"/>
+              <a:t>MemoryAppender</a:t>
+            </a:r>
+            <a:endParaRPr lang="en-US" dirty="0"/>
+          </a:p>
+        </p:txBody>
+      </p:sp>
+    </p:spTree>
+    <p:extLst>
+      <p:ext uri="{BB962C8B-B14F-4D97-AF65-F5344CB8AC3E}">
+        <p14:creationId xmlns:p14="http://schemas.microsoft.com/office/powerpoint/2010/main" val="1275269572"/>
+      </p:ext>
+    </p:extLst>
+  </p:cSld>
+  <p:clrMapOvr>
+    <a:masterClrMapping/>
+  </p:clrMapOvr>
+</p:sld>
+</file>
+
+<file path=ppt/slides/slide18.xml><?xml version="1.0" encoding="utf-8"?>
 <p:sld xmlns:a="http://schemas.openxmlformats.org/drawingml/2006/main" xmlns:r="http://schemas.openxmlformats.org/officeDocument/2006/relationships" xmlns:p="http://schemas.openxmlformats.org/presentationml/2006/main">
   <p:cSld>
     <p:spTree>
@@ -13255,33 +13775,14 @@
           <a:p>
             <a:pPr marL="1200095" lvl="1" indent="-457200"/>
             <a:r>
-              <a:rPr lang="ru-RU" sz="2000" dirty="0"/>
-              <a:t>Виртуальные методы + </a:t>
-            </a:r>
-            <a:r>
-              <a:rPr lang="en-US" sz="2000" dirty="0" err="1"/>
+              <a:rPr lang="ru-RU" sz="2000" dirty="0" smtClean="0"/>
+              <a:t>Виртуальные методы для </a:t>
+            </a:r>
+            <a:r>
+              <a:rPr lang="en-US" sz="2000" dirty="0" err="1" smtClean="0"/>
               <a:t>FakeItEasy</a:t>
             </a:r>
-            <a:endParaRPr lang="en-US" sz="2000" dirty="0"/>
-          </a:p>
-          <a:p>
-            <a:pPr marL="1200095" lvl="1" indent="-457200"/>
-            <a:r>
-              <a:rPr lang="en-US" sz="2000" dirty="0" err="1"/>
-              <a:t>MemoryAppender</a:t>
-            </a:r>
-            <a:r>
-              <a:rPr lang="en-US" sz="2000" dirty="0"/>
-              <a:t> </a:t>
-            </a:r>
-            <a:r>
-              <a:rPr lang="ru-RU" sz="2000" dirty="0"/>
-              <a:t>для </a:t>
-            </a:r>
-            <a:r>
-              <a:rPr lang="en-US" sz="2000" dirty="0"/>
-              <a:t>Log4Net</a:t>
-            </a:r>
+            <a:endParaRPr lang="en-US" sz="2000" dirty="0" smtClean="0"/>
           </a:p>
           <a:p>
             <a:pPr marL="457200" indent="-457200">
@@ -13289,7 +13790,7 @@
               <a:buAutoNum type="arabicPeriod"/>
             </a:pPr>
             <a:r>
-              <a:rPr lang="ru-RU" sz="2400" dirty="0"/>
+              <a:rPr lang="ru-RU" sz="2400" dirty="0" smtClean="0"/>
               <a:t>Напиши </a:t>
             </a:r>
             <a:r>
@@ -13303,6 +13804,18 @@
             <a:r>
               <a:rPr lang="en-US" sz="2400" dirty="0" err="1"/>
               <a:t>ProviderProcessor</a:t>
+            </a:r>
+            <a:endParaRPr lang="en-US" sz="2400" dirty="0"/>
+          </a:p>
+          <a:p>
+            <a:pPr marL="1200095" lvl="1" indent="-457200"/>
+            <a:r>
+              <a:rPr lang="ru-RU" sz="2000" dirty="0"/>
+              <a:t>Виртуальные методы для </a:t>
+            </a:r>
+            <a:r>
+              <a:rPr lang="en-US" sz="2000" dirty="0" err="1" smtClean="0"/>
+              <a:t>FakeItEasy</a:t>
             </a:r>
             <a:endParaRPr lang="ru-RU" sz="2400" dirty="0"/>
           </a:p>
@@ -13646,7 +14159,7 @@
 </p:sld>
 </file>
 
-<file path=ppt/slides/slide16.xml><?xml version="1.0" encoding="utf-8"?>
+<file path=ppt/slides/slide19.xml><?xml version="1.0" encoding="utf-8"?>
 <p:sld xmlns:a="http://schemas.openxmlformats.org/drawingml/2006/main" xmlns:r="http://schemas.openxmlformats.org/officeDocument/2006/relationships" xmlns:p="http://schemas.openxmlformats.org/presentationml/2006/main">
   <p:cSld>
     <p:spTree>
@@ -13681,7 +14194,7 @@
         </p:spPr>
         <p:txBody>
           <a:bodyPr>
-            <a:normAutofit/>
+            <a:normAutofit lnSpcReduction="10000"/>
           </a:bodyPr>
           <a:lstStyle/>
           <a:p>
@@ -13712,12 +14225,16 @@
             <a:pPr marL="0" indent="0">
               <a:buNone/>
             </a:pPr>
-            <a:endParaRPr lang="ru-RU" sz="2400" dirty="0"/>
+            <a:endParaRPr lang="ru-RU" sz="2400" dirty="0" smtClean="0"/>
           </a:p>
           <a:p>
             <a:pPr marL="0" indent="0">
               <a:buNone/>
             </a:pPr>
+            <a:r>
+              <a:rPr lang="ru-RU" sz="2400" dirty="0" smtClean="0"/>
+              <a:t>Два продукта, у одного неверная цена, а у другого неизвестное название, то ошибка должна быть про название!</a:t>
+            </a:r>
             <a:endParaRPr lang="ru-RU" sz="2400" dirty="0"/>
           </a:p>
           <a:p>
@@ -13919,7 +14436,174 @@
 </p:sld>
 </file>
 
-<file path=ppt/slides/slide17.xml><?xml version="1.0" encoding="utf-8"?>
+<file path=ppt/slides/slide2.xml><?xml version="1.0" encoding="utf-8"?>
+<p:sld xmlns:a="http://schemas.openxmlformats.org/drawingml/2006/main" xmlns:r="http://schemas.openxmlformats.org/officeDocument/2006/relationships" xmlns:p="http://schemas.openxmlformats.org/presentationml/2006/main">
+  <p:cSld>
+    <p:spTree>
+      <p:nvGrpSpPr>
+        <p:cNvPr id="1" name=""/>
+        <p:cNvGrpSpPr/>
+        <p:nvPr/>
+      </p:nvGrpSpPr>
+      <p:grpSpPr>
+        <a:xfrm>
+          <a:off x="0" y="0"/>
+          <a:ext cx="0" cy="0"/>
+          <a:chOff x="0" y="0"/>
+          <a:chExt cx="0" cy="0"/>
+        </a:xfrm>
+      </p:grpSpPr>
+      <p:sp>
+        <p:nvSpPr>
+          <p:cNvPr id="3" name="Объект 2"/>
+          <p:cNvSpPr>
+            <a:spLocks noGrp="1"/>
+          </p:cNvSpPr>
+          <p:nvPr>
+            <p:ph sz="quarter" idx="13"/>
+          </p:nvPr>
+        </p:nvSpPr>
+        <p:spPr>
+          <a:xfrm>
+            <a:off x="1295469" y="1628775"/>
+            <a:ext cx="9601131" cy="4679950"/>
+          </a:xfrm>
+        </p:spPr>
+        <p:txBody>
+          <a:bodyPr>
+            <a:normAutofit/>
+          </a:bodyPr>
+          <a:lstStyle/>
+          <a:p>
+            <a:r>
+              <a:rPr lang="ru-RU" sz="2800" dirty="0"/>
+              <a:t>При изменении кода хорошо бы иметь тесты</a:t>
+            </a:r>
+          </a:p>
+          <a:p>
+            <a:r>
+              <a:rPr lang="ru-RU" sz="2800" dirty="0"/>
+              <a:t>Чтобы создать тесты, нужно что-то поменять</a:t>
+            </a:r>
+          </a:p>
+        </p:txBody>
+      </p:sp>
+      <p:sp>
+        <p:nvSpPr>
+          <p:cNvPr id="2" name="Заголовок 1"/>
+          <p:cNvSpPr>
+            <a:spLocks noGrp="1"/>
+          </p:cNvSpPr>
+          <p:nvPr>
+            <p:ph type="title"/>
+          </p:nvPr>
+        </p:nvSpPr>
+        <p:spPr/>
+        <p:txBody>
+          <a:bodyPr/>
+          <a:lstStyle/>
+          <a:p>
+            <a:r>
+              <a:rPr lang="ru-RU" dirty="0"/>
+              <a:t>Дилемма</a:t>
+            </a:r>
+          </a:p>
+        </p:txBody>
+      </p:sp>
+      <p:sp>
+        <p:nvSpPr>
+          <p:cNvPr id="4" name="AutoShape 2" descr="Картинки по запросу dead lock"/>
+          <p:cNvSpPr>
+            <a:spLocks noChangeAspect="1" noChangeArrowheads="1"/>
+          </p:cNvSpPr>
+          <p:nvPr/>
+        </p:nvSpPr>
+        <p:spPr bwMode="auto">
+          <a:xfrm>
+            <a:off x="5629275" y="4833938"/>
+            <a:ext cx="304800" cy="304801"/>
+          </a:xfrm>
+          <a:prstGeom prst="rect">
+            <a:avLst/>
+          </a:prstGeom>
+          <a:noFill/>
+          <a:extLst>
+            <a:ext uri="{909E8E84-426E-40DD-AFC4-6F175D3DCCD1}">
+              <a14:hiddenFill xmlns:a14="http://schemas.microsoft.com/office/drawing/2010/main">
+                <a:solidFill>
+                  <a:srgbClr val="FFFFFF"/>
+                </a:solidFill>
+              </a14:hiddenFill>
+            </a:ext>
+          </a:extLst>
+        </p:spPr>
+        <p:txBody>
+          <a:bodyPr vert="horz" wrap="square" lIns="91440" tIns="45720" rIns="91440" bIns="45720" numCol="1" anchor="t" anchorCtr="0" compatLnSpc="1">
+            <a:prstTxWarp prst="textNoShape">
+              <a:avLst/>
+            </a:prstTxWarp>
+          </a:bodyPr>
+          <a:lstStyle/>
+          <a:p>
+            <a:endParaRPr lang="ru-RU"/>
+          </a:p>
+        </p:txBody>
+      </p:sp>
+      <p:pic>
+        <p:nvPicPr>
+          <p:cNvPr id="6148" name="Picture 4" descr="http://csunplugged.org/wp-content/uploads/2015/03/deadlock.jpg1286488735"/>
+          <p:cNvPicPr>
+            <a:picLocks noChangeAspect="1" noChangeArrowheads="1"/>
+          </p:cNvPicPr>
+          <p:nvPr/>
+        </p:nvPicPr>
+        <p:blipFill>
+          <a:blip r:embed="rId2">
+            <a:extLst>
+              <a:ext uri="{28A0092B-C50C-407E-A947-70E740481C1C}">
+                <a14:useLocalDpi xmlns:a14="http://schemas.microsoft.com/office/drawing/2010/main" val="0"/>
+              </a:ext>
+            </a:extLst>
+          </a:blip>
+          <a:srcRect/>
+          <a:stretch>
+            <a:fillRect/>
+          </a:stretch>
+        </p:blipFill>
+        <p:spPr bwMode="auto">
+          <a:xfrm>
+            <a:off x="4095750" y="3589337"/>
+            <a:ext cx="4000500" cy="2295526"/>
+          </a:xfrm>
+          <a:prstGeom prst="rect">
+            <a:avLst/>
+          </a:prstGeom>
+          <a:noFill/>
+          <a:extLst>
+            <a:ext uri="{909E8E84-426E-40DD-AFC4-6F175D3DCCD1}">
+              <a14:hiddenFill xmlns:a14="http://schemas.microsoft.com/office/drawing/2010/main">
+                <a:solidFill>
+                  <a:srgbClr val="FFFFFF"/>
+                </a:solidFill>
+              </a14:hiddenFill>
+            </a:ext>
+          </a:extLst>
+        </p:spPr>
+      </p:pic>
+    </p:spTree>
+    <p:extLst>
+      <p:ext uri="{BB962C8B-B14F-4D97-AF65-F5344CB8AC3E}">
+        <p14:creationId xmlns:p14="http://schemas.microsoft.com/office/powerpoint/2010/main" val="1782135326"/>
+      </p:ext>
+    </p:extLst>
+  </p:cSld>
+  <p:clrMapOvr>
+    <a:masterClrMapping/>
+  </p:clrMapOvr>
+</p:sld>
+</file>
+
+<file path=ppt/slides/slide20.xml><?xml version="1.0" encoding="utf-8"?>
 <p:sld xmlns:a="http://schemas.openxmlformats.org/drawingml/2006/main" xmlns:r="http://schemas.openxmlformats.org/officeDocument/2006/relationships" xmlns:p="http://schemas.openxmlformats.org/presentationml/2006/main">
   <p:cSld>
     <p:spTree>
@@ -14450,7 +15134,7 @@
 </p:sld>
 </file>
 
-<file path=ppt/slides/slide18.xml><?xml version="1.0" encoding="utf-8"?>
+<file path=ppt/slides/slide21.xml><?xml version="1.0" encoding="utf-8"?>
 <p:sld xmlns:a="http://schemas.openxmlformats.org/drawingml/2006/main" xmlns:r="http://schemas.openxmlformats.org/officeDocument/2006/relationships" xmlns:p="http://schemas.openxmlformats.org/presentationml/2006/main">
   <p:cSld>
     <p:spTree>
@@ -14614,7 +15298,7 @@
                 <a14:useLocalDpi xmlns:a14="http://schemas.microsoft.com/office/drawing/2010/main" val="0"/>
               </a:ext>
               <a:ext uri="{96DAC541-7B7A-43D3-8B79-37D633B846F1}">
-                <asvg:svgBlip xmlns:asvg="http://schemas.microsoft.com/office/drawing/2016/SVG/main" r:embed="rId4"/>
+                <asvg:svgBlip xmlns:asvg="http://schemas.microsoft.com/office/drawing/2016/SVG/main" xmlns="" r:embed="rId4"/>
               </a:ext>
             </a:extLst>
           </a:blip>
@@ -14636,173 +15320,6 @@
     <p:extLst>
       <p:ext uri="{BB962C8B-B14F-4D97-AF65-F5344CB8AC3E}">
         <p14:creationId xmlns:p14="http://schemas.microsoft.com/office/powerpoint/2010/main" val="1635517412"/>
-      </p:ext>
-    </p:extLst>
-  </p:cSld>
-  <p:clrMapOvr>
-    <a:masterClrMapping/>
-  </p:clrMapOvr>
-</p:sld>
-</file>
-
-<file path=ppt/slides/slide2.xml><?xml version="1.0" encoding="utf-8"?>
-<p:sld xmlns:a="http://schemas.openxmlformats.org/drawingml/2006/main" xmlns:r="http://schemas.openxmlformats.org/officeDocument/2006/relationships" xmlns:p="http://schemas.openxmlformats.org/presentationml/2006/main">
-  <p:cSld>
-    <p:spTree>
-      <p:nvGrpSpPr>
-        <p:cNvPr id="1" name=""/>
-        <p:cNvGrpSpPr/>
-        <p:nvPr/>
-      </p:nvGrpSpPr>
-      <p:grpSpPr>
-        <a:xfrm>
-          <a:off x="0" y="0"/>
-          <a:ext cx="0" cy="0"/>
-          <a:chOff x="0" y="0"/>
-          <a:chExt cx="0" cy="0"/>
-        </a:xfrm>
-      </p:grpSpPr>
-      <p:sp>
-        <p:nvSpPr>
-          <p:cNvPr id="3" name="Объект 2"/>
-          <p:cNvSpPr>
-            <a:spLocks noGrp="1"/>
-          </p:cNvSpPr>
-          <p:nvPr>
-            <p:ph sz="quarter" idx="13"/>
-          </p:nvPr>
-        </p:nvSpPr>
-        <p:spPr>
-          <a:xfrm>
-            <a:off x="1295469" y="1628775"/>
-            <a:ext cx="9601131" cy="4679950"/>
-          </a:xfrm>
-        </p:spPr>
-        <p:txBody>
-          <a:bodyPr>
-            <a:normAutofit/>
-          </a:bodyPr>
-          <a:lstStyle/>
-          <a:p>
-            <a:r>
-              <a:rPr lang="ru-RU" sz="2800" dirty="0"/>
-              <a:t>При изменении кода хорошо бы иметь тесты</a:t>
-            </a:r>
-          </a:p>
-          <a:p>
-            <a:r>
-              <a:rPr lang="ru-RU" sz="2800" dirty="0"/>
-              <a:t>Чтобы создать тесты, нужно что-то поменять</a:t>
-            </a:r>
-          </a:p>
-        </p:txBody>
-      </p:sp>
-      <p:sp>
-        <p:nvSpPr>
-          <p:cNvPr id="2" name="Заголовок 1"/>
-          <p:cNvSpPr>
-            <a:spLocks noGrp="1"/>
-          </p:cNvSpPr>
-          <p:nvPr>
-            <p:ph type="title"/>
-          </p:nvPr>
-        </p:nvSpPr>
-        <p:spPr/>
-        <p:txBody>
-          <a:bodyPr/>
-          <a:lstStyle/>
-          <a:p>
-            <a:r>
-              <a:rPr lang="ru-RU" dirty="0"/>
-              <a:t>Дилемма</a:t>
-            </a:r>
-          </a:p>
-        </p:txBody>
-      </p:sp>
-      <p:sp>
-        <p:nvSpPr>
-          <p:cNvPr id="4" name="AutoShape 2" descr="Картинки по запросу dead lock"/>
-          <p:cNvSpPr>
-            <a:spLocks noChangeAspect="1" noChangeArrowheads="1"/>
-          </p:cNvSpPr>
-          <p:nvPr/>
-        </p:nvSpPr>
-        <p:spPr bwMode="auto">
-          <a:xfrm>
-            <a:off x="5629275" y="4833938"/>
-            <a:ext cx="304800" cy="304801"/>
-          </a:xfrm>
-          <a:prstGeom prst="rect">
-            <a:avLst/>
-          </a:prstGeom>
-          <a:noFill/>
-          <a:extLst>
-            <a:ext uri="{909E8E84-426E-40DD-AFC4-6F175D3DCCD1}">
-              <a14:hiddenFill xmlns:a14="http://schemas.microsoft.com/office/drawing/2010/main">
-                <a:solidFill>
-                  <a:srgbClr val="FFFFFF"/>
-                </a:solidFill>
-              </a14:hiddenFill>
-            </a:ext>
-          </a:extLst>
-        </p:spPr>
-        <p:txBody>
-          <a:bodyPr vert="horz" wrap="square" lIns="91440" tIns="45720" rIns="91440" bIns="45720" numCol="1" anchor="t" anchorCtr="0" compatLnSpc="1">
-            <a:prstTxWarp prst="textNoShape">
-              <a:avLst/>
-            </a:prstTxWarp>
-          </a:bodyPr>
-          <a:lstStyle/>
-          <a:p>
-            <a:endParaRPr lang="ru-RU"/>
-          </a:p>
-        </p:txBody>
-      </p:sp>
-      <p:pic>
-        <p:nvPicPr>
-          <p:cNvPr id="6148" name="Picture 4" descr="http://csunplugged.org/wp-content/uploads/2015/03/deadlock.jpg1286488735"/>
-          <p:cNvPicPr>
-            <a:picLocks noChangeAspect="1" noChangeArrowheads="1"/>
-          </p:cNvPicPr>
-          <p:nvPr/>
-        </p:nvPicPr>
-        <p:blipFill>
-          <a:blip r:embed="rId2">
-            <a:extLst>
-              <a:ext uri="{28A0092B-C50C-407E-A947-70E740481C1C}">
-                <a14:useLocalDpi xmlns:a14="http://schemas.microsoft.com/office/drawing/2010/main" val="0"/>
-              </a:ext>
-            </a:extLst>
-          </a:blip>
-          <a:srcRect/>
-          <a:stretch>
-            <a:fillRect/>
-          </a:stretch>
-        </p:blipFill>
-        <p:spPr bwMode="auto">
-          <a:xfrm>
-            <a:off x="4095750" y="3589337"/>
-            <a:ext cx="4000500" cy="2295526"/>
-          </a:xfrm>
-          <a:prstGeom prst="rect">
-            <a:avLst/>
-          </a:prstGeom>
-          <a:noFill/>
-          <a:extLst>
-            <a:ext uri="{909E8E84-426E-40DD-AFC4-6F175D3DCCD1}">
-              <a14:hiddenFill xmlns:a14="http://schemas.microsoft.com/office/drawing/2010/main">
-                <a:solidFill>
-                  <a:srgbClr val="FFFFFF"/>
-                </a:solidFill>
-              </a14:hiddenFill>
-            </a:ext>
-          </a:extLst>
-        </p:spPr>
-      </p:pic>
-    </p:spTree>
-    <p:extLst>
-      <p:ext uri="{BB962C8B-B14F-4D97-AF65-F5344CB8AC3E}">
-        <p14:creationId xmlns:p14="http://schemas.microsoft.com/office/powerpoint/2010/main" val="1782135326"/>
       </p:ext>
     </p:extLst>
   </p:cSld>
